--- a/slides/第1讲.pptx
+++ b/slides/第1讲.pptx
@@ -5,7 +5,7 @@
     <p:sldMasterId id="2147483664" r:id="rId1"/>
   </p:sldMasterIdLst>
   <p:notesMasterIdLst>
-    <p:notesMasterId r:id="rId34"/>
+    <p:notesMasterId r:id="rId35"/>
   </p:notesMasterIdLst>
   <p:sldIdLst>
     <p:sldId id="256" r:id="rId2"/>
@@ -14,32 +14,33 @@
     <p:sldId id="259" r:id="rId5"/>
     <p:sldId id="264" r:id="rId6"/>
     <p:sldId id="261" r:id="rId7"/>
-    <p:sldId id="262" r:id="rId8"/>
-    <p:sldId id="263" r:id="rId9"/>
-    <p:sldId id="265" r:id="rId10"/>
-    <p:sldId id="266" r:id="rId11"/>
-    <p:sldId id="281" r:id="rId12"/>
-    <p:sldId id="282" r:id="rId13"/>
-    <p:sldId id="283" r:id="rId14"/>
-    <p:sldId id="284" r:id="rId15"/>
-    <p:sldId id="267" r:id="rId16"/>
-    <p:sldId id="268" r:id="rId17"/>
-    <p:sldId id="285" r:id="rId18"/>
-    <p:sldId id="286" r:id="rId19"/>
-    <p:sldId id="269" r:id="rId20"/>
-    <p:sldId id="287" r:id="rId21"/>
-    <p:sldId id="270" r:id="rId22"/>
-    <p:sldId id="272" r:id="rId23"/>
-    <p:sldId id="271" r:id="rId24"/>
-    <p:sldId id="288" r:id="rId25"/>
-    <p:sldId id="273" r:id="rId26"/>
-    <p:sldId id="291" r:id="rId27"/>
-    <p:sldId id="289" r:id="rId28"/>
-    <p:sldId id="276" r:id="rId29"/>
-    <p:sldId id="275" r:id="rId30"/>
-    <p:sldId id="277" r:id="rId31"/>
-    <p:sldId id="279" r:id="rId32"/>
-    <p:sldId id="290" r:id="rId33"/>
+    <p:sldId id="292" r:id="rId8"/>
+    <p:sldId id="262" r:id="rId9"/>
+    <p:sldId id="263" r:id="rId10"/>
+    <p:sldId id="265" r:id="rId11"/>
+    <p:sldId id="266" r:id="rId12"/>
+    <p:sldId id="281" r:id="rId13"/>
+    <p:sldId id="282" r:id="rId14"/>
+    <p:sldId id="283" r:id="rId15"/>
+    <p:sldId id="284" r:id="rId16"/>
+    <p:sldId id="267" r:id="rId17"/>
+    <p:sldId id="268" r:id="rId18"/>
+    <p:sldId id="285" r:id="rId19"/>
+    <p:sldId id="286" r:id="rId20"/>
+    <p:sldId id="269" r:id="rId21"/>
+    <p:sldId id="287" r:id="rId22"/>
+    <p:sldId id="270" r:id="rId23"/>
+    <p:sldId id="272" r:id="rId24"/>
+    <p:sldId id="271" r:id="rId25"/>
+    <p:sldId id="288" r:id="rId26"/>
+    <p:sldId id="273" r:id="rId27"/>
+    <p:sldId id="291" r:id="rId28"/>
+    <p:sldId id="289" r:id="rId29"/>
+    <p:sldId id="276" r:id="rId30"/>
+    <p:sldId id="275" r:id="rId31"/>
+    <p:sldId id="277" r:id="rId32"/>
+    <p:sldId id="279" r:id="rId33"/>
+    <p:sldId id="290" r:id="rId34"/>
   </p:sldIdLst>
   <p:sldSz cx="9144000" cy="6858000" type="screen4x3"/>
   <p:notesSz cx="6858000" cy="9144000"/>
@@ -228,7 +229,7 @@
           <a:p>
             <a:fld id="{7F492DE6-0C20-4C0A-86FC-EB6C5C0E5A4D}" type="datetimeFigureOut">
               <a:rPr lang="zh-CN" altLang="en-US" smtClean="0"/>
-              <a:t>2019/9/9</a:t>
+              <a:t>2020/9/3</a:t>
             </a:fld>
             <a:endParaRPr lang="zh-CN" altLang="en-US"/>
           </a:p>
@@ -1969,7 +1970,7 @@
           <a:p>
             <a:fld id="{59493D29-A96E-4F02-A4FF-00609BBA5A4F}" type="datetimeFigureOut">
               <a:rPr lang="zh-CN" altLang="en-US" smtClean="0"/>
-              <a:t>2019/9/9</a:t>
+              <a:t>2020/9/3</a:t>
             </a:fld>
             <a:endParaRPr lang="zh-CN" altLang="en-US"/>
           </a:p>
@@ -2407,7 +2408,7 @@
           <a:p>
             <a:r>
               <a:rPr lang="en-US" altLang="zh-CN" dirty="0" smtClean="0"/>
-              <a:t>2019</a:t>
+              <a:t>2020</a:t>
             </a:r>
             <a:r>
               <a:rPr lang="zh-CN" altLang="en-US" dirty="0" smtClean="0"/>
@@ -2422,11 +2423,11 @@
               <a:t>月</a:t>
             </a:r>
             <a:r>
-              <a:rPr lang="en-US" altLang="zh-CN" dirty="0" smtClean="0"/>
-              <a:t>5</a:t>
-            </a:r>
-            <a:r>
-              <a:rPr lang="zh-CN" altLang="en-US" dirty="0" smtClean="0"/>
+              <a:rPr lang="en-US" altLang="zh-CN" dirty="0"/>
+              <a:t>3</a:t>
+            </a:r>
+            <a:r>
+              <a:rPr lang="zh-CN" altLang="en-US" smtClean="0"/>
               <a:t>日</a:t>
             </a:r>
             <a:endParaRPr lang="zh-CN" altLang="en-US" dirty="0"/>
@@ -2487,9 +2488,9 @@
           <a:p>
             <a:r>
               <a:rPr lang="zh-CN" altLang="en-US" dirty="0" smtClean="0"/>
-              <a:t>矩阵</a:t>
-            </a:r>
-            <a:endParaRPr lang="en-US" altLang="zh-CN" dirty="0" smtClean="0"/>
+              <a:t>数据类型</a:t>
+            </a:r>
+            <a:endParaRPr lang="zh-CN" altLang="en-US" dirty="0"/>
           </a:p>
         </p:txBody>
       </p:sp>
@@ -2510,474 +2511,16 @@
           <a:p>
             <a:r>
               <a:rPr lang="en-US" altLang="zh-CN" dirty="0" smtClean="0"/>
-              <a:t>MATLAB</a:t>
-            </a:r>
-            <a:r>
-              <a:rPr lang="zh-CN" altLang="en-US" dirty="0" smtClean="0"/>
-              <a:t>中矩阵（</a:t>
-            </a:r>
-            <a:r>
-              <a:rPr lang="en-US" altLang="zh-CN" dirty="0" smtClean="0"/>
-              <a:t>double</a:t>
-            </a:r>
-            <a:r>
-              <a:rPr lang="zh-CN" altLang="en-US" dirty="0" smtClean="0"/>
-              <a:t>型）是最基本的变量类型</a:t>
+              <a:t>2</a:t>
             </a:r>
             <a:endParaRPr lang="zh-CN" altLang="en-US" dirty="0"/>
-          </a:p>
-        </p:txBody>
-      </p:sp>
-      <p:pic>
-        <p:nvPicPr>
-          <p:cNvPr id="2" name="图片 1"/>
-          <p:cNvPicPr>
-            <a:picLocks noChangeAspect="1"/>
-          </p:cNvPicPr>
-          <p:nvPr/>
-        </p:nvPicPr>
-        <p:blipFill>
-          <a:blip r:embed="rId2"/>
-          <a:stretch>
-            <a:fillRect/>
-          </a:stretch>
-        </p:blipFill>
-        <p:spPr>
-          <a:xfrm>
-            <a:off x="2969327" y="1430451"/>
-            <a:ext cx="457223" cy="571529"/>
-          </a:xfrm>
-          <a:prstGeom prst="rect">
-            <a:avLst/>
-          </a:prstGeom>
-          <a:ln>
-            <a:solidFill>
-              <a:schemeClr val="tx1"/>
-            </a:solidFill>
-          </a:ln>
-        </p:spPr>
-      </p:pic>
-      <p:pic>
-        <p:nvPicPr>
-          <p:cNvPr id="6" name="图片 5"/>
-          <p:cNvPicPr>
-            <a:picLocks noChangeAspect="1"/>
-          </p:cNvPicPr>
-          <p:nvPr/>
-        </p:nvPicPr>
-        <p:blipFill>
-          <a:blip r:embed="rId3"/>
-          <a:stretch>
-            <a:fillRect/>
-          </a:stretch>
-        </p:blipFill>
-        <p:spPr>
-          <a:xfrm>
-            <a:off x="5730875" y="1443151"/>
-            <a:ext cx="1670136" cy="558829"/>
-          </a:xfrm>
-          <a:prstGeom prst="rect">
-            <a:avLst/>
-          </a:prstGeom>
-          <a:ln>
-            <a:solidFill>
-              <a:schemeClr val="tx1"/>
-            </a:solidFill>
-          </a:ln>
-        </p:spPr>
-      </p:pic>
-      <p:pic>
-        <p:nvPicPr>
-          <p:cNvPr id="7" name="图片 6"/>
-          <p:cNvPicPr>
-            <a:picLocks noChangeAspect="1"/>
-          </p:cNvPicPr>
-          <p:nvPr/>
-        </p:nvPicPr>
-        <p:blipFill>
-          <a:blip r:embed="rId4"/>
-          <a:stretch>
-            <a:fillRect/>
-          </a:stretch>
-        </p:blipFill>
-        <p:spPr>
-          <a:xfrm>
-            <a:off x="2969327" y="2979851"/>
-            <a:ext cx="1612983" cy="1092256"/>
-          </a:xfrm>
-          <a:prstGeom prst="rect">
-            <a:avLst/>
-          </a:prstGeom>
-          <a:ln>
-            <a:solidFill>
-              <a:schemeClr val="tx1"/>
-            </a:solidFill>
-          </a:ln>
-        </p:spPr>
-      </p:pic>
-      <p:pic>
-        <p:nvPicPr>
-          <p:cNvPr id="8" name="图片 7"/>
-          <p:cNvPicPr>
-            <a:picLocks noChangeAspect="1"/>
-          </p:cNvPicPr>
-          <p:nvPr/>
-        </p:nvPicPr>
-        <p:blipFill>
-          <a:blip r:embed="rId5"/>
-          <a:stretch>
-            <a:fillRect/>
-          </a:stretch>
-        </p:blipFill>
-        <p:spPr>
-          <a:xfrm>
-            <a:off x="5730875" y="3151310"/>
-            <a:ext cx="2463927" cy="920797"/>
-          </a:xfrm>
-          <a:prstGeom prst="rect">
-            <a:avLst/>
-          </a:prstGeom>
-          <a:ln>
-            <a:solidFill>
-              <a:schemeClr val="tx1"/>
-            </a:solidFill>
-          </a:ln>
-        </p:spPr>
-      </p:pic>
-      <p:sp>
-        <p:nvSpPr>
-          <p:cNvPr id="9" name="文本框 8"/>
-          <p:cNvSpPr txBox="1"/>
-          <p:nvPr/>
-        </p:nvSpPr>
-        <p:spPr>
-          <a:xfrm>
-            <a:off x="2859940" y="2048872"/>
-            <a:ext cx="1831756" cy="369332"/>
-          </a:xfrm>
-          <a:prstGeom prst="rect">
-            <a:avLst/>
-          </a:prstGeom>
-          <a:noFill/>
-        </p:spPr>
-        <p:txBody>
-          <a:bodyPr wrap="square" rtlCol="0">
-            <a:spAutoFit/>
-          </a:bodyPr>
-          <a:lstStyle/>
-          <a:p>
-            <a:r>
-              <a:rPr lang="zh-CN" altLang="en-US" dirty="0" smtClean="0">
-                <a:latin typeface="幼圆" panose="02010509060101010101" pitchFamily="49" charset="-122"/>
-                <a:ea typeface="幼圆" panose="02010509060101010101" pitchFamily="49" charset="-122"/>
-              </a:rPr>
-              <a:t>标量（</a:t>
-            </a:r>
-            <a:r>
-              <a:rPr lang="en-US" altLang="zh-CN" dirty="0" smtClean="0">
-                <a:latin typeface="幼圆" panose="02010509060101010101" pitchFamily="49" charset="-122"/>
-                <a:ea typeface="幼圆" panose="02010509060101010101" pitchFamily="49" charset="-122"/>
-              </a:rPr>
-              <a:t>1×1</a:t>
-            </a:r>
-            <a:r>
-              <a:rPr lang="zh-CN" altLang="en-US" dirty="0" smtClean="0">
-                <a:latin typeface="幼圆" panose="02010509060101010101" pitchFamily="49" charset="-122"/>
-                <a:ea typeface="幼圆" panose="02010509060101010101" pitchFamily="49" charset="-122"/>
-              </a:rPr>
-              <a:t>矩阵）</a:t>
-            </a:r>
-            <a:endParaRPr lang="zh-CN" altLang="en-US" dirty="0">
-              <a:latin typeface="幼圆" panose="02010509060101010101" pitchFamily="49" charset="-122"/>
-              <a:ea typeface="幼圆" panose="02010509060101010101" pitchFamily="49" charset="-122"/>
-            </a:endParaRPr>
-          </a:p>
-        </p:txBody>
-      </p:sp>
-      <p:sp>
-        <p:nvSpPr>
-          <p:cNvPr id="10" name="文本框 9"/>
-          <p:cNvSpPr txBox="1"/>
-          <p:nvPr/>
-        </p:nvSpPr>
-        <p:spPr>
-          <a:xfrm>
-            <a:off x="5642951" y="2048872"/>
-            <a:ext cx="2199787" cy="369332"/>
-          </a:xfrm>
-          <a:prstGeom prst="rect">
-            <a:avLst/>
-          </a:prstGeom>
-          <a:noFill/>
-        </p:spPr>
-        <p:txBody>
-          <a:bodyPr wrap="square" rtlCol="0">
-            <a:spAutoFit/>
-          </a:bodyPr>
-          <a:lstStyle/>
-          <a:p>
-            <a:r>
-              <a:rPr lang="zh-CN" altLang="en-US" dirty="0" smtClean="0">
-                <a:latin typeface="Times New Roman" panose="02020603050405020304" pitchFamily="18" charset="0"/>
-                <a:ea typeface="幼圆" panose="02010509060101010101" pitchFamily="49" charset="-122"/>
-              </a:rPr>
-              <a:t>行向量（</a:t>
-            </a:r>
-            <a:r>
-              <a:rPr lang="en-US" altLang="zh-CN" dirty="0" smtClean="0">
-                <a:latin typeface="Times New Roman" panose="02020603050405020304" pitchFamily="18" charset="0"/>
-                <a:ea typeface="幼圆" panose="02010509060101010101" pitchFamily="49" charset="-122"/>
-              </a:rPr>
-              <a:t>1×n</a:t>
-            </a:r>
-            <a:r>
-              <a:rPr lang="zh-CN" altLang="en-US" dirty="0" smtClean="0">
-                <a:latin typeface="Times New Roman" panose="02020603050405020304" pitchFamily="18" charset="0"/>
-                <a:ea typeface="幼圆" panose="02010509060101010101" pitchFamily="49" charset="-122"/>
-              </a:rPr>
-              <a:t>矩阵）</a:t>
-            </a:r>
-            <a:endParaRPr lang="zh-CN" altLang="en-US" dirty="0">
-              <a:latin typeface="Times New Roman" panose="02020603050405020304" pitchFamily="18" charset="0"/>
-              <a:ea typeface="幼圆" panose="02010509060101010101" pitchFamily="49" charset="-122"/>
-            </a:endParaRPr>
-          </a:p>
-        </p:txBody>
-      </p:sp>
-      <p:sp>
-        <p:nvSpPr>
-          <p:cNvPr id="11" name="文本框 10"/>
-          <p:cNvSpPr txBox="1"/>
-          <p:nvPr/>
-        </p:nvSpPr>
-        <p:spPr>
-          <a:xfrm>
-            <a:off x="2859940" y="4141441"/>
-            <a:ext cx="2199787" cy="369332"/>
-          </a:xfrm>
-          <a:prstGeom prst="rect">
-            <a:avLst/>
-          </a:prstGeom>
-          <a:noFill/>
-        </p:spPr>
-        <p:txBody>
-          <a:bodyPr wrap="square" rtlCol="0">
-            <a:spAutoFit/>
-          </a:bodyPr>
-          <a:lstStyle/>
-          <a:p>
-            <a:r>
-              <a:rPr lang="zh-CN" altLang="en-US" dirty="0" smtClean="0">
-                <a:latin typeface="Times New Roman" panose="02020603050405020304" pitchFamily="18" charset="0"/>
-                <a:ea typeface="幼圆" panose="02010509060101010101" pitchFamily="49" charset="-122"/>
-              </a:rPr>
-              <a:t>列向量（</a:t>
-            </a:r>
-            <a:r>
-              <a:rPr lang="en-US" altLang="zh-CN" dirty="0">
-                <a:latin typeface="Times New Roman" panose="02020603050405020304" pitchFamily="18" charset="0"/>
-                <a:ea typeface="幼圆" panose="02010509060101010101" pitchFamily="49" charset="-122"/>
-              </a:rPr>
-              <a:t>m</a:t>
-            </a:r>
-            <a:r>
-              <a:rPr lang="en-US" altLang="zh-CN" dirty="0" smtClean="0">
-                <a:latin typeface="Times New Roman" panose="02020603050405020304" pitchFamily="18" charset="0"/>
-                <a:ea typeface="幼圆" panose="02010509060101010101" pitchFamily="49" charset="-122"/>
-              </a:rPr>
-              <a:t>×1</a:t>
-            </a:r>
-            <a:r>
-              <a:rPr lang="zh-CN" altLang="en-US" dirty="0" smtClean="0">
-                <a:latin typeface="Times New Roman" panose="02020603050405020304" pitchFamily="18" charset="0"/>
-                <a:ea typeface="幼圆" panose="02010509060101010101" pitchFamily="49" charset="-122"/>
-              </a:rPr>
-              <a:t>矩阵）</a:t>
-            </a:r>
-            <a:endParaRPr lang="zh-CN" altLang="en-US" dirty="0">
-              <a:latin typeface="Times New Roman" panose="02020603050405020304" pitchFamily="18" charset="0"/>
-              <a:ea typeface="幼圆" panose="02010509060101010101" pitchFamily="49" charset="-122"/>
-            </a:endParaRPr>
-          </a:p>
-        </p:txBody>
-      </p:sp>
-      <p:sp>
-        <p:nvSpPr>
-          <p:cNvPr id="12" name="文本框 11"/>
-          <p:cNvSpPr txBox="1"/>
-          <p:nvPr/>
-        </p:nvSpPr>
-        <p:spPr>
-          <a:xfrm>
-            <a:off x="5642951" y="4141441"/>
-            <a:ext cx="2199787" cy="369332"/>
-          </a:xfrm>
-          <a:prstGeom prst="rect">
-            <a:avLst/>
-          </a:prstGeom>
-          <a:noFill/>
-        </p:spPr>
-        <p:txBody>
-          <a:bodyPr wrap="square" rtlCol="0">
-            <a:spAutoFit/>
-          </a:bodyPr>
-          <a:lstStyle/>
-          <a:p>
-            <a:r>
-              <a:rPr lang="en-US" altLang="zh-CN" dirty="0" err="1" smtClean="0">
-                <a:latin typeface="Times New Roman" panose="02020603050405020304" pitchFamily="18" charset="0"/>
-                <a:ea typeface="幼圆" panose="02010509060101010101" pitchFamily="49" charset="-122"/>
-              </a:rPr>
-              <a:t>m×n</a:t>
-            </a:r>
-            <a:r>
-              <a:rPr lang="zh-CN" altLang="en-US" dirty="0" smtClean="0">
-                <a:latin typeface="Times New Roman" panose="02020603050405020304" pitchFamily="18" charset="0"/>
-                <a:ea typeface="幼圆" panose="02010509060101010101" pitchFamily="49" charset="-122"/>
-              </a:rPr>
-              <a:t>矩阵</a:t>
-            </a:r>
-            <a:endParaRPr lang="zh-CN" altLang="en-US" dirty="0">
-              <a:latin typeface="Times New Roman" panose="02020603050405020304" pitchFamily="18" charset="0"/>
-              <a:ea typeface="幼圆" panose="02010509060101010101" pitchFamily="49" charset="-122"/>
-            </a:endParaRPr>
-          </a:p>
-        </p:txBody>
-      </p:sp>
-      <p:pic>
-        <p:nvPicPr>
-          <p:cNvPr id="13" name="图片 12"/>
-          <p:cNvPicPr>
-            <a:picLocks noChangeAspect="1"/>
-          </p:cNvPicPr>
-          <p:nvPr/>
-        </p:nvPicPr>
-        <p:blipFill>
-          <a:blip r:embed="rId6"/>
-          <a:stretch>
-            <a:fillRect/>
-          </a:stretch>
-        </p:blipFill>
-        <p:spPr>
-          <a:xfrm>
-            <a:off x="2969327" y="5224861"/>
-            <a:ext cx="2063856" cy="571529"/>
-          </a:xfrm>
-          <a:prstGeom prst="rect">
-            <a:avLst/>
-          </a:prstGeom>
-          <a:ln>
-            <a:solidFill>
-              <a:schemeClr val="tx1"/>
-            </a:solidFill>
-          </a:ln>
-        </p:spPr>
-      </p:pic>
-      <p:pic>
-        <p:nvPicPr>
-          <p:cNvPr id="14" name="图片 13"/>
-          <p:cNvPicPr>
-            <a:picLocks noChangeAspect="1"/>
-          </p:cNvPicPr>
-          <p:nvPr/>
-        </p:nvPicPr>
-        <p:blipFill>
-          <a:blip r:embed="rId7"/>
-          <a:stretch>
-            <a:fillRect/>
-          </a:stretch>
-        </p:blipFill>
-        <p:spPr>
-          <a:xfrm>
-            <a:off x="5730875" y="5214545"/>
-            <a:ext cx="2006703" cy="565179"/>
-          </a:xfrm>
-          <a:prstGeom prst="rect">
-            <a:avLst/>
-          </a:prstGeom>
-          <a:ln>
-            <a:solidFill>
-              <a:schemeClr val="tx1"/>
-            </a:solidFill>
-          </a:ln>
-        </p:spPr>
-      </p:pic>
-      <p:sp>
-        <p:nvSpPr>
-          <p:cNvPr id="15" name="文本框 14"/>
-          <p:cNvSpPr txBox="1"/>
-          <p:nvPr/>
-        </p:nvSpPr>
-        <p:spPr>
-          <a:xfrm>
-            <a:off x="2859940" y="5922400"/>
-            <a:ext cx="2199787" cy="369332"/>
-          </a:xfrm>
-          <a:prstGeom prst="rect">
-            <a:avLst/>
-          </a:prstGeom>
-          <a:noFill/>
-        </p:spPr>
-        <p:txBody>
-          <a:bodyPr wrap="square" rtlCol="0">
-            <a:spAutoFit/>
-          </a:bodyPr>
-          <a:lstStyle/>
-          <a:p>
-            <a:r>
-              <a:rPr lang="zh-CN" altLang="en-US" dirty="0" smtClean="0">
-                <a:latin typeface="Times New Roman" panose="02020603050405020304" pitchFamily="18" charset="0"/>
-                <a:ea typeface="幼圆" panose="02010509060101010101" pitchFamily="49" charset="-122"/>
-              </a:rPr>
-              <a:t>等差行向量</a:t>
-            </a:r>
-            <a:endParaRPr lang="zh-CN" altLang="en-US" dirty="0">
-              <a:latin typeface="Times New Roman" panose="02020603050405020304" pitchFamily="18" charset="0"/>
-              <a:ea typeface="幼圆" panose="02010509060101010101" pitchFamily="49" charset="-122"/>
-            </a:endParaRPr>
-          </a:p>
-        </p:txBody>
-      </p:sp>
-      <p:sp>
-        <p:nvSpPr>
-          <p:cNvPr id="16" name="文本框 15"/>
-          <p:cNvSpPr txBox="1"/>
-          <p:nvPr/>
-        </p:nvSpPr>
-        <p:spPr>
-          <a:xfrm>
-            <a:off x="5634332" y="5922400"/>
-            <a:ext cx="2199787" cy="369332"/>
-          </a:xfrm>
-          <a:prstGeom prst="rect">
-            <a:avLst/>
-          </a:prstGeom>
-          <a:noFill/>
-        </p:spPr>
-        <p:txBody>
-          <a:bodyPr wrap="square" rtlCol="0">
-            <a:spAutoFit/>
-          </a:bodyPr>
-          <a:lstStyle/>
-          <a:p>
-            <a:r>
-              <a:rPr lang="zh-CN" altLang="en-US" dirty="0" smtClean="0">
-                <a:latin typeface="Times New Roman" panose="02020603050405020304" pitchFamily="18" charset="0"/>
-                <a:ea typeface="幼圆" panose="02010509060101010101" pitchFamily="49" charset="-122"/>
-              </a:rPr>
-              <a:t>等差行向量</a:t>
-            </a:r>
-            <a:endParaRPr lang="zh-CN" altLang="en-US" dirty="0">
-              <a:latin typeface="Times New Roman" panose="02020603050405020304" pitchFamily="18" charset="0"/>
-              <a:ea typeface="幼圆" panose="02010509060101010101" pitchFamily="49" charset="-122"/>
-            </a:endParaRPr>
           </a:p>
         </p:txBody>
       </p:sp>
     </p:spTree>
     <p:extLst>
       <p:ext uri="{BB962C8B-B14F-4D97-AF65-F5344CB8AC3E}">
-        <p14:creationId xmlns:p14="http://schemas.microsoft.com/office/powerpoint/2010/main" val="1478594883"/>
+        <p14:creationId xmlns:p14="http://schemas.microsoft.com/office/powerpoint/2010/main" val="717135678"/>
       </p:ext>
     </p:extLst>
   </p:cSld>
@@ -3013,7 +2556,7 @@
       </p:grpSpPr>
       <p:sp>
         <p:nvSpPr>
-          <p:cNvPr id="2" name="文本占位符 1"/>
+          <p:cNvPr id="4" name="文本占位符 3"/>
           <p:cNvSpPr>
             <a:spLocks noGrp="1"/>
           </p:cNvSpPr>
@@ -3028,22 +2571,15 @@
           <a:p>
             <a:r>
               <a:rPr lang="zh-CN" altLang="en-US" dirty="0" smtClean="0"/>
-              <a:t>矩阵的</a:t>
+              <a:t>矩阵</a:t>
             </a:r>
             <a:endParaRPr lang="en-US" altLang="zh-CN" dirty="0" smtClean="0"/>
           </a:p>
-          <a:p>
-            <a:r>
-              <a:rPr lang="zh-CN" altLang="en-US" dirty="0" smtClean="0"/>
-              <a:t>引用</a:t>
-            </a:r>
-            <a:endParaRPr lang="zh-CN" altLang="en-US" dirty="0"/>
-          </a:p>
-        </p:txBody>
-      </p:sp>
-      <p:sp>
-        <p:nvSpPr>
-          <p:cNvPr id="3" name="文本占位符 2"/>
+        </p:txBody>
+      </p:sp>
+      <p:sp>
+        <p:nvSpPr>
+          <p:cNvPr id="5" name="文本占位符 4"/>
           <p:cNvSpPr>
             <a:spLocks noGrp="1"/>
           </p:cNvSpPr>
@@ -3057,28 +2593,20 @@
           <a:lstStyle/>
           <a:p>
             <a:r>
-              <a:rPr lang="zh-CN" altLang="en-US" dirty="0" smtClean="0"/>
-              <a:t>可以自由地引用矩阵的某一部分</a:t>
-            </a:r>
-            <a:r>
               <a:rPr lang="en-US" altLang="zh-CN" dirty="0" smtClean="0"/>
-              <a:t>(</a:t>
-            </a:r>
-            <a:r>
-              <a:rPr lang="zh-CN" altLang="en-US" dirty="0" smtClean="0"/>
-              <a:t>下标从</a:t>
+              <a:t>MATLAB</a:t>
+            </a:r>
+            <a:r>
+              <a:rPr lang="zh-CN" altLang="en-US" dirty="0" smtClean="0"/>
+              <a:t>中矩阵（</a:t>
             </a:r>
             <a:r>
               <a:rPr lang="en-US" altLang="zh-CN" dirty="0" smtClean="0"/>
-              <a:t>1</a:t>
-            </a:r>
-            <a:r>
-              <a:rPr lang="zh-CN" altLang="en-US" dirty="0" smtClean="0"/>
-              <a:t>开始</a:t>
-            </a:r>
-            <a:r>
-              <a:rPr lang="en-US" altLang="zh-CN" dirty="0" smtClean="0"/>
-              <a:t>)</a:t>
+              <a:t>double</a:t>
+            </a:r>
+            <a:r>
+              <a:rPr lang="zh-CN" altLang="en-US" dirty="0" smtClean="0"/>
+              <a:t>型）是最基本的变量类型</a:t>
             </a:r>
             <a:endParaRPr lang="zh-CN" altLang="en-US" dirty="0"/>
           </a:p>
@@ -3086,7 +2614,7 @@
       </p:sp>
       <p:pic>
         <p:nvPicPr>
-          <p:cNvPr id="4" name="图片 3"/>
+          <p:cNvPr id="2" name="图片 1"/>
           <p:cNvPicPr>
             <a:picLocks noChangeAspect="1"/>
           </p:cNvPicPr>
@@ -3100,8 +2628,8 @@
         </p:blipFill>
         <p:spPr>
           <a:xfrm>
-            <a:off x="2767404" y="1221968"/>
-            <a:ext cx="1600282" cy="920797"/>
+            <a:off x="2969327" y="1430451"/>
+            <a:ext cx="457223" cy="571529"/>
           </a:xfrm>
           <a:prstGeom prst="rect">
             <a:avLst/>
@@ -3115,7 +2643,7 @@
       </p:pic>
       <p:pic>
         <p:nvPicPr>
-          <p:cNvPr id="5" name="图片 4"/>
+          <p:cNvPr id="6" name="图片 5"/>
           <p:cNvPicPr>
             <a:picLocks noChangeAspect="1"/>
           </p:cNvPicPr>
@@ -3129,8 +2657,8 @@
         </p:blipFill>
         <p:spPr>
           <a:xfrm>
-            <a:off x="4954979" y="1415751"/>
-            <a:ext cx="1568531" cy="539778"/>
+            <a:off x="5730875" y="1443151"/>
+            <a:ext cx="1670136" cy="558829"/>
           </a:xfrm>
           <a:prstGeom prst="rect">
             <a:avLst/>
@@ -3144,7 +2672,7 @@
       </p:pic>
       <p:pic>
         <p:nvPicPr>
-          <p:cNvPr id="6" name="图片 5"/>
+          <p:cNvPr id="7" name="图片 6"/>
           <p:cNvPicPr>
             <a:picLocks noChangeAspect="1"/>
           </p:cNvPicPr>
@@ -3158,8 +2686,8 @@
         </p:blipFill>
         <p:spPr>
           <a:xfrm>
-            <a:off x="7110803" y="1415751"/>
-            <a:ext cx="1593932" cy="558829"/>
+            <a:off x="2969327" y="2979851"/>
+            <a:ext cx="1612983" cy="1092256"/>
           </a:xfrm>
           <a:prstGeom prst="rect">
             <a:avLst/>
@@ -3173,7 +2701,7 @@
       </p:pic>
       <p:pic>
         <p:nvPicPr>
-          <p:cNvPr id="7" name="图片 6"/>
+          <p:cNvPr id="8" name="图片 7"/>
           <p:cNvPicPr>
             <a:picLocks noChangeAspect="1"/>
           </p:cNvPicPr>
@@ -3187,8 +2715,8 @@
         </p:blipFill>
         <p:spPr>
           <a:xfrm>
-            <a:off x="2767404" y="2627230"/>
-            <a:ext cx="1574881" cy="1124008"/>
+            <a:off x="5730875" y="3151310"/>
+            <a:ext cx="2463927" cy="920797"/>
           </a:xfrm>
           <a:prstGeom prst="rect">
             <a:avLst/>
@@ -3200,9 +2728,209 @@
           </a:ln>
         </p:spPr>
       </p:pic>
+      <p:sp>
+        <p:nvSpPr>
+          <p:cNvPr id="9" name="文本框 8"/>
+          <p:cNvSpPr txBox="1"/>
+          <p:nvPr/>
+        </p:nvSpPr>
+        <p:spPr>
+          <a:xfrm>
+            <a:off x="2859940" y="2048872"/>
+            <a:ext cx="1831756" cy="369332"/>
+          </a:xfrm>
+          <a:prstGeom prst="rect">
+            <a:avLst/>
+          </a:prstGeom>
+          <a:noFill/>
+        </p:spPr>
+        <p:txBody>
+          <a:bodyPr wrap="square" rtlCol="0">
+            <a:spAutoFit/>
+          </a:bodyPr>
+          <a:lstStyle/>
+          <a:p>
+            <a:r>
+              <a:rPr lang="zh-CN" altLang="en-US" dirty="0" smtClean="0">
+                <a:latin typeface="幼圆" panose="02010509060101010101" pitchFamily="49" charset="-122"/>
+                <a:ea typeface="幼圆" panose="02010509060101010101" pitchFamily="49" charset="-122"/>
+              </a:rPr>
+              <a:t>标量（</a:t>
+            </a:r>
+            <a:r>
+              <a:rPr lang="en-US" altLang="zh-CN" dirty="0" smtClean="0">
+                <a:latin typeface="幼圆" panose="02010509060101010101" pitchFamily="49" charset="-122"/>
+                <a:ea typeface="幼圆" panose="02010509060101010101" pitchFamily="49" charset="-122"/>
+              </a:rPr>
+              <a:t>1×1</a:t>
+            </a:r>
+            <a:r>
+              <a:rPr lang="zh-CN" altLang="en-US" dirty="0" smtClean="0">
+                <a:latin typeface="幼圆" panose="02010509060101010101" pitchFamily="49" charset="-122"/>
+                <a:ea typeface="幼圆" panose="02010509060101010101" pitchFamily="49" charset="-122"/>
+              </a:rPr>
+              <a:t>矩阵）</a:t>
+            </a:r>
+            <a:endParaRPr lang="zh-CN" altLang="en-US" dirty="0">
+              <a:latin typeface="幼圆" panose="02010509060101010101" pitchFamily="49" charset="-122"/>
+              <a:ea typeface="幼圆" panose="02010509060101010101" pitchFamily="49" charset="-122"/>
+            </a:endParaRPr>
+          </a:p>
+        </p:txBody>
+      </p:sp>
+      <p:sp>
+        <p:nvSpPr>
+          <p:cNvPr id="10" name="文本框 9"/>
+          <p:cNvSpPr txBox="1"/>
+          <p:nvPr/>
+        </p:nvSpPr>
+        <p:spPr>
+          <a:xfrm>
+            <a:off x="5642951" y="2048872"/>
+            <a:ext cx="2199787" cy="369332"/>
+          </a:xfrm>
+          <a:prstGeom prst="rect">
+            <a:avLst/>
+          </a:prstGeom>
+          <a:noFill/>
+        </p:spPr>
+        <p:txBody>
+          <a:bodyPr wrap="square" rtlCol="0">
+            <a:spAutoFit/>
+          </a:bodyPr>
+          <a:lstStyle/>
+          <a:p>
+            <a:r>
+              <a:rPr lang="zh-CN" altLang="en-US" dirty="0" smtClean="0">
+                <a:latin typeface="Times New Roman" panose="02020603050405020304" pitchFamily="18" charset="0"/>
+                <a:ea typeface="幼圆" panose="02010509060101010101" pitchFamily="49" charset="-122"/>
+              </a:rPr>
+              <a:t>行向量（</a:t>
+            </a:r>
+            <a:r>
+              <a:rPr lang="en-US" altLang="zh-CN" dirty="0" smtClean="0">
+                <a:latin typeface="Times New Roman" panose="02020603050405020304" pitchFamily="18" charset="0"/>
+                <a:ea typeface="幼圆" panose="02010509060101010101" pitchFamily="49" charset="-122"/>
+              </a:rPr>
+              <a:t>1×n</a:t>
+            </a:r>
+            <a:r>
+              <a:rPr lang="zh-CN" altLang="en-US" dirty="0" smtClean="0">
+                <a:latin typeface="Times New Roman" panose="02020603050405020304" pitchFamily="18" charset="0"/>
+                <a:ea typeface="幼圆" panose="02010509060101010101" pitchFamily="49" charset="-122"/>
+              </a:rPr>
+              <a:t>矩阵）</a:t>
+            </a:r>
+            <a:endParaRPr lang="zh-CN" altLang="en-US" dirty="0">
+              <a:latin typeface="Times New Roman" panose="02020603050405020304" pitchFamily="18" charset="0"/>
+              <a:ea typeface="幼圆" panose="02010509060101010101" pitchFamily="49" charset="-122"/>
+            </a:endParaRPr>
+          </a:p>
+        </p:txBody>
+      </p:sp>
+      <p:sp>
+        <p:nvSpPr>
+          <p:cNvPr id="11" name="文本框 10"/>
+          <p:cNvSpPr txBox="1"/>
+          <p:nvPr/>
+        </p:nvSpPr>
+        <p:spPr>
+          <a:xfrm>
+            <a:off x="2859940" y="4141441"/>
+            <a:ext cx="2199787" cy="369332"/>
+          </a:xfrm>
+          <a:prstGeom prst="rect">
+            <a:avLst/>
+          </a:prstGeom>
+          <a:noFill/>
+        </p:spPr>
+        <p:txBody>
+          <a:bodyPr wrap="square" rtlCol="0">
+            <a:spAutoFit/>
+          </a:bodyPr>
+          <a:lstStyle/>
+          <a:p>
+            <a:r>
+              <a:rPr lang="zh-CN" altLang="en-US" dirty="0" smtClean="0">
+                <a:latin typeface="Times New Roman" panose="02020603050405020304" pitchFamily="18" charset="0"/>
+                <a:ea typeface="幼圆" panose="02010509060101010101" pitchFamily="49" charset="-122"/>
+              </a:rPr>
+              <a:t>列向量（</a:t>
+            </a:r>
+            <a:r>
+              <a:rPr lang="en-US" altLang="zh-CN" dirty="0">
+                <a:latin typeface="Times New Roman" panose="02020603050405020304" pitchFamily="18" charset="0"/>
+                <a:ea typeface="幼圆" panose="02010509060101010101" pitchFamily="49" charset="-122"/>
+              </a:rPr>
+              <a:t>m</a:t>
+            </a:r>
+            <a:r>
+              <a:rPr lang="en-US" altLang="zh-CN" dirty="0" smtClean="0">
+                <a:latin typeface="Times New Roman" panose="02020603050405020304" pitchFamily="18" charset="0"/>
+                <a:ea typeface="幼圆" panose="02010509060101010101" pitchFamily="49" charset="-122"/>
+              </a:rPr>
+              <a:t>×1</a:t>
+            </a:r>
+            <a:r>
+              <a:rPr lang="zh-CN" altLang="en-US" dirty="0" smtClean="0">
+                <a:latin typeface="Times New Roman" panose="02020603050405020304" pitchFamily="18" charset="0"/>
+                <a:ea typeface="幼圆" panose="02010509060101010101" pitchFamily="49" charset="-122"/>
+              </a:rPr>
+              <a:t>矩阵）</a:t>
+            </a:r>
+            <a:endParaRPr lang="zh-CN" altLang="en-US" dirty="0">
+              <a:latin typeface="Times New Roman" panose="02020603050405020304" pitchFamily="18" charset="0"/>
+              <a:ea typeface="幼圆" panose="02010509060101010101" pitchFamily="49" charset="-122"/>
+            </a:endParaRPr>
+          </a:p>
+        </p:txBody>
+      </p:sp>
+      <p:sp>
+        <p:nvSpPr>
+          <p:cNvPr id="12" name="文本框 11"/>
+          <p:cNvSpPr txBox="1"/>
+          <p:nvPr/>
+        </p:nvSpPr>
+        <p:spPr>
+          <a:xfrm>
+            <a:off x="5642951" y="4141441"/>
+            <a:ext cx="2199787" cy="369332"/>
+          </a:xfrm>
+          <a:prstGeom prst="rect">
+            <a:avLst/>
+          </a:prstGeom>
+          <a:noFill/>
+        </p:spPr>
+        <p:txBody>
+          <a:bodyPr wrap="square" rtlCol="0">
+            <a:spAutoFit/>
+          </a:bodyPr>
+          <a:lstStyle/>
+          <a:p>
+            <a:r>
+              <a:rPr lang="en-US" altLang="zh-CN" dirty="0" err="1" smtClean="0">
+                <a:latin typeface="Times New Roman" panose="02020603050405020304" pitchFamily="18" charset="0"/>
+                <a:ea typeface="幼圆" panose="02010509060101010101" pitchFamily="49" charset="-122"/>
+              </a:rPr>
+              <a:t>m×n</a:t>
+            </a:r>
+            <a:r>
+              <a:rPr lang="zh-CN" altLang="en-US" dirty="0" smtClean="0">
+                <a:latin typeface="Times New Roman" panose="02020603050405020304" pitchFamily="18" charset="0"/>
+                <a:ea typeface="幼圆" panose="02010509060101010101" pitchFamily="49" charset="-122"/>
+              </a:rPr>
+              <a:t>矩阵</a:t>
+            </a:r>
+            <a:endParaRPr lang="zh-CN" altLang="en-US" dirty="0">
+              <a:latin typeface="Times New Roman" panose="02020603050405020304" pitchFamily="18" charset="0"/>
+              <a:ea typeface="幼圆" panose="02010509060101010101" pitchFamily="49" charset="-122"/>
+            </a:endParaRPr>
+          </a:p>
+        </p:txBody>
+      </p:sp>
       <p:pic>
         <p:nvPicPr>
-          <p:cNvPr id="8" name="图片 7"/>
+          <p:cNvPr id="13" name="图片 12"/>
           <p:cNvPicPr>
             <a:picLocks noChangeAspect="1"/>
           </p:cNvPicPr>
@@ -3216,8 +2944,8 @@
         </p:blipFill>
         <p:spPr>
           <a:xfrm>
-            <a:off x="4954980" y="2835833"/>
-            <a:ext cx="2336920" cy="742988"/>
+            <a:off x="2969327" y="5224861"/>
+            <a:ext cx="2063856" cy="571529"/>
           </a:xfrm>
           <a:prstGeom prst="rect">
             <a:avLst/>
@@ -3231,7 +2959,7 @@
       </p:pic>
       <p:pic>
         <p:nvPicPr>
-          <p:cNvPr id="9" name="图片 8"/>
+          <p:cNvPr id="14" name="图片 13"/>
           <p:cNvPicPr>
             <a:picLocks noChangeAspect="1"/>
           </p:cNvPicPr>
@@ -3245,8 +2973,8 @@
         </p:blipFill>
         <p:spPr>
           <a:xfrm>
-            <a:off x="2767404" y="4235703"/>
-            <a:ext cx="2641736" cy="914447"/>
+            <a:off x="5730875" y="5214545"/>
+            <a:ext cx="2006703" cy="565179"/>
           </a:xfrm>
           <a:prstGeom prst="rect">
             <a:avLst/>
@@ -3258,39 +2986,82 @@
           </a:ln>
         </p:spPr>
       </p:pic>
-      <p:pic>
-        <p:nvPicPr>
-          <p:cNvPr id="10" name="图片 9"/>
-          <p:cNvPicPr>
-            <a:picLocks noChangeAspect="1"/>
-          </p:cNvPicPr>
-          <p:nvPr/>
-        </p:nvPicPr>
-        <p:blipFill>
-          <a:blip r:embed="rId8"/>
-          <a:stretch>
-            <a:fillRect/>
-          </a:stretch>
-        </p:blipFill>
-        <p:spPr>
-          <a:xfrm>
-            <a:off x="2767404" y="5634615"/>
-            <a:ext cx="4254719" cy="742988"/>
-          </a:xfrm>
-          <a:prstGeom prst="rect">
-            <a:avLst/>
-          </a:prstGeom>
-          <a:ln>
-            <a:solidFill>
-              <a:schemeClr val="tx1"/>
-            </a:solidFill>
-          </a:ln>
-        </p:spPr>
-      </p:pic>
+      <p:sp>
+        <p:nvSpPr>
+          <p:cNvPr id="15" name="文本框 14"/>
+          <p:cNvSpPr txBox="1"/>
+          <p:nvPr/>
+        </p:nvSpPr>
+        <p:spPr>
+          <a:xfrm>
+            <a:off x="2859940" y="5922400"/>
+            <a:ext cx="2199787" cy="369332"/>
+          </a:xfrm>
+          <a:prstGeom prst="rect">
+            <a:avLst/>
+          </a:prstGeom>
+          <a:noFill/>
+        </p:spPr>
+        <p:txBody>
+          <a:bodyPr wrap="square" rtlCol="0">
+            <a:spAutoFit/>
+          </a:bodyPr>
+          <a:lstStyle/>
+          <a:p>
+            <a:r>
+              <a:rPr lang="zh-CN" altLang="en-US" dirty="0" smtClean="0">
+                <a:latin typeface="Times New Roman" panose="02020603050405020304" pitchFamily="18" charset="0"/>
+                <a:ea typeface="幼圆" panose="02010509060101010101" pitchFamily="49" charset="-122"/>
+              </a:rPr>
+              <a:t>等差行向量</a:t>
+            </a:r>
+            <a:endParaRPr lang="zh-CN" altLang="en-US" dirty="0">
+              <a:latin typeface="Times New Roman" panose="02020603050405020304" pitchFamily="18" charset="0"/>
+              <a:ea typeface="幼圆" panose="02010509060101010101" pitchFamily="49" charset="-122"/>
+            </a:endParaRPr>
+          </a:p>
+        </p:txBody>
+      </p:sp>
+      <p:sp>
+        <p:nvSpPr>
+          <p:cNvPr id="16" name="文本框 15"/>
+          <p:cNvSpPr txBox="1"/>
+          <p:nvPr/>
+        </p:nvSpPr>
+        <p:spPr>
+          <a:xfrm>
+            <a:off x="5634332" y="5922400"/>
+            <a:ext cx="2199787" cy="369332"/>
+          </a:xfrm>
+          <a:prstGeom prst="rect">
+            <a:avLst/>
+          </a:prstGeom>
+          <a:noFill/>
+        </p:spPr>
+        <p:txBody>
+          <a:bodyPr wrap="square" rtlCol="0">
+            <a:spAutoFit/>
+          </a:bodyPr>
+          <a:lstStyle/>
+          <a:p>
+            <a:r>
+              <a:rPr lang="zh-CN" altLang="en-US" dirty="0" smtClean="0">
+                <a:latin typeface="Times New Roman" panose="02020603050405020304" pitchFamily="18" charset="0"/>
+                <a:ea typeface="幼圆" panose="02010509060101010101" pitchFamily="49" charset="-122"/>
+              </a:rPr>
+              <a:t>等差行向量</a:t>
+            </a:r>
+            <a:endParaRPr lang="zh-CN" altLang="en-US" dirty="0">
+              <a:latin typeface="Times New Roman" panose="02020603050405020304" pitchFamily="18" charset="0"/>
+              <a:ea typeface="幼圆" panose="02010509060101010101" pitchFamily="49" charset="-122"/>
+            </a:endParaRPr>
+          </a:p>
+        </p:txBody>
+      </p:sp>
     </p:spTree>
     <p:extLst>
       <p:ext uri="{BB962C8B-B14F-4D97-AF65-F5344CB8AC3E}">
-        <p14:creationId xmlns:p14="http://schemas.microsoft.com/office/powerpoint/2010/main" val="3959734552"/>
+        <p14:creationId xmlns:p14="http://schemas.microsoft.com/office/powerpoint/2010/main" val="1478594883"/>
       </p:ext>
     </p:extLst>
   </p:cSld>
@@ -3348,7 +3119,7 @@
           <a:p>
             <a:r>
               <a:rPr lang="zh-CN" altLang="en-US" dirty="0" smtClean="0"/>
-              <a:t>赋值</a:t>
+              <a:t>引用</a:t>
             </a:r>
             <a:endParaRPr lang="zh-CN" altLang="en-US" dirty="0"/>
           </a:p>
@@ -3371,7 +3142,27 @@
           <a:p>
             <a:r>
               <a:rPr lang="zh-CN" altLang="en-US" dirty="0" smtClean="0"/>
-              <a:t>可以对引用出的部分矩阵进行赋值</a:t>
+              <a:t>可以自由地引用矩阵的某一部分</a:t>
+            </a:r>
+            <a:r>
+              <a:rPr lang="en-US" altLang="zh-CN" dirty="0" smtClean="0"/>
+              <a:t>(</a:t>
+            </a:r>
+            <a:r>
+              <a:rPr lang="zh-CN" altLang="en-US" dirty="0" smtClean="0"/>
+              <a:t>下标从</a:t>
+            </a:r>
+            <a:r>
+              <a:rPr lang="en-US" altLang="zh-CN" dirty="0" smtClean="0"/>
+              <a:t>1</a:t>
+            </a:r>
+            <a:r>
+              <a:rPr lang="zh-CN" altLang="en-US" dirty="0" smtClean="0"/>
+              <a:t>开始</a:t>
+            </a:r>
+            <a:r>
+              <a:rPr lang="en-US" altLang="zh-CN" dirty="0" smtClean="0"/>
+              <a:t>)</a:t>
             </a:r>
             <a:endParaRPr lang="zh-CN" altLang="en-US" dirty="0"/>
           </a:p>
@@ -3393,8 +3184,8 @@
         </p:blipFill>
         <p:spPr>
           <a:xfrm>
-            <a:off x="6184020" y="1250840"/>
-            <a:ext cx="1625684" cy="1111307"/>
+            <a:off x="2767404" y="1221968"/>
+            <a:ext cx="1600282" cy="920797"/>
           </a:xfrm>
           <a:prstGeom prst="rect">
             <a:avLst/>
@@ -3422,8 +3213,8 @@
         </p:blipFill>
         <p:spPr>
           <a:xfrm>
-            <a:off x="3238251" y="1346096"/>
-            <a:ext cx="1600282" cy="920797"/>
+            <a:off x="4954979" y="1415751"/>
+            <a:ext cx="1568531" cy="539778"/>
           </a:xfrm>
           <a:prstGeom prst="rect">
             <a:avLst/>
@@ -3451,8 +3242,8 @@
         </p:blipFill>
         <p:spPr>
           <a:xfrm>
-            <a:off x="3238251" y="3120933"/>
-            <a:ext cx="1892397" cy="1124008"/>
+            <a:off x="7110803" y="1415751"/>
+            <a:ext cx="1593932" cy="558829"/>
           </a:xfrm>
           <a:prstGeom prst="rect">
             <a:avLst/>
@@ -3480,8 +3271,37 @@
         </p:blipFill>
         <p:spPr>
           <a:xfrm>
-            <a:off x="6184020" y="3120933"/>
-            <a:ext cx="2260716" cy="1124008"/>
+            <a:off x="2767404" y="2627230"/>
+            <a:ext cx="1574881" cy="1124008"/>
+          </a:xfrm>
+          <a:prstGeom prst="rect">
+            <a:avLst/>
+          </a:prstGeom>
+          <a:ln>
+            <a:solidFill>
+              <a:schemeClr val="tx1"/>
+            </a:solidFill>
+          </a:ln>
+        </p:spPr>
+      </p:pic>
+      <p:pic>
+        <p:nvPicPr>
+          <p:cNvPr id="8" name="图片 7"/>
+          <p:cNvPicPr>
+            <a:picLocks noChangeAspect="1"/>
+          </p:cNvPicPr>
+          <p:nvPr/>
+        </p:nvPicPr>
+        <p:blipFill>
+          <a:blip r:embed="rId6"/>
+          <a:stretch>
+            <a:fillRect/>
+          </a:stretch>
+        </p:blipFill>
+        <p:spPr>
+          <a:xfrm>
+            <a:off x="4954980" y="2835833"/>
+            <a:ext cx="2336920" cy="742988"/>
           </a:xfrm>
           <a:prstGeom prst="rect">
             <a:avLst/>
@@ -3502,15 +3322,15 @@
           <p:nvPr/>
         </p:nvPicPr>
         <p:blipFill>
-          <a:blip r:embed="rId6"/>
+          <a:blip r:embed="rId7"/>
           <a:stretch>
             <a:fillRect/>
           </a:stretch>
         </p:blipFill>
         <p:spPr>
           <a:xfrm>
-            <a:off x="3238251" y="5098982"/>
-            <a:ext cx="2101958" cy="1314518"/>
+            <a:off x="2767404" y="4235703"/>
+            <a:ext cx="2641736" cy="914447"/>
           </a:xfrm>
           <a:prstGeom prst="rect">
             <a:avLst/>
@@ -3531,15 +3351,15 @@
           <p:nvPr/>
         </p:nvPicPr>
         <p:blipFill>
-          <a:blip r:embed="rId7"/>
+          <a:blip r:embed="rId8"/>
           <a:stretch>
             <a:fillRect/>
           </a:stretch>
         </p:blipFill>
         <p:spPr>
           <a:xfrm>
-            <a:off x="6184020" y="5187887"/>
-            <a:ext cx="1886047" cy="1136708"/>
+            <a:off x="2767404" y="5634615"/>
+            <a:ext cx="4254719" cy="742988"/>
           </a:xfrm>
           <a:prstGeom prst="rect">
             <a:avLst/>
@@ -3554,7 +3374,7 @@
     </p:spTree>
     <p:extLst>
       <p:ext uri="{BB962C8B-B14F-4D97-AF65-F5344CB8AC3E}">
-        <p14:creationId xmlns:p14="http://schemas.microsoft.com/office/powerpoint/2010/main" val="2377334965"/>
+        <p14:creationId xmlns:p14="http://schemas.microsoft.com/office/powerpoint/2010/main" val="3959734552"/>
       </p:ext>
     </p:extLst>
   </p:cSld>
@@ -3612,7 +3432,7 @@
           <a:p>
             <a:r>
               <a:rPr lang="zh-CN" altLang="en-US" dirty="0" smtClean="0"/>
-              <a:t>预定义</a:t>
+              <a:t>赋值</a:t>
             </a:r>
             <a:endParaRPr lang="zh-CN" altLang="en-US" dirty="0"/>
           </a:p>
@@ -3635,7 +3455,7 @@
           <a:p>
             <a:r>
               <a:rPr lang="zh-CN" altLang="en-US" dirty="0" smtClean="0"/>
-              <a:t>更改矩阵的大小会降低运行效率，利用预定义矩阵的方式来预先分配内存</a:t>
+              <a:t>可以对引用出的部分矩阵进行赋值</a:t>
             </a:r>
             <a:endParaRPr lang="zh-CN" altLang="en-US" dirty="0"/>
           </a:p>
@@ -3657,8 +3477,8 @@
         </p:blipFill>
         <p:spPr>
           <a:xfrm>
-            <a:off x="2863729" y="1596997"/>
-            <a:ext cx="1695537" cy="819192"/>
+            <a:off x="6184020" y="1250840"/>
+            <a:ext cx="1625684" cy="1111307"/>
           </a:xfrm>
           <a:prstGeom prst="rect">
             <a:avLst/>
@@ -3686,8 +3506,8 @@
         </p:blipFill>
         <p:spPr>
           <a:xfrm>
-            <a:off x="4933795" y="1622399"/>
-            <a:ext cx="1638384" cy="768389"/>
+            <a:off x="3238251" y="1346096"/>
+            <a:ext cx="1600282" cy="920797"/>
           </a:xfrm>
           <a:prstGeom prst="rect">
             <a:avLst/>
@@ -3715,8 +3535,8 @@
         </p:blipFill>
         <p:spPr>
           <a:xfrm>
-            <a:off x="2489200" y="3304410"/>
-            <a:ext cx="1968601" cy="762039"/>
+            <a:off x="3238251" y="3120933"/>
+            <a:ext cx="1892397" cy="1124008"/>
           </a:xfrm>
           <a:prstGeom prst="rect">
             <a:avLst/>
@@ -3744,8 +3564,8 @@
         </p:blipFill>
         <p:spPr>
           <a:xfrm>
-            <a:off x="4635601" y="3304410"/>
-            <a:ext cx="2121009" cy="762039"/>
+            <a:off x="6184020" y="3120933"/>
+            <a:ext cx="2260716" cy="1124008"/>
           </a:xfrm>
           <a:prstGeom prst="rect">
             <a:avLst/>
@@ -3759,7 +3579,7 @@
       </p:pic>
       <p:pic>
         <p:nvPicPr>
-          <p:cNvPr id="8" name="图片 7"/>
+          <p:cNvPr id="9" name="图片 8"/>
           <p:cNvPicPr>
             <a:picLocks noChangeAspect="1"/>
           </p:cNvPicPr>
@@ -3773,8 +3593,8 @@
         </p:blipFill>
         <p:spPr>
           <a:xfrm>
-            <a:off x="6881621" y="3301235"/>
-            <a:ext cx="2197213" cy="768389"/>
+            <a:off x="3238251" y="5098982"/>
+            <a:ext cx="2101958" cy="1314518"/>
           </a:xfrm>
           <a:prstGeom prst="rect">
             <a:avLst/>
@@ -3788,7 +3608,7 @@
       </p:pic>
       <p:pic>
         <p:nvPicPr>
-          <p:cNvPr id="9" name="图片 8"/>
+          <p:cNvPr id="10" name="图片 9"/>
           <p:cNvPicPr>
             <a:picLocks noChangeAspect="1"/>
           </p:cNvPicPr>
@@ -3802,8 +3622,8 @@
         </p:blipFill>
         <p:spPr>
           <a:xfrm>
-            <a:off x="6946708" y="1530318"/>
-            <a:ext cx="1454225" cy="952549"/>
+            <a:off x="6184020" y="5187887"/>
+            <a:ext cx="1886047" cy="1136708"/>
           </a:xfrm>
           <a:prstGeom prst="rect">
             <a:avLst/>
@@ -3815,68 +3635,10 @@
           </a:ln>
         </p:spPr>
       </p:pic>
-      <p:pic>
-        <p:nvPicPr>
-          <p:cNvPr id="10" name="图片 9"/>
-          <p:cNvPicPr>
-            <a:picLocks noChangeAspect="1"/>
-          </p:cNvPicPr>
-          <p:nvPr/>
-        </p:nvPicPr>
-        <p:blipFill>
-          <a:blip r:embed="rId8"/>
-          <a:stretch>
-            <a:fillRect/>
-          </a:stretch>
-        </p:blipFill>
-        <p:spPr>
-          <a:xfrm>
-            <a:off x="3711497" y="4980071"/>
-            <a:ext cx="1739989" cy="965250"/>
-          </a:xfrm>
-          <a:prstGeom prst="rect">
-            <a:avLst/>
-          </a:prstGeom>
-          <a:ln>
-            <a:solidFill>
-              <a:schemeClr val="tx1"/>
-            </a:solidFill>
-          </a:ln>
-        </p:spPr>
-      </p:pic>
-      <p:pic>
-        <p:nvPicPr>
-          <p:cNvPr id="11" name="图片 10"/>
-          <p:cNvPicPr>
-            <a:picLocks noChangeAspect="1"/>
-          </p:cNvPicPr>
-          <p:nvPr/>
-        </p:nvPicPr>
-        <p:blipFill>
-          <a:blip r:embed="rId9"/>
-          <a:stretch>
-            <a:fillRect/>
-          </a:stretch>
-        </p:blipFill>
-        <p:spPr>
-          <a:xfrm>
-            <a:off x="5876678" y="5002297"/>
-            <a:ext cx="1822544" cy="920797"/>
-          </a:xfrm>
-          <a:prstGeom prst="rect">
-            <a:avLst/>
-          </a:prstGeom>
-          <a:ln>
-            <a:solidFill>
-              <a:schemeClr val="tx1"/>
-            </a:solidFill>
-          </a:ln>
-        </p:spPr>
-      </p:pic>
     </p:spTree>
     <p:extLst>
       <p:ext uri="{BB962C8B-B14F-4D97-AF65-F5344CB8AC3E}">
-        <p14:creationId xmlns:p14="http://schemas.microsoft.com/office/powerpoint/2010/main" val="2356289918"/>
+        <p14:creationId xmlns:p14="http://schemas.microsoft.com/office/powerpoint/2010/main" val="2377334965"/>
       </p:ext>
     </p:extLst>
   </p:cSld>
@@ -3934,7 +3696,7 @@
           <a:p>
             <a:r>
               <a:rPr lang="zh-CN" altLang="en-US" dirty="0" smtClean="0"/>
-              <a:t>显示</a:t>
+              <a:t>预定义</a:t>
             </a:r>
             <a:endParaRPr lang="zh-CN" altLang="en-US" dirty="0"/>
           </a:p>
@@ -3957,7 +3719,7 @@
           <a:p>
             <a:r>
               <a:rPr lang="zh-CN" altLang="en-US" dirty="0" smtClean="0"/>
-              <a:t>有多种方式可以在命令行中显示矩阵</a:t>
+              <a:t>更改矩阵的大小会降低运行效率，利用预定义矩阵的方式来预先分配内存</a:t>
             </a:r>
             <a:endParaRPr lang="zh-CN" altLang="en-US" dirty="0"/>
           </a:p>
@@ -3965,7 +3727,7 @@
       </p:sp>
       <p:pic>
         <p:nvPicPr>
-          <p:cNvPr id="5" name="图片 4"/>
+          <p:cNvPr id="4" name="图片 3"/>
           <p:cNvPicPr>
             <a:picLocks noChangeAspect="1"/>
           </p:cNvPicPr>
@@ -3979,8 +3741,37 @@
         </p:blipFill>
         <p:spPr>
           <a:xfrm>
-            <a:off x="3232049" y="3001414"/>
-            <a:ext cx="1968601" cy="393720"/>
+            <a:off x="2863729" y="1596997"/>
+            <a:ext cx="1695537" cy="819192"/>
+          </a:xfrm>
+          <a:prstGeom prst="rect">
+            <a:avLst/>
+          </a:prstGeom>
+          <a:ln>
+            <a:solidFill>
+              <a:schemeClr val="tx1"/>
+            </a:solidFill>
+          </a:ln>
+        </p:spPr>
+      </p:pic>
+      <p:pic>
+        <p:nvPicPr>
+          <p:cNvPr id="5" name="图片 4"/>
+          <p:cNvPicPr>
+            <a:picLocks noChangeAspect="1"/>
+          </p:cNvPicPr>
+          <p:nvPr/>
+        </p:nvPicPr>
+        <p:blipFill>
+          <a:blip r:embed="rId3"/>
+          <a:stretch>
+            <a:fillRect/>
+          </a:stretch>
+        </p:blipFill>
+        <p:spPr>
+          <a:xfrm>
+            <a:off x="4933795" y="1622399"/>
+            <a:ext cx="1638384" cy="768389"/>
           </a:xfrm>
           <a:prstGeom prst="rect">
             <a:avLst/>
@@ -4001,15 +3792,15 @@
           <p:nvPr/>
         </p:nvPicPr>
         <p:blipFill>
-          <a:blip r:embed="rId3"/>
+          <a:blip r:embed="rId4"/>
           <a:stretch>
             <a:fillRect/>
           </a:stretch>
         </p:blipFill>
         <p:spPr>
           <a:xfrm>
-            <a:off x="3232049" y="1484419"/>
-            <a:ext cx="2298818" cy="704886"/>
+            <a:off x="2489200" y="3304410"/>
+            <a:ext cx="1968601" cy="762039"/>
           </a:xfrm>
           <a:prstGeom prst="rect">
             <a:avLst/>
@@ -4030,15 +3821,44 @@
           <p:nvPr/>
         </p:nvPicPr>
         <p:blipFill>
-          <a:blip r:embed="rId4"/>
+          <a:blip r:embed="rId5"/>
           <a:stretch>
             <a:fillRect/>
           </a:stretch>
         </p:blipFill>
         <p:spPr>
           <a:xfrm>
-            <a:off x="3232049" y="4207243"/>
-            <a:ext cx="2324219" cy="361969"/>
+            <a:off x="4635601" y="3304410"/>
+            <a:ext cx="2121009" cy="762039"/>
+          </a:xfrm>
+          <a:prstGeom prst="rect">
+            <a:avLst/>
+          </a:prstGeom>
+          <a:ln>
+            <a:solidFill>
+              <a:schemeClr val="tx1"/>
+            </a:solidFill>
+          </a:ln>
+        </p:spPr>
+      </p:pic>
+      <p:pic>
+        <p:nvPicPr>
+          <p:cNvPr id="8" name="图片 7"/>
+          <p:cNvPicPr>
+            <a:picLocks noChangeAspect="1"/>
+          </p:cNvPicPr>
+          <p:nvPr/>
+        </p:nvPicPr>
+        <p:blipFill>
+          <a:blip r:embed="rId6"/>
+          <a:stretch>
+            <a:fillRect/>
+          </a:stretch>
+        </p:blipFill>
+        <p:spPr>
+          <a:xfrm>
+            <a:off x="6881621" y="3301235"/>
+            <a:ext cx="2197213" cy="768389"/>
           </a:xfrm>
           <a:prstGeom prst="rect">
             <a:avLst/>
@@ -4059,15 +3879,15 @@
           <p:nvPr/>
         </p:nvPicPr>
         <p:blipFill>
-          <a:blip r:embed="rId5"/>
+          <a:blip r:embed="rId7"/>
           <a:stretch>
             <a:fillRect/>
           </a:stretch>
         </p:blipFill>
         <p:spPr>
           <a:xfrm>
-            <a:off x="3232049" y="5381320"/>
-            <a:ext cx="2876698" cy="349268"/>
+            <a:off x="6946708" y="1530318"/>
+            <a:ext cx="1454225" cy="952549"/>
           </a:xfrm>
           <a:prstGeom prst="rect">
             <a:avLst/>
@@ -4079,10 +3899,68 @@
           </a:ln>
         </p:spPr>
       </p:pic>
+      <p:pic>
+        <p:nvPicPr>
+          <p:cNvPr id="10" name="图片 9"/>
+          <p:cNvPicPr>
+            <a:picLocks noChangeAspect="1"/>
+          </p:cNvPicPr>
+          <p:nvPr/>
+        </p:nvPicPr>
+        <p:blipFill>
+          <a:blip r:embed="rId8"/>
+          <a:stretch>
+            <a:fillRect/>
+          </a:stretch>
+        </p:blipFill>
+        <p:spPr>
+          <a:xfrm>
+            <a:off x="3711497" y="4980071"/>
+            <a:ext cx="1739989" cy="965250"/>
+          </a:xfrm>
+          <a:prstGeom prst="rect">
+            <a:avLst/>
+          </a:prstGeom>
+          <a:ln>
+            <a:solidFill>
+              <a:schemeClr val="tx1"/>
+            </a:solidFill>
+          </a:ln>
+        </p:spPr>
+      </p:pic>
+      <p:pic>
+        <p:nvPicPr>
+          <p:cNvPr id="11" name="图片 10"/>
+          <p:cNvPicPr>
+            <a:picLocks noChangeAspect="1"/>
+          </p:cNvPicPr>
+          <p:nvPr/>
+        </p:nvPicPr>
+        <p:blipFill>
+          <a:blip r:embed="rId9"/>
+          <a:stretch>
+            <a:fillRect/>
+          </a:stretch>
+        </p:blipFill>
+        <p:spPr>
+          <a:xfrm>
+            <a:off x="5876678" y="5002297"/>
+            <a:ext cx="1822544" cy="920797"/>
+          </a:xfrm>
+          <a:prstGeom prst="rect">
+            <a:avLst/>
+          </a:prstGeom>
+          <a:ln>
+            <a:solidFill>
+              <a:schemeClr val="tx1"/>
+            </a:solidFill>
+          </a:ln>
+        </p:spPr>
+      </p:pic>
     </p:spTree>
     <p:extLst>
       <p:ext uri="{BB962C8B-B14F-4D97-AF65-F5344CB8AC3E}">
-        <p14:creationId xmlns:p14="http://schemas.microsoft.com/office/powerpoint/2010/main" val="4146359796"/>
+        <p14:creationId xmlns:p14="http://schemas.microsoft.com/office/powerpoint/2010/main" val="2356289918"/>
       </p:ext>
     </p:extLst>
   </p:cSld>
@@ -4133,9 +4011,16 @@
           <a:p>
             <a:r>
               <a:rPr lang="zh-CN" altLang="en-US" dirty="0" smtClean="0"/>
-              <a:t>字符串</a:t>
+              <a:t>矩阵的</a:t>
             </a:r>
             <a:endParaRPr lang="en-US" altLang="zh-CN" dirty="0" smtClean="0"/>
+          </a:p>
+          <a:p>
+            <a:r>
+              <a:rPr lang="zh-CN" altLang="en-US" dirty="0" smtClean="0"/>
+              <a:t>显示</a:t>
+            </a:r>
+            <a:endParaRPr lang="zh-CN" altLang="en-US" dirty="0"/>
           </a:p>
         </p:txBody>
       </p:sp>
@@ -4156,7 +4041,7 @@
           <a:p>
             <a:r>
               <a:rPr lang="zh-CN" altLang="en-US" dirty="0" smtClean="0"/>
-              <a:t>字符串即字符行向量</a:t>
+              <a:t>有多种方式可以在命令行中显示矩阵</a:t>
             </a:r>
             <a:endParaRPr lang="zh-CN" altLang="en-US" dirty="0"/>
           </a:p>
@@ -4164,7 +4049,7 @@
       </p:sp>
       <p:pic>
         <p:nvPicPr>
-          <p:cNvPr id="4" name="图片 3"/>
+          <p:cNvPr id="5" name="图片 4"/>
           <p:cNvPicPr>
             <a:picLocks noChangeAspect="1"/>
           </p:cNvPicPr>
@@ -4178,8 +4063,8 @@
         </p:blipFill>
         <p:spPr>
           <a:xfrm>
-            <a:off x="3066771" y="1353152"/>
-            <a:ext cx="1632034" cy="603281"/>
+            <a:off x="3232049" y="3001414"/>
+            <a:ext cx="1968601" cy="393720"/>
           </a:xfrm>
           <a:prstGeom prst="rect">
             <a:avLst/>
@@ -4193,7 +4078,7 @@
       </p:pic>
       <p:pic>
         <p:nvPicPr>
-          <p:cNvPr id="5" name="图片 4"/>
+          <p:cNvPr id="6" name="图片 5"/>
           <p:cNvPicPr>
             <a:picLocks noChangeAspect="1"/>
           </p:cNvPicPr>
@@ -4207,8 +4092,8 @@
         </p:blipFill>
         <p:spPr>
           <a:xfrm>
-            <a:off x="5730875" y="1359502"/>
-            <a:ext cx="2330570" cy="590580"/>
+            <a:off x="3232049" y="1484419"/>
+            <a:ext cx="2298818" cy="704886"/>
           </a:xfrm>
           <a:prstGeom prst="rect">
             <a:avLst/>
@@ -4222,7 +4107,7 @@
       </p:pic>
       <p:pic>
         <p:nvPicPr>
-          <p:cNvPr id="6" name="图片 5"/>
+          <p:cNvPr id="7" name="图片 6"/>
           <p:cNvPicPr>
             <a:picLocks noChangeAspect="1"/>
           </p:cNvPicPr>
@@ -4236,8 +4121,8 @@
         </p:blipFill>
         <p:spPr>
           <a:xfrm>
-            <a:off x="3066771" y="3050632"/>
-            <a:ext cx="2133710" cy="927148"/>
+            <a:off x="3232049" y="4207243"/>
+            <a:ext cx="2324219" cy="361969"/>
           </a:xfrm>
           <a:prstGeom prst="rect">
             <a:avLst/>
@@ -4251,7 +4136,7 @@
       </p:pic>
       <p:pic>
         <p:nvPicPr>
-          <p:cNvPr id="7" name="图片 6"/>
+          <p:cNvPr id="9" name="图片 8"/>
           <p:cNvPicPr>
             <a:picLocks noChangeAspect="1"/>
           </p:cNvPicPr>
@@ -4265,8 +4150,8 @@
         </p:blipFill>
         <p:spPr>
           <a:xfrm>
-            <a:off x="3066771" y="5066783"/>
-            <a:ext cx="3594285" cy="387370"/>
+            <a:off x="3232049" y="5381320"/>
+            <a:ext cx="2876698" cy="349268"/>
           </a:xfrm>
           <a:prstGeom prst="rect">
             <a:avLst/>
@@ -4281,7 +4166,7 @@
     </p:spTree>
     <p:extLst>
       <p:ext uri="{BB962C8B-B14F-4D97-AF65-F5344CB8AC3E}">
-        <p14:creationId xmlns:p14="http://schemas.microsoft.com/office/powerpoint/2010/main" val="2796578393"/>
+        <p14:creationId xmlns:p14="http://schemas.microsoft.com/office/powerpoint/2010/main" val="4146359796"/>
       </p:ext>
     </p:extLst>
   </p:cSld>
@@ -4332,7 +4217,7 @@
           <a:p>
             <a:r>
               <a:rPr lang="zh-CN" altLang="en-US" dirty="0" smtClean="0"/>
-              <a:t>单元数组</a:t>
+              <a:t>字符串</a:t>
             </a:r>
             <a:endParaRPr lang="en-US" altLang="zh-CN" dirty="0" smtClean="0"/>
           </a:p>
@@ -4355,15 +4240,7 @@
           <a:p>
             <a:r>
               <a:rPr lang="zh-CN" altLang="en-US" dirty="0" smtClean="0"/>
-              <a:t>单元数组</a:t>
-            </a:r>
-            <a:r>
-              <a:rPr lang="zh-CN" altLang="en-US" dirty="0"/>
-              <a:t>即</a:t>
-            </a:r>
-            <a:r>
-              <a:rPr lang="zh-CN" altLang="en-US" dirty="0" smtClean="0"/>
-              <a:t>“矩阵的矩阵”</a:t>
+              <a:t>字符串即字符行向量</a:t>
             </a:r>
             <a:endParaRPr lang="zh-CN" altLang="en-US" dirty="0"/>
           </a:p>
@@ -4385,8 +4262,8 @@
         </p:blipFill>
         <p:spPr>
           <a:xfrm>
-            <a:off x="2967237" y="3254205"/>
-            <a:ext cx="3670489" cy="774740"/>
+            <a:off x="3066771" y="1353152"/>
+            <a:ext cx="1632034" cy="603281"/>
           </a:xfrm>
           <a:prstGeom prst="rect">
             <a:avLst/>
@@ -4414,8 +4291,37 @@
         </p:blipFill>
         <p:spPr>
           <a:xfrm>
-            <a:off x="5780422" y="1178991"/>
-            <a:ext cx="2946551" cy="965250"/>
+            <a:off x="5730875" y="1359502"/>
+            <a:ext cx="2330570" cy="590580"/>
+          </a:xfrm>
+          <a:prstGeom prst="rect">
+            <a:avLst/>
+          </a:prstGeom>
+          <a:ln>
+            <a:solidFill>
+              <a:schemeClr val="tx1"/>
+            </a:solidFill>
+          </a:ln>
+        </p:spPr>
+      </p:pic>
+      <p:pic>
+        <p:nvPicPr>
+          <p:cNvPr id="6" name="图片 5"/>
+          <p:cNvPicPr>
+            <a:picLocks noChangeAspect="1"/>
+          </p:cNvPicPr>
+          <p:nvPr/>
+        </p:nvPicPr>
+        <p:blipFill>
+          <a:blip r:embed="rId4"/>
+          <a:stretch>
+            <a:fillRect/>
+          </a:stretch>
+        </p:blipFill>
+        <p:spPr>
+          <a:xfrm>
+            <a:off x="3066771" y="3050632"/>
+            <a:ext cx="2133710" cy="927148"/>
           </a:xfrm>
           <a:prstGeom prst="rect">
             <a:avLst/>
@@ -4436,15 +4342,15 @@
           <p:nvPr/>
         </p:nvPicPr>
         <p:blipFill>
-          <a:blip r:embed="rId4"/>
+          <a:blip r:embed="rId5"/>
           <a:stretch>
             <a:fillRect/>
           </a:stretch>
         </p:blipFill>
         <p:spPr>
           <a:xfrm>
-            <a:off x="2967237" y="1283771"/>
-            <a:ext cx="2273417" cy="755689"/>
+            <a:off x="3066771" y="5066783"/>
+            <a:ext cx="3594285" cy="387370"/>
           </a:xfrm>
           <a:prstGeom prst="rect">
             <a:avLst/>
@@ -4456,39 +4362,10 @@
           </a:ln>
         </p:spPr>
       </p:pic>
-      <p:pic>
-        <p:nvPicPr>
-          <p:cNvPr id="11" name="图片 10"/>
-          <p:cNvPicPr>
-            <a:picLocks noChangeAspect="1"/>
-          </p:cNvPicPr>
-          <p:nvPr/>
-        </p:nvPicPr>
-        <p:blipFill>
-          <a:blip r:embed="rId5"/>
-          <a:stretch>
-            <a:fillRect/>
-          </a:stretch>
-        </p:blipFill>
-        <p:spPr>
-          <a:xfrm>
-            <a:off x="2967237" y="5243690"/>
-            <a:ext cx="2006703" cy="742988"/>
-          </a:xfrm>
-          <a:prstGeom prst="rect">
-            <a:avLst/>
-          </a:prstGeom>
-          <a:ln>
-            <a:solidFill>
-              <a:schemeClr val="tx1"/>
-            </a:solidFill>
-          </a:ln>
-        </p:spPr>
-      </p:pic>
     </p:spTree>
     <p:extLst>
       <p:ext uri="{BB962C8B-B14F-4D97-AF65-F5344CB8AC3E}">
-        <p14:creationId xmlns:p14="http://schemas.microsoft.com/office/powerpoint/2010/main" val="3409669425"/>
+        <p14:creationId xmlns:p14="http://schemas.microsoft.com/office/powerpoint/2010/main" val="2796578393"/>
       </p:ext>
     </p:extLst>
   </p:cSld>
@@ -4539,9 +4416,9 @@
           <a:p>
             <a:r>
               <a:rPr lang="zh-CN" altLang="en-US" dirty="0" smtClean="0"/>
-              <a:t>单元数组的引用</a:t>
-            </a:r>
-            <a:endParaRPr lang="zh-CN" altLang="en-US" dirty="0"/>
+              <a:t>单元数组</a:t>
+            </a:r>
+            <a:endParaRPr lang="en-US" altLang="zh-CN" dirty="0" smtClean="0"/>
           </a:p>
         </p:txBody>
       </p:sp>
@@ -4562,23 +4439,15 @@
           <a:p>
             <a:r>
               <a:rPr lang="zh-CN" altLang="en-US" dirty="0" smtClean="0"/>
-              <a:t>单元数组的 </a:t>
-            </a:r>
-            <a:r>
-              <a:rPr lang="en-US" altLang="zh-CN" dirty="0" smtClean="0"/>
-              <a:t>() </a:t>
-            </a:r>
-            <a:r>
-              <a:rPr lang="zh-CN" altLang="en-US" dirty="0" smtClean="0"/>
-              <a:t>引用和 </a:t>
-            </a:r>
-            <a:r>
-              <a:rPr lang="en-US" altLang="zh-CN" dirty="0" smtClean="0"/>
-              <a:t>{} </a:t>
-            </a:r>
-            <a:r>
-              <a:rPr lang="zh-CN" altLang="en-US" dirty="0" smtClean="0"/>
-              <a:t>引用区别很大</a:t>
+              <a:t>单元数组</a:t>
+            </a:r>
+            <a:r>
+              <a:rPr lang="zh-CN" altLang="en-US" dirty="0"/>
+              <a:t>即</a:t>
+            </a:r>
+            <a:r>
+              <a:rPr lang="zh-CN" altLang="en-US" dirty="0" smtClean="0"/>
+              <a:t>“矩阵的矩阵”</a:t>
             </a:r>
             <a:endParaRPr lang="zh-CN" altLang="en-US" dirty="0"/>
           </a:p>
@@ -4600,8 +4469,8 @@
         </p:blipFill>
         <p:spPr>
           <a:xfrm>
-            <a:off x="2631916" y="1293871"/>
-            <a:ext cx="3098959" cy="539778"/>
+            <a:off x="2967237" y="3254205"/>
+            <a:ext cx="3670489" cy="774740"/>
           </a:xfrm>
           <a:prstGeom prst="rect">
             <a:avLst/>
@@ -4629,8 +4498,8 @@
         </p:blipFill>
         <p:spPr>
           <a:xfrm>
-            <a:off x="2631916" y="2536992"/>
-            <a:ext cx="2463927" cy="755689"/>
+            <a:off x="5780422" y="1178991"/>
+            <a:ext cx="2946551" cy="965250"/>
           </a:xfrm>
           <a:prstGeom prst="rect">
             <a:avLst/>
@@ -4644,7 +4513,7 @@
       </p:pic>
       <p:pic>
         <p:nvPicPr>
-          <p:cNvPr id="6" name="图片 5"/>
+          <p:cNvPr id="7" name="图片 6"/>
           <p:cNvPicPr>
             <a:picLocks noChangeAspect="1"/>
           </p:cNvPicPr>
@@ -4658,8 +4527,8 @@
         </p:blipFill>
         <p:spPr>
           <a:xfrm>
-            <a:off x="5868911" y="2638597"/>
-            <a:ext cx="2330570" cy="552478"/>
+            <a:off x="2967237" y="1283771"/>
+            <a:ext cx="2273417" cy="755689"/>
           </a:xfrm>
           <a:prstGeom prst="rect">
             <a:avLst/>
@@ -4673,7 +4542,7 @@
       </p:pic>
       <p:pic>
         <p:nvPicPr>
-          <p:cNvPr id="7" name="图片 6"/>
+          <p:cNvPr id="11" name="图片 10"/>
           <p:cNvPicPr>
             <a:picLocks noChangeAspect="1"/>
           </p:cNvPicPr>
@@ -4687,8 +4556,8 @@
         </p:blipFill>
         <p:spPr>
           <a:xfrm>
-            <a:off x="2631916" y="3996024"/>
-            <a:ext cx="3098959" cy="749339"/>
+            <a:off x="2967237" y="5243690"/>
+            <a:ext cx="2006703" cy="742988"/>
           </a:xfrm>
           <a:prstGeom prst="rect">
             <a:avLst/>
@@ -4700,185 +4569,10 @@
           </a:ln>
         </p:spPr>
       </p:pic>
-      <p:pic>
-        <p:nvPicPr>
-          <p:cNvPr id="8" name="图片 7"/>
-          <p:cNvPicPr>
-            <a:picLocks noChangeAspect="1"/>
-          </p:cNvPicPr>
-          <p:nvPr/>
-        </p:nvPicPr>
-        <p:blipFill>
-          <a:blip r:embed="rId6"/>
-          <a:stretch>
-            <a:fillRect/>
-          </a:stretch>
-        </p:blipFill>
-        <p:spPr>
-          <a:xfrm>
-            <a:off x="5923143" y="3992850"/>
-            <a:ext cx="3111660" cy="755689"/>
-          </a:xfrm>
-          <a:prstGeom prst="rect">
-            <a:avLst/>
-          </a:prstGeom>
-          <a:ln>
-            <a:solidFill>
-              <a:schemeClr val="tx1"/>
-            </a:solidFill>
-          </a:ln>
-        </p:spPr>
-      </p:pic>
-      <p:pic>
-        <p:nvPicPr>
-          <p:cNvPr id="9" name="图片 8"/>
-          <p:cNvPicPr>
-            <a:picLocks noChangeAspect="1"/>
-          </p:cNvPicPr>
-          <p:nvPr/>
-        </p:nvPicPr>
-        <p:blipFill>
-          <a:blip r:embed="rId7"/>
-          <a:stretch>
-            <a:fillRect/>
-          </a:stretch>
-        </p:blipFill>
-        <p:spPr>
-          <a:xfrm>
-            <a:off x="2631916" y="5468917"/>
-            <a:ext cx="2146410" cy="387370"/>
-          </a:xfrm>
-          <a:prstGeom prst="rect">
-            <a:avLst/>
-          </a:prstGeom>
-          <a:ln>
-            <a:solidFill>
-              <a:schemeClr val="tx1"/>
-            </a:solidFill>
-          </a:ln>
-        </p:spPr>
-      </p:pic>
-      <p:pic>
-        <p:nvPicPr>
-          <p:cNvPr id="10" name="图片 9"/>
-          <p:cNvPicPr>
-            <a:picLocks noChangeAspect="1"/>
-          </p:cNvPicPr>
-          <p:nvPr/>
-        </p:nvPicPr>
-        <p:blipFill>
-          <a:blip r:embed="rId8"/>
-          <a:stretch>
-            <a:fillRect/>
-          </a:stretch>
-        </p:blipFill>
-        <p:spPr>
-          <a:xfrm>
-            <a:off x="5256105" y="5287932"/>
-            <a:ext cx="3238666" cy="749339"/>
-          </a:xfrm>
-          <a:prstGeom prst="rect">
-            <a:avLst/>
-          </a:prstGeom>
-          <a:ln>
-            <a:solidFill>
-              <a:schemeClr val="tx1"/>
-            </a:solidFill>
-          </a:ln>
-        </p:spPr>
-      </p:pic>
-      <p:sp>
-        <p:nvSpPr>
-          <p:cNvPr id="11" name="矩形 10"/>
-          <p:cNvSpPr/>
-          <p:nvPr/>
-        </p:nvSpPr>
-        <p:spPr>
-          <a:xfrm>
-            <a:off x="6530454" y="5773003"/>
-            <a:ext cx="846161" cy="375313"/>
-          </a:xfrm>
-          <a:prstGeom prst="rect">
-            <a:avLst/>
-          </a:prstGeom>
-          <a:noFill/>
-          <a:ln w="28575">
-            <a:solidFill>
-              <a:srgbClr val="FF0000"/>
-            </a:solidFill>
-          </a:ln>
-        </p:spPr>
-        <p:style>
-          <a:lnRef idx="2">
-            <a:schemeClr val="accent1">
-              <a:shade val="50000"/>
-            </a:schemeClr>
-          </a:lnRef>
-          <a:fillRef idx="1">
-            <a:schemeClr val="accent1"/>
-          </a:fillRef>
-          <a:effectRef idx="0">
-            <a:schemeClr val="accent1"/>
-          </a:effectRef>
-          <a:fontRef idx="minor">
-            <a:schemeClr val="lt1"/>
-          </a:fontRef>
-        </p:style>
-        <p:txBody>
-          <a:bodyPr rtlCol="0" anchor="ctr"/>
-          <a:lstStyle/>
-          <a:p>
-            <a:pPr algn="ctr"/>
-            <a:endParaRPr lang="zh-CN" altLang="en-US"/>
-          </a:p>
-        </p:txBody>
-      </p:sp>
-      <p:sp>
-        <p:nvSpPr>
-          <p:cNvPr id="12" name="文本框 11"/>
-          <p:cNvSpPr txBox="1"/>
-          <p:nvPr/>
-        </p:nvSpPr>
-        <p:spPr>
-          <a:xfrm>
-            <a:off x="6244528" y="6221531"/>
-            <a:ext cx="1579335" cy="461665"/>
-          </a:xfrm>
-          <a:prstGeom prst="rect">
-            <a:avLst/>
-          </a:prstGeom>
-          <a:noFill/>
-        </p:spPr>
-        <p:txBody>
-          <a:bodyPr wrap="square" rtlCol="0">
-            <a:spAutoFit/>
-          </a:bodyPr>
-          <a:lstStyle/>
-          <a:p>
-            <a:r>
-              <a:rPr lang="zh-CN" altLang="en-US" sz="1200" dirty="0" smtClean="0">
-                <a:solidFill>
-                  <a:srgbClr val="FF0000"/>
-                </a:solidFill>
-                <a:latin typeface="幼圆" panose="02010509060101010101" pitchFamily="49" charset="-122"/>
-                <a:ea typeface="幼圆" panose="02010509060101010101" pitchFamily="49" charset="-122"/>
-              </a:rPr>
-              <a:t>元素类型变成了单元数组，而不是字符串</a:t>
-            </a:r>
-            <a:endParaRPr lang="zh-CN" altLang="en-US" sz="1200" dirty="0">
-              <a:solidFill>
-                <a:srgbClr val="FF0000"/>
-              </a:solidFill>
-              <a:latin typeface="幼圆" panose="02010509060101010101" pitchFamily="49" charset="-122"/>
-              <a:ea typeface="幼圆" panose="02010509060101010101" pitchFamily="49" charset="-122"/>
-            </a:endParaRPr>
-          </a:p>
-        </p:txBody>
-      </p:sp>
     </p:spTree>
     <p:extLst>
       <p:ext uri="{BB962C8B-B14F-4D97-AF65-F5344CB8AC3E}">
-        <p14:creationId xmlns:p14="http://schemas.microsoft.com/office/powerpoint/2010/main" val="3962259203"/>
+        <p14:creationId xmlns:p14="http://schemas.microsoft.com/office/powerpoint/2010/main" val="3409669425"/>
       </p:ext>
     </p:extLst>
   </p:cSld>
@@ -4929,14 +4623,7 @@
           <a:p>
             <a:r>
               <a:rPr lang="zh-CN" altLang="en-US" dirty="0" smtClean="0"/>
-              <a:t>为什么要</a:t>
-            </a:r>
-            <a:endParaRPr lang="en-US" altLang="zh-CN" dirty="0" smtClean="0"/>
-          </a:p>
-          <a:p>
-            <a:r>
-              <a:rPr lang="zh-CN" altLang="en-US" dirty="0" smtClean="0"/>
-              <a:t>单元数组</a:t>
+              <a:t>单元数组的引用</a:t>
             </a:r>
             <a:endParaRPr lang="zh-CN" altLang="en-US" dirty="0"/>
           </a:p>
@@ -4959,48 +4646,23 @@
           <a:p>
             <a:r>
               <a:rPr lang="zh-CN" altLang="en-US" dirty="0" smtClean="0"/>
-              <a:t>矩阵的元素可以进行批量操作，单元数组不行</a:t>
-            </a:r>
-            <a:endParaRPr lang="en-US" altLang="zh-CN" dirty="0" smtClean="0"/>
-          </a:p>
-          <a:p>
-            <a:pPr marL="0" indent="0">
-              <a:buNone/>
-            </a:pPr>
-            <a:endParaRPr lang="en-US" altLang="zh-CN" dirty="0" smtClean="0"/>
-          </a:p>
-          <a:p>
-            <a:pPr marL="0" indent="0">
-              <a:buNone/>
-            </a:pPr>
-            <a:endParaRPr lang="en-US" altLang="zh-CN" dirty="0" smtClean="0"/>
-          </a:p>
-          <a:p>
-            <a:endParaRPr lang="en-US" altLang="zh-CN" dirty="0" smtClean="0"/>
-          </a:p>
-          <a:p>
-            <a:r>
-              <a:rPr lang="zh-CN" altLang="en-US" dirty="0" smtClean="0"/>
-              <a:t>矩阵扩展、拼接时必须保证行列数相同，单元数组可以结合不同大小的矩阵</a:t>
-            </a:r>
-            <a:endParaRPr lang="en-US" altLang="zh-CN" dirty="0" smtClean="0"/>
-          </a:p>
-          <a:p>
-            <a:endParaRPr lang="en-US" altLang="zh-CN" dirty="0" smtClean="0"/>
-          </a:p>
-          <a:p>
-            <a:endParaRPr lang="en-US" altLang="zh-CN" dirty="0" smtClean="0"/>
-          </a:p>
-          <a:p>
-            <a:endParaRPr lang="en-US" altLang="zh-CN" dirty="0" smtClean="0"/>
-          </a:p>
-          <a:p>
-            <a:endParaRPr lang="en-US" altLang="zh-CN" sz="1000" dirty="0"/>
-          </a:p>
-          <a:p>
-            <a:r>
-              <a:rPr lang="zh-CN" altLang="en-US" dirty="0" smtClean="0"/>
-              <a:t>同一矩阵的数据类型必须相同，单元数组不必</a:t>
+              <a:t>单元数组的 </a:t>
+            </a:r>
+            <a:r>
+              <a:rPr lang="en-US" altLang="zh-CN" dirty="0" smtClean="0"/>
+              <a:t>() </a:t>
+            </a:r>
+            <a:r>
+              <a:rPr lang="zh-CN" altLang="en-US" dirty="0" smtClean="0"/>
+              <a:t>引用和 </a:t>
+            </a:r>
+            <a:r>
+              <a:rPr lang="en-US" altLang="zh-CN" dirty="0" smtClean="0"/>
+              <a:t>{} </a:t>
+            </a:r>
+            <a:r>
+              <a:rPr lang="zh-CN" altLang="en-US" dirty="0" smtClean="0"/>
+              <a:t>引用区别很大</a:t>
             </a:r>
             <a:endParaRPr lang="zh-CN" altLang="en-US" dirty="0"/>
           </a:p>
@@ -5008,7 +4670,7 @@
       </p:sp>
       <p:pic>
         <p:nvPicPr>
-          <p:cNvPr id="5" name="图片 4"/>
+          <p:cNvPr id="4" name="图片 3"/>
           <p:cNvPicPr>
             <a:picLocks noChangeAspect="1"/>
           </p:cNvPicPr>
@@ -5022,8 +4684,37 @@
         </p:blipFill>
         <p:spPr>
           <a:xfrm>
-            <a:off x="2960850" y="1091201"/>
-            <a:ext cx="1994002" cy="952549"/>
+            <a:off x="2631916" y="1293871"/>
+            <a:ext cx="3098959" cy="539778"/>
+          </a:xfrm>
+          <a:prstGeom prst="rect">
+            <a:avLst/>
+          </a:prstGeom>
+          <a:ln>
+            <a:solidFill>
+              <a:schemeClr val="tx1"/>
+            </a:solidFill>
+          </a:ln>
+        </p:spPr>
+      </p:pic>
+      <p:pic>
+        <p:nvPicPr>
+          <p:cNvPr id="5" name="图片 4"/>
+          <p:cNvPicPr>
+            <a:picLocks noChangeAspect="1"/>
+          </p:cNvPicPr>
+          <p:nvPr/>
+        </p:nvPicPr>
+        <p:blipFill>
+          <a:blip r:embed="rId3"/>
+          <a:stretch>
+            <a:fillRect/>
+          </a:stretch>
+        </p:blipFill>
+        <p:spPr>
+          <a:xfrm>
+            <a:off x="2631916" y="2536992"/>
+            <a:ext cx="2463927" cy="755689"/>
           </a:xfrm>
           <a:prstGeom prst="rect">
             <a:avLst/>
@@ -5044,15 +4735,15 @@
           <p:nvPr/>
         </p:nvPicPr>
         <p:blipFill>
-          <a:blip r:embed="rId3"/>
+          <a:blip r:embed="rId4"/>
           <a:stretch>
             <a:fillRect/>
           </a:stretch>
         </p:blipFill>
         <p:spPr>
           <a:xfrm>
-            <a:off x="5563372" y="1097551"/>
-            <a:ext cx="3162463" cy="939848"/>
+            <a:off x="5868911" y="2638597"/>
+            <a:ext cx="2330570" cy="552478"/>
           </a:xfrm>
           <a:prstGeom prst="rect">
             <a:avLst/>
@@ -5073,15 +4764,15 @@
           <p:nvPr/>
         </p:nvPicPr>
         <p:blipFill>
-          <a:blip r:embed="rId4"/>
+          <a:blip r:embed="rId5"/>
           <a:stretch>
             <a:fillRect/>
           </a:stretch>
         </p:blipFill>
         <p:spPr>
           <a:xfrm>
-            <a:off x="2960850" y="3391206"/>
-            <a:ext cx="1593932" cy="1282766"/>
+            <a:off x="2631916" y="3996024"/>
+            <a:ext cx="3098959" cy="749339"/>
           </a:xfrm>
           <a:prstGeom prst="rect">
             <a:avLst/>
@@ -5102,15 +4793,15 @@
           <p:nvPr/>
         </p:nvPicPr>
         <p:blipFill>
-          <a:blip r:embed="rId5"/>
+          <a:blip r:embed="rId6"/>
           <a:stretch>
             <a:fillRect/>
           </a:stretch>
         </p:blipFill>
         <p:spPr>
           <a:xfrm>
-            <a:off x="5563372" y="3203872"/>
-            <a:ext cx="1562180" cy="1657435"/>
+            <a:off x="5923143" y="3992850"/>
+            <a:ext cx="3111660" cy="755689"/>
           </a:xfrm>
           <a:prstGeom prst="rect">
             <a:avLst/>
@@ -5131,15 +4822,15 @@
           <p:nvPr/>
         </p:nvPicPr>
         <p:blipFill>
-          <a:blip r:embed="rId6"/>
+          <a:blip r:embed="rId7"/>
           <a:stretch>
             <a:fillRect/>
           </a:stretch>
         </p:blipFill>
         <p:spPr>
           <a:xfrm>
-            <a:off x="2960850" y="5609272"/>
-            <a:ext cx="1606633" cy="933498"/>
+            <a:off x="2631916" y="5468917"/>
+            <a:ext cx="2146410" cy="387370"/>
           </a:xfrm>
           <a:prstGeom prst="rect">
             <a:avLst/>
@@ -5160,15 +4851,15 @@
           <p:nvPr/>
         </p:nvPicPr>
         <p:blipFill>
-          <a:blip r:embed="rId7"/>
+          <a:blip r:embed="rId8"/>
           <a:stretch>
             <a:fillRect/>
           </a:stretch>
         </p:blipFill>
         <p:spPr>
           <a:xfrm>
-            <a:off x="5563372" y="5431463"/>
-            <a:ext cx="2324219" cy="1289116"/>
+            <a:off x="5256105" y="5287932"/>
+            <a:ext cx="3238666" cy="749339"/>
           </a:xfrm>
           <a:prstGeom prst="rect">
             <a:avLst/>
@@ -5180,10 +4871,98 @@
           </a:ln>
         </p:spPr>
       </p:pic>
+      <p:sp>
+        <p:nvSpPr>
+          <p:cNvPr id="11" name="矩形 10"/>
+          <p:cNvSpPr/>
+          <p:nvPr/>
+        </p:nvSpPr>
+        <p:spPr>
+          <a:xfrm>
+            <a:off x="6530454" y="5773003"/>
+            <a:ext cx="846161" cy="375313"/>
+          </a:xfrm>
+          <a:prstGeom prst="rect">
+            <a:avLst/>
+          </a:prstGeom>
+          <a:noFill/>
+          <a:ln w="28575">
+            <a:solidFill>
+              <a:srgbClr val="FF0000"/>
+            </a:solidFill>
+          </a:ln>
+        </p:spPr>
+        <p:style>
+          <a:lnRef idx="2">
+            <a:schemeClr val="accent1">
+              <a:shade val="50000"/>
+            </a:schemeClr>
+          </a:lnRef>
+          <a:fillRef idx="1">
+            <a:schemeClr val="accent1"/>
+          </a:fillRef>
+          <a:effectRef idx="0">
+            <a:schemeClr val="accent1"/>
+          </a:effectRef>
+          <a:fontRef idx="minor">
+            <a:schemeClr val="lt1"/>
+          </a:fontRef>
+        </p:style>
+        <p:txBody>
+          <a:bodyPr rtlCol="0" anchor="ctr"/>
+          <a:lstStyle/>
+          <a:p>
+            <a:pPr algn="ctr"/>
+            <a:endParaRPr lang="zh-CN" altLang="en-US"/>
+          </a:p>
+        </p:txBody>
+      </p:sp>
+      <p:sp>
+        <p:nvSpPr>
+          <p:cNvPr id="12" name="文本框 11"/>
+          <p:cNvSpPr txBox="1"/>
+          <p:nvPr/>
+        </p:nvSpPr>
+        <p:spPr>
+          <a:xfrm>
+            <a:off x="6244528" y="6221531"/>
+            <a:ext cx="1579335" cy="461665"/>
+          </a:xfrm>
+          <a:prstGeom prst="rect">
+            <a:avLst/>
+          </a:prstGeom>
+          <a:noFill/>
+        </p:spPr>
+        <p:txBody>
+          <a:bodyPr wrap="square" rtlCol="0">
+            <a:spAutoFit/>
+          </a:bodyPr>
+          <a:lstStyle/>
+          <a:p>
+            <a:r>
+              <a:rPr lang="zh-CN" altLang="en-US" sz="1200" dirty="0" smtClean="0">
+                <a:solidFill>
+                  <a:srgbClr val="FF0000"/>
+                </a:solidFill>
+                <a:latin typeface="幼圆" panose="02010509060101010101" pitchFamily="49" charset="-122"/>
+                <a:ea typeface="幼圆" panose="02010509060101010101" pitchFamily="49" charset="-122"/>
+              </a:rPr>
+              <a:t>元素类型变成了单元数组，而不是字符串</a:t>
+            </a:r>
+            <a:endParaRPr lang="zh-CN" altLang="en-US" sz="1200" dirty="0">
+              <a:solidFill>
+                <a:srgbClr val="FF0000"/>
+              </a:solidFill>
+              <a:latin typeface="幼圆" panose="02010509060101010101" pitchFamily="49" charset="-122"/>
+              <a:ea typeface="幼圆" panose="02010509060101010101" pitchFamily="49" charset="-122"/>
+            </a:endParaRPr>
+          </a:p>
+        </p:txBody>
+      </p:sp>
     </p:spTree>
     <p:extLst>
       <p:ext uri="{BB962C8B-B14F-4D97-AF65-F5344CB8AC3E}">
-        <p14:creationId xmlns:p14="http://schemas.microsoft.com/office/powerpoint/2010/main" val="3969564687"/>
+        <p14:creationId xmlns:p14="http://schemas.microsoft.com/office/powerpoint/2010/main" val="3962259203"/>
       </p:ext>
     </p:extLst>
   </p:cSld>
@@ -5234,9 +5013,16 @@
           <a:p>
             <a:r>
               <a:rPr lang="zh-CN" altLang="en-US" dirty="0" smtClean="0"/>
-              <a:t>结构体</a:t>
+              <a:t>为什么要</a:t>
             </a:r>
             <a:endParaRPr lang="en-US" altLang="zh-CN" dirty="0" smtClean="0"/>
+          </a:p>
+          <a:p>
+            <a:r>
+              <a:rPr lang="zh-CN" altLang="en-US" dirty="0" smtClean="0"/>
+              <a:t>单元数组</a:t>
+            </a:r>
+            <a:endParaRPr lang="zh-CN" altLang="en-US" dirty="0"/>
           </a:p>
         </p:txBody>
       </p:sp>
@@ -5256,12 +5042,49 @@
           <a:lstStyle/>
           <a:p>
             <a:r>
-              <a:rPr lang="en-US" altLang="zh-CN" dirty="0" smtClean="0"/>
-              <a:t>MATLAB</a:t>
-            </a:r>
-            <a:r>
-              <a:rPr lang="zh-CN" altLang="en-US" dirty="0" smtClean="0"/>
-              <a:t>里的结构体无需预定义</a:t>
+              <a:rPr lang="zh-CN" altLang="en-US" dirty="0" smtClean="0"/>
+              <a:t>矩阵的元素可以进行批量操作，单元数组不行</a:t>
+            </a:r>
+            <a:endParaRPr lang="en-US" altLang="zh-CN" dirty="0" smtClean="0"/>
+          </a:p>
+          <a:p>
+            <a:pPr marL="0" indent="0">
+              <a:buNone/>
+            </a:pPr>
+            <a:endParaRPr lang="en-US" altLang="zh-CN" dirty="0" smtClean="0"/>
+          </a:p>
+          <a:p>
+            <a:pPr marL="0" indent="0">
+              <a:buNone/>
+            </a:pPr>
+            <a:endParaRPr lang="en-US" altLang="zh-CN" dirty="0" smtClean="0"/>
+          </a:p>
+          <a:p>
+            <a:endParaRPr lang="en-US" altLang="zh-CN" dirty="0" smtClean="0"/>
+          </a:p>
+          <a:p>
+            <a:r>
+              <a:rPr lang="zh-CN" altLang="en-US" dirty="0" smtClean="0"/>
+              <a:t>矩阵扩展、拼接时必须保证行列数相同，单元数组可以结合不同大小的矩阵</a:t>
+            </a:r>
+            <a:endParaRPr lang="en-US" altLang="zh-CN" dirty="0" smtClean="0"/>
+          </a:p>
+          <a:p>
+            <a:endParaRPr lang="en-US" altLang="zh-CN" dirty="0" smtClean="0"/>
+          </a:p>
+          <a:p>
+            <a:endParaRPr lang="en-US" altLang="zh-CN" dirty="0" smtClean="0"/>
+          </a:p>
+          <a:p>
+            <a:endParaRPr lang="en-US" altLang="zh-CN" dirty="0" smtClean="0"/>
+          </a:p>
+          <a:p>
+            <a:endParaRPr lang="en-US" altLang="zh-CN" sz="1000" dirty="0"/>
+          </a:p>
+          <a:p>
+            <a:r>
+              <a:rPr lang="zh-CN" altLang="en-US" dirty="0" smtClean="0"/>
+              <a:t>同一矩阵的数据类型必须相同，单元数组不必</a:t>
             </a:r>
             <a:endParaRPr lang="zh-CN" altLang="en-US" dirty="0"/>
           </a:p>
@@ -5269,7 +5092,7 @@
       </p:sp>
       <p:pic>
         <p:nvPicPr>
-          <p:cNvPr id="6" name="图片 5"/>
+          <p:cNvPr id="5" name="图片 4"/>
           <p:cNvPicPr>
             <a:picLocks noChangeAspect="1"/>
           </p:cNvPicPr>
@@ -5283,8 +5106,37 @@
         </p:blipFill>
         <p:spPr>
           <a:xfrm>
-            <a:off x="2797084" y="2611617"/>
-            <a:ext cx="3549832" cy="1320868"/>
+            <a:off x="2960850" y="1091201"/>
+            <a:ext cx="1994002" cy="952549"/>
+          </a:xfrm>
+          <a:prstGeom prst="rect">
+            <a:avLst/>
+          </a:prstGeom>
+          <a:ln>
+            <a:solidFill>
+              <a:schemeClr val="tx1"/>
+            </a:solidFill>
+          </a:ln>
+        </p:spPr>
+      </p:pic>
+      <p:pic>
+        <p:nvPicPr>
+          <p:cNvPr id="6" name="图片 5"/>
+          <p:cNvPicPr>
+            <a:picLocks noChangeAspect="1"/>
+          </p:cNvPicPr>
+          <p:nvPr/>
+        </p:nvPicPr>
+        <p:blipFill>
+          <a:blip r:embed="rId3"/>
+          <a:stretch>
+            <a:fillRect/>
+          </a:stretch>
+        </p:blipFill>
+        <p:spPr>
+          <a:xfrm>
+            <a:off x="5563372" y="1097551"/>
+            <a:ext cx="3162463" cy="939848"/>
           </a:xfrm>
           <a:prstGeom prst="rect">
             <a:avLst/>
@@ -5305,15 +5157,15 @@
           <p:nvPr/>
         </p:nvPicPr>
         <p:blipFill>
-          <a:blip r:embed="rId3"/>
+          <a:blip r:embed="rId4"/>
           <a:stretch>
             <a:fillRect/>
           </a:stretch>
         </p:blipFill>
         <p:spPr>
           <a:xfrm>
-            <a:off x="5435480" y="4241767"/>
-            <a:ext cx="2641736" cy="590580"/>
+            <a:off x="2960850" y="3391206"/>
+            <a:ext cx="1593932" cy="1282766"/>
           </a:xfrm>
           <a:prstGeom prst="rect">
             <a:avLst/>
@@ -5334,15 +5186,15 @@
           <p:nvPr/>
         </p:nvPicPr>
         <p:blipFill>
-          <a:blip r:embed="rId4"/>
+          <a:blip r:embed="rId5"/>
           <a:stretch>
             <a:fillRect/>
           </a:stretch>
         </p:blipFill>
         <p:spPr>
           <a:xfrm>
-            <a:off x="2797084" y="1001713"/>
-            <a:ext cx="3168813" cy="1308167"/>
+            <a:off x="5563372" y="3203872"/>
+            <a:ext cx="1562180" cy="1657435"/>
           </a:xfrm>
           <a:prstGeom prst="rect">
             <a:avLst/>
@@ -5363,15 +5215,15 @@
           <p:nvPr/>
         </p:nvPicPr>
         <p:blipFill>
-          <a:blip r:embed="rId5"/>
+          <a:blip r:embed="rId6"/>
           <a:stretch>
             <a:fillRect/>
           </a:stretch>
         </p:blipFill>
         <p:spPr>
           <a:xfrm>
-            <a:off x="2797084" y="4234222"/>
-            <a:ext cx="1466925" cy="577880"/>
+            <a:off x="2960850" y="5609272"/>
+            <a:ext cx="1606633" cy="933498"/>
           </a:xfrm>
           <a:prstGeom prst="rect">
             <a:avLst/>
@@ -5392,15 +5244,15 @@
           <p:nvPr/>
         </p:nvPicPr>
         <p:blipFill>
-          <a:blip r:embed="rId6"/>
+          <a:blip r:embed="rId7"/>
           <a:stretch>
             <a:fillRect/>
           </a:stretch>
         </p:blipFill>
         <p:spPr>
           <a:xfrm>
-            <a:off x="2797084" y="5113839"/>
-            <a:ext cx="2089257" cy="1130358"/>
+            <a:off x="5563372" y="5431463"/>
+            <a:ext cx="2324219" cy="1289116"/>
           </a:xfrm>
           <a:prstGeom prst="rect">
             <a:avLst/>
@@ -5412,39 +5264,10 @@
           </a:ln>
         </p:spPr>
       </p:pic>
-      <p:pic>
-        <p:nvPicPr>
-          <p:cNvPr id="11" name="图片 10"/>
-          <p:cNvPicPr>
-            <a:picLocks noChangeAspect="1"/>
-          </p:cNvPicPr>
-          <p:nvPr/>
-        </p:nvPicPr>
-        <p:blipFill>
-          <a:blip r:embed="rId7"/>
-          <a:stretch>
-            <a:fillRect/>
-          </a:stretch>
-        </p:blipFill>
-        <p:spPr>
-          <a:xfrm>
-            <a:off x="5435480" y="5310699"/>
-            <a:ext cx="2381372" cy="736638"/>
-          </a:xfrm>
-          <a:prstGeom prst="rect">
-            <a:avLst/>
-          </a:prstGeom>
-          <a:ln>
-            <a:solidFill>
-              <a:schemeClr val="tx1"/>
-            </a:solidFill>
-          </a:ln>
-        </p:spPr>
-      </p:pic>
     </p:spTree>
     <p:extLst>
       <p:ext uri="{BB962C8B-B14F-4D97-AF65-F5344CB8AC3E}">
-        <p14:creationId xmlns:p14="http://schemas.microsoft.com/office/powerpoint/2010/main" val="1528867181"/>
+        <p14:creationId xmlns:p14="http://schemas.microsoft.com/office/powerpoint/2010/main" val="3969564687"/>
       </p:ext>
     </p:extLst>
   </p:cSld>
@@ -5632,13 +5455,6 @@
             </a:r>
             <a:endParaRPr lang="en-US" altLang="zh-CN" dirty="0" smtClean="0"/>
           </a:p>
-          <a:p>
-            <a:r>
-              <a:rPr lang="zh-CN" altLang="en-US" dirty="0" smtClean="0"/>
-              <a:t>数组</a:t>
-            </a:r>
-            <a:endParaRPr lang="zh-CN" altLang="en-US" dirty="0"/>
-          </a:p>
         </p:txBody>
       </p:sp>
       <p:sp>
@@ -5657,8 +5473,12 @@
           <a:lstStyle/>
           <a:p>
             <a:r>
-              <a:rPr lang="zh-CN" altLang="en-US" dirty="0" smtClean="0"/>
-              <a:t>包含相同字段的结构体可以构成结构体数组</a:t>
+              <a:rPr lang="en-US" altLang="zh-CN" dirty="0" smtClean="0"/>
+              <a:t>MATLAB</a:t>
+            </a:r>
+            <a:r>
+              <a:rPr lang="zh-CN" altLang="en-US" dirty="0" smtClean="0"/>
+              <a:t>里的结构体无需预定义</a:t>
             </a:r>
             <a:endParaRPr lang="zh-CN" altLang="en-US" dirty="0"/>
           </a:p>
@@ -5666,7 +5486,7 @@
       </p:sp>
       <p:pic>
         <p:nvPicPr>
-          <p:cNvPr id="5" name="图片 4"/>
+          <p:cNvPr id="6" name="图片 5"/>
           <p:cNvPicPr>
             <a:picLocks noChangeAspect="1"/>
           </p:cNvPicPr>
@@ -5680,8 +5500,8 @@
         </p:blipFill>
         <p:spPr>
           <a:xfrm>
-            <a:off x="2932559" y="1065274"/>
-            <a:ext cx="3797495" cy="2216264"/>
+            <a:off x="2797084" y="2611617"/>
+            <a:ext cx="3549832" cy="1320868"/>
           </a:xfrm>
           <a:prstGeom prst="rect">
             <a:avLst/>
@@ -5695,7 +5515,7 @@
       </p:pic>
       <p:pic>
         <p:nvPicPr>
-          <p:cNvPr id="6" name="图片 5"/>
+          <p:cNvPr id="7" name="图片 6"/>
           <p:cNvPicPr>
             <a:picLocks noChangeAspect="1"/>
           </p:cNvPicPr>
@@ -5709,8 +5529,8 @@
         </p:blipFill>
         <p:spPr>
           <a:xfrm>
-            <a:off x="2932559" y="3848771"/>
-            <a:ext cx="2508379" cy="920797"/>
+            <a:off x="5435480" y="4241767"/>
+            <a:ext cx="2641736" cy="590580"/>
           </a:xfrm>
           <a:prstGeom prst="rect">
             <a:avLst/>
@@ -5722,108 +5542,6 @@
           </a:ln>
         </p:spPr>
       </p:pic>
-      <p:sp>
-        <p:nvSpPr>
-          <p:cNvPr id="7" name="文本框 6"/>
-          <p:cNvSpPr txBox="1"/>
-          <p:nvPr/>
-        </p:nvSpPr>
-        <p:spPr>
-          <a:xfrm>
-            <a:off x="5730875" y="4078336"/>
-            <a:ext cx="2243349" cy="461665"/>
-          </a:xfrm>
-          <a:prstGeom prst="rect">
-            <a:avLst/>
-          </a:prstGeom>
-          <a:noFill/>
-        </p:spPr>
-        <p:txBody>
-          <a:bodyPr wrap="square" rtlCol="0">
-            <a:spAutoFit/>
-          </a:bodyPr>
-          <a:lstStyle/>
-          <a:p>
-            <a:r>
-              <a:rPr lang="en-US" altLang="zh-CN" sz="1200" dirty="0" err="1" smtClean="0">
-                <a:solidFill>
-                  <a:srgbClr val="FF0000"/>
-                </a:solidFill>
-                <a:latin typeface="幼圆" panose="02010509060101010101" pitchFamily="49" charset="-122"/>
-                <a:ea typeface="幼圆" panose="02010509060101010101" pitchFamily="49" charset="-122"/>
-              </a:rPr>
-              <a:t>my.a</a:t>
-            </a:r>
-            <a:r>
-              <a:rPr lang="en-US" altLang="zh-CN" sz="1200" dirty="0" smtClean="0">
-                <a:solidFill>
-                  <a:srgbClr val="FF0000"/>
-                </a:solidFill>
-                <a:latin typeface="幼圆" panose="02010509060101010101" pitchFamily="49" charset="-122"/>
-                <a:ea typeface="幼圆" panose="02010509060101010101" pitchFamily="49" charset="-122"/>
-              </a:rPr>
-              <a:t> </a:t>
-            </a:r>
-            <a:r>
-              <a:rPr lang="zh-CN" altLang="en-US" sz="1200" dirty="0" smtClean="0">
-                <a:solidFill>
-                  <a:srgbClr val="FF0000"/>
-                </a:solidFill>
-                <a:latin typeface="幼圆" panose="02010509060101010101" pitchFamily="49" charset="-122"/>
-                <a:ea typeface="幼圆" panose="02010509060101010101" pitchFamily="49" charset="-122"/>
-              </a:rPr>
-              <a:t>相当于 </a:t>
-            </a:r>
-            <a:r>
-              <a:rPr lang="en-US" altLang="zh-CN" sz="1200" dirty="0" smtClean="0">
-                <a:solidFill>
-                  <a:srgbClr val="FF0000"/>
-                </a:solidFill>
-                <a:latin typeface="幼圆" panose="02010509060101010101" pitchFamily="49" charset="-122"/>
-                <a:ea typeface="幼圆" panose="02010509060101010101" pitchFamily="49" charset="-122"/>
-              </a:rPr>
-              <a:t>my(1).</a:t>
-            </a:r>
-            <a:r>
-              <a:rPr lang="en-US" altLang="zh-CN" sz="1200" dirty="0" err="1" smtClean="0">
-                <a:solidFill>
-                  <a:srgbClr val="FF0000"/>
-                </a:solidFill>
-                <a:latin typeface="幼圆" panose="02010509060101010101" pitchFamily="49" charset="-122"/>
-                <a:ea typeface="幼圆" panose="02010509060101010101" pitchFamily="49" charset="-122"/>
-              </a:rPr>
-              <a:t>a,my</a:t>
-            </a:r>
-            <a:r>
-              <a:rPr lang="en-US" altLang="zh-CN" sz="1200" dirty="0" smtClean="0">
-                <a:solidFill>
-                  <a:srgbClr val="FF0000"/>
-                </a:solidFill>
-                <a:latin typeface="幼圆" panose="02010509060101010101" pitchFamily="49" charset="-122"/>
-                <a:ea typeface="幼圆" panose="02010509060101010101" pitchFamily="49" charset="-122"/>
-              </a:rPr>
-              <a:t>(2).a</a:t>
-            </a:r>
-            <a:r>
-              <a:rPr lang="zh-CN" altLang="en-US" sz="1200" dirty="0" smtClean="0">
-                <a:solidFill>
-                  <a:srgbClr val="FF0000"/>
-                </a:solidFill>
-                <a:latin typeface="幼圆" panose="02010509060101010101" pitchFamily="49" charset="-122"/>
-                <a:ea typeface="幼圆" panose="02010509060101010101" pitchFamily="49" charset="-122"/>
-              </a:rPr>
-              <a:t>，中间用逗号分隔</a:t>
-            </a:r>
-            <a:endParaRPr lang="zh-CN" altLang="en-US" sz="1200" dirty="0">
-              <a:solidFill>
-                <a:srgbClr val="FF0000"/>
-              </a:solidFill>
-              <a:latin typeface="幼圆" panose="02010509060101010101" pitchFamily="49" charset="-122"/>
-              <a:ea typeface="幼圆" panose="02010509060101010101" pitchFamily="49" charset="-122"/>
-            </a:endParaRPr>
-          </a:p>
-        </p:txBody>
-      </p:sp>
       <p:pic>
         <p:nvPicPr>
           <p:cNvPr id="8" name="图片 7"/>
@@ -5840,8 +5558,8 @@
         </p:blipFill>
         <p:spPr>
           <a:xfrm>
-            <a:off x="2932559" y="5429999"/>
-            <a:ext cx="2902099" cy="546128"/>
+            <a:off x="2797084" y="1001713"/>
+            <a:ext cx="3168813" cy="1308167"/>
           </a:xfrm>
           <a:prstGeom prst="rect">
             <a:avLst/>
@@ -5853,10 +5571,97 @@
           </a:ln>
         </p:spPr>
       </p:pic>
+      <p:pic>
+        <p:nvPicPr>
+          <p:cNvPr id="9" name="图片 8"/>
+          <p:cNvPicPr>
+            <a:picLocks noChangeAspect="1"/>
+          </p:cNvPicPr>
+          <p:nvPr/>
+        </p:nvPicPr>
+        <p:blipFill>
+          <a:blip r:embed="rId5"/>
+          <a:stretch>
+            <a:fillRect/>
+          </a:stretch>
+        </p:blipFill>
+        <p:spPr>
+          <a:xfrm>
+            <a:off x="2797084" y="4234222"/>
+            <a:ext cx="1466925" cy="577880"/>
+          </a:xfrm>
+          <a:prstGeom prst="rect">
+            <a:avLst/>
+          </a:prstGeom>
+          <a:ln>
+            <a:solidFill>
+              <a:schemeClr val="tx1"/>
+            </a:solidFill>
+          </a:ln>
+        </p:spPr>
+      </p:pic>
+      <p:pic>
+        <p:nvPicPr>
+          <p:cNvPr id="10" name="图片 9"/>
+          <p:cNvPicPr>
+            <a:picLocks noChangeAspect="1"/>
+          </p:cNvPicPr>
+          <p:nvPr/>
+        </p:nvPicPr>
+        <p:blipFill>
+          <a:blip r:embed="rId6"/>
+          <a:stretch>
+            <a:fillRect/>
+          </a:stretch>
+        </p:blipFill>
+        <p:spPr>
+          <a:xfrm>
+            <a:off x="2797084" y="5113839"/>
+            <a:ext cx="2089257" cy="1130358"/>
+          </a:xfrm>
+          <a:prstGeom prst="rect">
+            <a:avLst/>
+          </a:prstGeom>
+          <a:ln>
+            <a:solidFill>
+              <a:schemeClr val="tx1"/>
+            </a:solidFill>
+          </a:ln>
+        </p:spPr>
+      </p:pic>
+      <p:pic>
+        <p:nvPicPr>
+          <p:cNvPr id="11" name="图片 10"/>
+          <p:cNvPicPr>
+            <a:picLocks noChangeAspect="1"/>
+          </p:cNvPicPr>
+          <p:nvPr/>
+        </p:nvPicPr>
+        <p:blipFill>
+          <a:blip r:embed="rId7"/>
+          <a:stretch>
+            <a:fillRect/>
+          </a:stretch>
+        </p:blipFill>
+        <p:spPr>
+          <a:xfrm>
+            <a:off x="5435480" y="5310699"/>
+            <a:ext cx="2381372" cy="736638"/>
+          </a:xfrm>
+          <a:prstGeom prst="rect">
+            <a:avLst/>
+          </a:prstGeom>
+          <a:ln>
+            <a:solidFill>
+              <a:schemeClr val="tx1"/>
+            </a:solidFill>
+          </a:ln>
+        </p:spPr>
+      </p:pic>
     </p:spTree>
     <p:extLst>
       <p:ext uri="{BB962C8B-B14F-4D97-AF65-F5344CB8AC3E}">
-        <p14:creationId xmlns:p14="http://schemas.microsoft.com/office/powerpoint/2010/main" val="3060024622"/>
+        <p14:creationId xmlns:p14="http://schemas.microsoft.com/office/powerpoint/2010/main" val="1528867181"/>
       </p:ext>
     </p:extLst>
   </p:cSld>
@@ -5907,9 +5712,16 @@
           <a:p>
             <a:r>
               <a:rPr lang="zh-CN" altLang="en-US" dirty="0" smtClean="0"/>
-              <a:t>函数句柄</a:t>
+              <a:t>结构体</a:t>
             </a:r>
             <a:endParaRPr lang="en-US" altLang="zh-CN" dirty="0" smtClean="0"/>
+          </a:p>
+          <a:p>
+            <a:r>
+              <a:rPr lang="zh-CN" altLang="en-US" dirty="0" smtClean="0"/>
+              <a:t>数组</a:t>
+            </a:r>
+            <a:endParaRPr lang="zh-CN" altLang="en-US" dirty="0"/>
           </a:p>
         </p:txBody>
       </p:sp>
@@ -5930,15 +5742,15 @@
           <a:p>
             <a:r>
               <a:rPr lang="zh-CN" altLang="en-US" dirty="0" smtClean="0"/>
-              <a:t>函数句柄即指代函数的变量</a:t>
-            </a:r>
-            <a:endParaRPr lang="en-US" altLang="zh-CN" dirty="0" smtClean="0"/>
+              <a:t>包含相同字段的结构体可以构成结构体数组</a:t>
+            </a:r>
+            <a:endParaRPr lang="zh-CN" altLang="en-US" dirty="0"/>
           </a:p>
         </p:txBody>
       </p:sp>
       <p:pic>
         <p:nvPicPr>
-          <p:cNvPr id="4" name="图片 3"/>
+          <p:cNvPr id="5" name="图片 4"/>
           <p:cNvPicPr>
             <a:picLocks noChangeAspect="1"/>
           </p:cNvPicPr>
@@ -5952,8 +5764,8 @@
         </p:blipFill>
         <p:spPr>
           <a:xfrm>
-            <a:off x="2873171" y="1149909"/>
-            <a:ext cx="2140060" cy="1505027"/>
+            <a:off x="2932559" y="1065274"/>
+            <a:ext cx="3797495" cy="2216264"/>
           </a:xfrm>
           <a:prstGeom prst="rect">
             <a:avLst/>
@@ -5967,7 +5779,7 @@
       </p:pic>
       <p:pic>
         <p:nvPicPr>
-          <p:cNvPr id="5" name="图片 4"/>
+          <p:cNvPr id="6" name="图片 5"/>
           <p:cNvPicPr>
             <a:picLocks noChangeAspect="1"/>
           </p:cNvPicPr>
@@ -5981,8 +5793,8 @@
         </p:blipFill>
         <p:spPr>
           <a:xfrm>
-            <a:off x="2873171" y="3382960"/>
-            <a:ext cx="2387723" cy="755689"/>
+            <a:off x="2932559" y="3848771"/>
+            <a:ext cx="2508379" cy="920797"/>
           </a:xfrm>
           <a:prstGeom prst="rect">
             <a:avLst/>
@@ -5994,9 +5806,111 @@
           </a:ln>
         </p:spPr>
       </p:pic>
+      <p:sp>
+        <p:nvSpPr>
+          <p:cNvPr id="7" name="文本框 6"/>
+          <p:cNvSpPr txBox="1"/>
+          <p:nvPr/>
+        </p:nvSpPr>
+        <p:spPr>
+          <a:xfrm>
+            <a:off x="5730875" y="4078336"/>
+            <a:ext cx="2243349" cy="461665"/>
+          </a:xfrm>
+          <a:prstGeom prst="rect">
+            <a:avLst/>
+          </a:prstGeom>
+          <a:noFill/>
+        </p:spPr>
+        <p:txBody>
+          <a:bodyPr wrap="square" rtlCol="0">
+            <a:spAutoFit/>
+          </a:bodyPr>
+          <a:lstStyle/>
+          <a:p>
+            <a:r>
+              <a:rPr lang="en-US" altLang="zh-CN" sz="1200" dirty="0" err="1" smtClean="0">
+                <a:solidFill>
+                  <a:srgbClr val="FF0000"/>
+                </a:solidFill>
+                <a:latin typeface="幼圆" panose="02010509060101010101" pitchFamily="49" charset="-122"/>
+                <a:ea typeface="幼圆" panose="02010509060101010101" pitchFamily="49" charset="-122"/>
+              </a:rPr>
+              <a:t>my.a</a:t>
+            </a:r>
+            <a:r>
+              <a:rPr lang="en-US" altLang="zh-CN" sz="1200" dirty="0" smtClean="0">
+                <a:solidFill>
+                  <a:srgbClr val="FF0000"/>
+                </a:solidFill>
+                <a:latin typeface="幼圆" panose="02010509060101010101" pitchFamily="49" charset="-122"/>
+                <a:ea typeface="幼圆" panose="02010509060101010101" pitchFamily="49" charset="-122"/>
+              </a:rPr>
+              <a:t> </a:t>
+            </a:r>
+            <a:r>
+              <a:rPr lang="zh-CN" altLang="en-US" sz="1200" dirty="0" smtClean="0">
+                <a:solidFill>
+                  <a:srgbClr val="FF0000"/>
+                </a:solidFill>
+                <a:latin typeface="幼圆" panose="02010509060101010101" pitchFamily="49" charset="-122"/>
+                <a:ea typeface="幼圆" panose="02010509060101010101" pitchFamily="49" charset="-122"/>
+              </a:rPr>
+              <a:t>相当于 </a:t>
+            </a:r>
+            <a:r>
+              <a:rPr lang="en-US" altLang="zh-CN" sz="1200" dirty="0" smtClean="0">
+                <a:solidFill>
+                  <a:srgbClr val="FF0000"/>
+                </a:solidFill>
+                <a:latin typeface="幼圆" panose="02010509060101010101" pitchFamily="49" charset="-122"/>
+                <a:ea typeface="幼圆" panose="02010509060101010101" pitchFamily="49" charset="-122"/>
+              </a:rPr>
+              <a:t>my(1).</a:t>
+            </a:r>
+            <a:r>
+              <a:rPr lang="en-US" altLang="zh-CN" sz="1200" dirty="0" err="1" smtClean="0">
+                <a:solidFill>
+                  <a:srgbClr val="FF0000"/>
+                </a:solidFill>
+                <a:latin typeface="幼圆" panose="02010509060101010101" pitchFamily="49" charset="-122"/>
+                <a:ea typeface="幼圆" panose="02010509060101010101" pitchFamily="49" charset="-122"/>
+              </a:rPr>
+              <a:t>a,my</a:t>
+            </a:r>
+            <a:r>
+              <a:rPr lang="en-US" altLang="zh-CN" sz="1200" dirty="0" smtClean="0">
+                <a:solidFill>
+                  <a:srgbClr val="FF0000"/>
+                </a:solidFill>
+                <a:latin typeface="幼圆" panose="02010509060101010101" pitchFamily="49" charset="-122"/>
+                <a:ea typeface="幼圆" panose="02010509060101010101" pitchFamily="49" charset="-122"/>
+              </a:rPr>
+              <a:t>(2).a</a:t>
+            </a:r>
+            <a:r>
+              <a:rPr lang="zh-CN" altLang="en-US" sz="1200" dirty="0" smtClean="0">
+                <a:solidFill>
+                  <a:srgbClr val="FF0000"/>
+                </a:solidFill>
+                <a:latin typeface="幼圆" panose="02010509060101010101" pitchFamily="49" charset="-122"/>
+                <a:ea typeface="幼圆" panose="02010509060101010101" pitchFamily="49" charset="-122"/>
+              </a:rPr>
+              <a:t>，中间用逗号分隔</a:t>
+            </a:r>
+            <a:endParaRPr lang="zh-CN" altLang="en-US" sz="1200" dirty="0">
+              <a:solidFill>
+                <a:srgbClr val="FF0000"/>
+              </a:solidFill>
+              <a:latin typeface="幼圆" panose="02010509060101010101" pitchFamily="49" charset="-122"/>
+              <a:ea typeface="幼圆" panose="02010509060101010101" pitchFamily="49" charset="-122"/>
+            </a:endParaRPr>
+          </a:p>
+        </p:txBody>
+      </p:sp>
       <p:pic>
         <p:nvPicPr>
-          <p:cNvPr id="6" name="图片 5"/>
+          <p:cNvPr id="8" name="图片 7"/>
           <p:cNvPicPr>
             <a:picLocks noChangeAspect="1"/>
           </p:cNvPicPr>
@@ -6010,8 +5924,8 @@
         </p:blipFill>
         <p:spPr>
           <a:xfrm>
-            <a:off x="5633921" y="3090844"/>
-            <a:ext cx="2965602" cy="1339919"/>
+            <a:off x="2932559" y="5429999"/>
+            <a:ext cx="2902099" cy="546128"/>
           </a:xfrm>
           <a:prstGeom prst="rect">
             <a:avLst/>
@@ -6023,39 +5937,10 @@
           </a:ln>
         </p:spPr>
       </p:pic>
-      <p:pic>
-        <p:nvPicPr>
-          <p:cNvPr id="7" name="图片 6"/>
-          <p:cNvPicPr>
-            <a:picLocks noChangeAspect="1"/>
-          </p:cNvPicPr>
-          <p:nvPr/>
-        </p:nvPicPr>
-        <p:blipFill>
-          <a:blip r:embed="rId5"/>
-          <a:stretch>
-            <a:fillRect/>
-          </a:stretch>
-        </p:blipFill>
-        <p:spPr>
-          <a:xfrm>
-            <a:off x="2873171" y="4866672"/>
-            <a:ext cx="2159111" cy="1314518"/>
-          </a:xfrm>
-          <a:prstGeom prst="rect">
-            <a:avLst/>
-          </a:prstGeom>
-          <a:ln>
-            <a:solidFill>
-              <a:schemeClr val="tx1"/>
-            </a:solidFill>
-          </a:ln>
-        </p:spPr>
-      </p:pic>
     </p:spTree>
     <p:extLst>
       <p:ext uri="{BB962C8B-B14F-4D97-AF65-F5344CB8AC3E}">
-        <p14:creationId xmlns:p14="http://schemas.microsoft.com/office/powerpoint/2010/main" val="999128079"/>
+        <p14:creationId xmlns:p14="http://schemas.microsoft.com/office/powerpoint/2010/main" val="3060024622"/>
       </p:ext>
     </p:extLst>
   </p:cSld>
@@ -6091,7 +5976,7 @@
       </p:grpSpPr>
       <p:sp>
         <p:nvSpPr>
-          <p:cNvPr id="4" name="文本占位符 3"/>
+          <p:cNvPr id="2" name="文本占位符 1"/>
           <p:cNvSpPr>
             <a:spLocks noGrp="1"/>
           </p:cNvSpPr>
@@ -6106,15 +5991,15 @@
           <a:p>
             <a:r>
               <a:rPr lang="zh-CN" altLang="en-US" dirty="0" smtClean="0"/>
-              <a:t>关键字</a:t>
-            </a:r>
-            <a:endParaRPr lang="zh-CN" altLang="en-US" dirty="0"/>
-          </a:p>
-        </p:txBody>
-      </p:sp>
-      <p:sp>
-        <p:nvSpPr>
-          <p:cNvPr id="5" name="文本占位符 4"/>
+              <a:t>函数句柄</a:t>
+            </a:r>
+            <a:endParaRPr lang="en-US" altLang="zh-CN" dirty="0" smtClean="0"/>
+          </a:p>
+        </p:txBody>
+      </p:sp>
+      <p:sp>
+        <p:nvSpPr>
+          <p:cNvPr id="3" name="文本占位符 2"/>
           <p:cNvSpPr>
             <a:spLocks noGrp="1"/>
           </p:cNvSpPr>
@@ -6128,17 +6013,133 @@
           <a:lstStyle/>
           <a:p>
             <a:r>
-              <a:rPr lang="en-US" altLang="zh-CN" dirty="0" smtClean="0"/>
-              <a:t>3</a:t>
-            </a:r>
-            <a:endParaRPr lang="zh-CN" altLang="en-US" dirty="0"/>
-          </a:p>
-        </p:txBody>
-      </p:sp>
+              <a:rPr lang="zh-CN" altLang="en-US" dirty="0" smtClean="0"/>
+              <a:t>函数句柄即指代函数的变量</a:t>
+            </a:r>
+            <a:endParaRPr lang="en-US" altLang="zh-CN" dirty="0" smtClean="0"/>
+          </a:p>
+        </p:txBody>
+      </p:sp>
+      <p:pic>
+        <p:nvPicPr>
+          <p:cNvPr id="4" name="图片 3"/>
+          <p:cNvPicPr>
+            <a:picLocks noChangeAspect="1"/>
+          </p:cNvPicPr>
+          <p:nvPr/>
+        </p:nvPicPr>
+        <p:blipFill>
+          <a:blip r:embed="rId2"/>
+          <a:stretch>
+            <a:fillRect/>
+          </a:stretch>
+        </p:blipFill>
+        <p:spPr>
+          <a:xfrm>
+            <a:off x="2873171" y="1149909"/>
+            <a:ext cx="2140060" cy="1505027"/>
+          </a:xfrm>
+          <a:prstGeom prst="rect">
+            <a:avLst/>
+          </a:prstGeom>
+          <a:ln>
+            <a:solidFill>
+              <a:schemeClr val="tx1"/>
+            </a:solidFill>
+          </a:ln>
+        </p:spPr>
+      </p:pic>
+      <p:pic>
+        <p:nvPicPr>
+          <p:cNvPr id="5" name="图片 4"/>
+          <p:cNvPicPr>
+            <a:picLocks noChangeAspect="1"/>
+          </p:cNvPicPr>
+          <p:nvPr/>
+        </p:nvPicPr>
+        <p:blipFill>
+          <a:blip r:embed="rId3"/>
+          <a:stretch>
+            <a:fillRect/>
+          </a:stretch>
+        </p:blipFill>
+        <p:spPr>
+          <a:xfrm>
+            <a:off x="2873171" y="3382960"/>
+            <a:ext cx="2387723" cy="755689"/>
+          </a:xfrm>
+          <a:prstGeom prst="rect">
+            <a:avLst/>
+          </a:prstGeom>
+          <a:ln>
+            <a:solidFill>
+              <a:schemeClr val="tx1"/>
+            </a:solidFill>
+          </a:ln>
+        </p:spPr>
+      </p:pic>
+      <p:pic>
+        <p:nvPicPr>
+          <p:cNvPr id="6" name="图片 5"/>
+          <p:cNvPicPr>
+            <a:picLocks noChangeAspect="1"/>
+          </p:cNvPicPr>
+          <p:nvPr/>
+        </p:nvPicPr>
+        <p:blipFill>
+          <a:blip r:embed="rId4"/>
+          <a:stretch>
+            <a:fillRect/>
+          </a:stretch>
+        </p:blipFill>
+        <p:spPr>
+          <a:xfrm>
+            <a:off x="5633921" y="3090844"/>
+            <a:ext cx="2965602" cy="1339919"/>
+          </a:xfrm>
+          <a:prstGeom prst="rect">
+            <a:avLst/>
+          </a:prstGeom>
+          <a:ln>
+            <a:solidFill>
+              <a:schemeClr val="tx1"/>
+            </a:solidFill>
+          </a:ln>
+        </p:spPr>
+      </p:pic>
+      <p:pic>
+        <p:nvPicPr>
+          <p:cNvPr id="7" name="图片 6"/>
+          <p:cNvPicPr>
+            <a:picLocks noChangeAspect="1"/>
+          </p:cNvPicPr>
+          <p:nvPr/>
+        </p:nvPicPr>
+        <p:blipFill>
+          <a:blip r:embed="rId5"/>
+          <a:stretch>
+            <a:fillRect/>
+          </a:stretch>
+        </p:blipFill>
+        <p:spPr>
+          <a:xfrm>
+            <a:off x="2873171" y="4866672"/>
+            <a:ext cx="2159111" cy="1314518"/>
+          </a:xfrm>
+          <a:prstGeom prst="rect">
+            <a:avLst/>
+          </a:prstGeom>
+          <a:ln>
+            <a:solidFill>
+              <a:schemeClr val="tx1"/>
+            </a:solidFill>
+          </a:ln>
+        </p:spPr>
+      </p:pic>
     </p:spTree>
     <p:extLst>
       <p:ext uri="{BB962C8B-B14F-4D97-AF65-F5344CB8AC3E}">
-        <p14:creationId xmlns:p14="http://schemas.microsoft.com/office/powerpoint/2010/main" val="2836821238"/>
+        <p14:creationId xmlns:p14="http://schemas.microsoft.com/office/powerpoint/2010/main" val="999128079"/>
       </p:ext>
     </p:extLst>
   </p:cSld>
@@ -6174,7 +6175,7 @@
       </p:grpSpPr>
       <p:sp>
         <p:nvSpPr>
-          <p:cNvPr id="2" name="文本占位符 1"/>
+          <p:cNvPr id="4" name="文本占位符 3"/>
           <p:cNvSpPr>
             <a:spLocks noGrp="1"/>
           </p:cNvSpPr>
@@ -6189,7 +6190,7 @@
           <a:p>
             <a:r>
               <a:rPr lang="zh-CN" altLang="en-US" dirty="0" smtClean="0"/>
-              <a:t>运算符</a:t>
+              <a:t>关键字</a:t>
             </a:r>
             <a:endParaRPr lang="zh-CN" altLang="en-US" dirty="0"/>
           </a:p>
@@ -6197,7 +6198,7 @@
       </p:sp>
       <p:sp>
         <p:nvSpPr>
-          <p:cNvPr id="3" name="文本占位符 2"/>
+          <p:cNvPr id="5" name="文本占位符 4"/>
           <p:cNvSpPr>
             <a:spLocks noGrp="1"/>
           </p:cNvSpPr>
@@ -6211,307 +6212,17 @@
           <a:lstStyle/>
           <a:p>
             <a:r>
-              <a:rPr lang="zh-CN" altLang="en-US" dirty="0" smtClean="0"/>
-              <a:t>数值运算符</a:t>
+              <a:rPr lang="en-US" altLang="zh-CN" dirty="0" smtClean="0"/>
+              <a:t>3</a:t>
             </a:r>
             <a:endParaRPr lang="zh-CN" altLang="en-US" dirty="0"/>
           </a:p>
         </p:txBody>
       </p:sp>
-      <p:pic>
-        <p:nvPicPr>
-          <p:cNvPr id="4" name="图片 3"/>
-          <p:cNvPicPr>
-            <a:picLocks noChangeAspect="1"/>
-          </p:cNvPicPr>
-          <p:nvPr/>
-        </p:nvPicPr>
-        <p:blipFill>
-          <a:blip r:embed="rId2"/>
-          <a:stretch>
-            <a:fillRect/>
-          </a:stretch>
-        </p:blipFill>
-        <p:spPr>
-          <a:xfrm>
-            <a:off x="2795399" y="1001713"/>
-            <a:ext cx="850944" cy="1104957"/>
-          </a:xfrm>
-          <a:prstGeom prst="rect">
-            <a:avLst/>
-          </a:prstGeom>
-          <a:ln>
-            <a:solidFill>
-              <a:schemeClr val="tx1"/>
-            </a:solidFill>
-          </a:ln>
-        </p:spPr>
-      </p:pic>
-      <p:pic>
-        <p:nvPicPr>
-          <p:cNvPr id="5" name="图片 4"/>
-          <p:cNvPicPr>
-            <a:picLocks noChangeAspect="1"/>
-          </p:cNvPicPr>
-          <p:nvPr/>
-        </p:nvPicPr>
-        <p:blipFill>
-          <a:blip r:embed="rId3"/>
-          <a:stretch>
-            <a:fillRect/>
-          </a:stretch>
-        </p:blipFill>
-        <p:spPr>
-          <a:xfrm>
-            <a:off x="4776165" y="1182696"/>
-            <a:ext cx="920797" cy="742988"/>
-          </a:xfrm>
-          <a:prstGeom prst="rect">
-            <a:avLst/>
-          </a:prstGeom>
-          <a:ln>
-            <a:solidFill>
-              <a:schemeClr val="tx1"/>
-            </a:solidFill>
-          </a:ln>
-        </p:spPr>
-      </p:pic>
-      <p:pic>
-        <p:nvPicPr>
-          <p:cNvPr id="6" name="图片 5"/>
-          <p:cNvPicPr>
-            <a:picLocks noChangeAspect="1"/>
-          </p:cNvPicPr>
-          <p:nvPr/>
-        </p:nvPicPr>
-        <p:blipFill>
-          <a:blip r:embed="rId4"/>
-          <a:stretch>
-            <a:fillRect/>
-          </a:stretch>
-        </p:blipFill>
-        <p:spPr>
-          <a:xfrm>
-            <a:off x="6826784" y="1173171"/>
-            <a:ext cx="869995" cy="762039"/>
-          </a:xfrm>
-          <a:prstGeom prst="rect">
-            <a:avLst/>
-          </a:prstGeom>
-          <a:ln>
-            <a:solidFill>
-              <a:schemeClr val="tx1"/>
-            </a:solidFill>
-          </a:ln>
-        </p:spPr>
-      </p:pic>
-      <p:pic>
-        <p:nvPicPr>
-          <p:cNvPr id="7" name="图片 6"/>
-          <p:cNvPicPr>
-            <a:picLocks noChangeAspect="1"/>
-          </p:cNvPicPr>
-          <p:nvPr/>
-        </p:nvPicPr>
-        <p:blipFill>
-          <a:blip r:embed="rId5"/>
-          <a:stretch>
-            <a:fillRect/>
-          </a:stretch>
-        </p:blipFill>
-        <p:spPr>
-          <a:xfrm>
-            <a:off x="2795399" y="3207304"/>
-            <a:ext cx="1200212" cy="742988"/>
-          </a:xfrm>
-          <a:prstGeom prst="rect">
-            <a:avLst/>
-          </a:prstGeom>
-          <a:ln>
-            <a:solidFill>
-              <a:schemeClr val="tx1"/>
-            </a:solidFill>
-          </a:ln>
-        </p:spPr>
-      </p:pic>
-      <p:pic>
-        <p:nvPicPr>
-          <p:cNvPr id="8" name="图片 7"/>
-          <p:cNvPicPr>
-            <a:picLocks noChangeAspect="1"/>
-          </p:cNvPicPr>
-          <p:nvPr/>
-        </p:nvPicPr>
-        <p:blipFill>
-          <a:blip r:embed="rId6"/>
-          <a:stretch>
-            <a:fillRect/>
-          </a:stretch>
-        </p:blipFill>
-        <p:spPr>
-          <a:xfrm>
-            <a:off x="4314708" y="3197779"/>
-            <a:ext cx="1098606" cy="762039"/>
-          </a:xfrm>
-          <a:prstGeom prst="rect">
-            <a:avLst/>
-          </a:prstGeom>
-          <a:ln>
-            <a:solidFill>
-              <a:schemeClr val="tx1"/>
-            </a:solidFill>
-          </a:ln>
-        </p:spPr>
-      </p:pic>
-      <p:pic>
-        <p:nvPicPr>
-          <p:cNvPr id="9" name="图片 8"/>
-          <p:cNvPicPr>
-            <a:picLocks noChangeAspect="1"/>
-          </p:cNvPicPr>
-          <p:nvPr/>
-        </p:nvPicPr>
-        <p:blipFill>
-          <a:blip r:embed="rId7"/>
-          <a:stretch>
-            <a:fillRect/>
-          </a:stretch>
-        </p:blipFill>
-        <p:spPr>
-          <a:xfrm>
-            <a:off x="5732411" y="3188253"/>
-            <a:ext cx="1371670" cy="781090"/>
-          </a:xfrm>
-          <a:prstGeom prst="rect">
-            <a:avLst/>
-          </a:prstGeom>
-          <a:ln>
-            <a:solidFill>
-              <a:schemeClr val="tx1"/>
-            </a:solidFill>
-          </a:ln>
-        </p:spPr>
-      </p:pic>
-      <p:pic>
-        <p:nvPicPr>
-          <p:cNvPr id="10" name="图片 9"/>
-          <p:cNvPicPr>
-            <a:picLocks noChangeAspect="1"/>
-          </p:cNvPicPr>
-          <p:nvPr/>
-        </p:nvPicPr>
-        <p:blipFill>
-          <a:blip r:embed="rId8"/>
-          <a:stretch>
-            <a:fillRect/>
-          </a:stretch>
-        </p:blipFill>
-        <p:spPr>
-          <a:xfrm>
-            <a:off x="7423179" y="3191428"/>
-            <a:ext cx="1333569" cy="774740"/>
-          </a:xfrm>
-          <a:prstGeom prst="rect">
-            <a:avLst/>
-          </a:prstGeom>
-          <a:ln>
-            <a:solidFill>
-              <a:schemeClr val="tx1"/>
-            </a:solidFill>
-          </a:ln>
-        </p:spPr>
-      </p:pic>
-      <p:pic>
-        <p:nvPicPr>
-          <p:cNvPr id="11" name="图片 10"/>
-          <p:cNvPicPr>
-            <a:picLocks noChangeAspect="1"/>
-          </p:cNvPicPr>
-          <p:nvPr/>
-        </p:nvPicPr>
-        <p:blipFill>
-          <a:blip r:embed="rId9"/>
-          <a:stretch>
-            <a:fillRect/>
-          </a:stretch>
-        </p:blipFill>
-        <p:spPr>
-          <a:xfrm>
-            <a:off x="2789049" y="5137001"/>
-            <a:ext cx="1206562" cy="768389"/>
-          </a:xfrm>
-          <a:prstGeom prst="rect">
-            <a:avLst/>
-          </a:prstGeom>
-          <a:ln>
-            <a:solidFill>
-              <a:schemeClr val="tx1"/>
-            </a:solidFill>
-          </a:ln>
-        </p:spPr>
-      </p:pic>
-      <p:pic>
-        <p:nvPicPr>
-          <p:cNvPr id="12" name="图片 11"/>
-          <p:cNvPicPr>
-            <a:picLocks noChangeAspect="1"/>
-          </p:cNvPicPr>
-          <p:nvPr/>
-        </p:nvPicPr>
-        <p:blipFill>
-          <a:blip r:embed="rId10"/>
-          <a:stretch>
-            <a:fillRect/>
-          </a:stretch>
-        </p:blipFill>
-        <p:spPr>
-          <a:xfrm>
-            <a:off x="4777753" y="5143351"/>
-            <a:ext cx="1136708" cy="762039"/>
-          </a:xfrm>
-          <a:prstGeom prst="rect">
-            <a:avLst/>
-          </a:prstGeom>
-          <a:ln>
-            <a:solidFill>
-              <a:schemeClr val="tx1"/>
-            </a:solidFill>
-          </a:ln>
-        </p:spPr>
-      </p:pic>
-      <p:pic>
-        <p:nvPicPr>
-          <p:cNvPr id="13" name="图片 12"/>
-          <p:cNvPicPr>
-            <a:picLocks noChangeAspect="1"/>
-          </p:cNvPicPr>
-          <p:nvPr/>
-        </p:nvPicPr>
-        <p:blipFill>
-          <a:blip r:embed="rId11"/>
-          <a:stretch>
-            <a:fillRect/>
-          </a:stretch>
-        </p:blipFill>
-        <p:spPr>
-          <a:xfrm>
-            <a:off x="6696602" y="5117950"/>
-            <a:ext cx="1130358" cy="787440"/>
-          </a:xfrm>
-          <a:prstGeom prst="rect">
-            <a:avLst/>
-          </a:prstGeom>
-          <a:ln>
-            <a:solidFill>
-              <a:schemeClr val="tx1"/>
-            </a:solidFill>
-          </a:ln>
-        </p:spPr>
-      </p:pic>
     </p:spTree>
     <p:extLst>
       <p:ext uri="{BB962C8B-B14F-4D97-AF65-F5344CB8AC3E}">
-        <p14:creationId xmlns:p14="http://schemas.microsoft.com/office/powerpoint/2010/main" val="3626280051"/>
+        <p14:creationId xmlns:p14="http://schemas.microsoft.com/office/powerpoint/2010/main" val="2836821238"/>
       </p:ext>
     </p:extLst>
   </p:cSld>
@@ -6585,6 +6296,379 @@
           <a:p>
             <a:r>
               <a:rPr lang="zh-CN" altLang="en-US" dirty="0" smtClean="0"/>
+              <a:t>数值运算符</a:t>
+            </a:r>
+            <a:endParaRPr lang="zh-CN" altLang="en-US" dirty="0"/>
+          </a:p>
+        </p:txBody>
+      </p:sp>
+      <p:pic>
+        <p:nvPicPr>
+          <p:cNvPr id="4" name="图片 3"/>
+          <p:cNvPicPr>
+            <a:picLocks noChangeAspect="1"/>
+          </p:cNvPicPr>
+          <p:nvPr/>
+        </p:nvPicPr>
+        <p:blipFill>
+          <a:blip r:embed="rId2"/>
+          <a:stretch>
+            <a:fillRect/>
+          </a:stretch>
+        </p:blipFill>
+        <p:spPr>
+          <a:xfrm>
+            <a:off x="2795399" y="1001713"/>
+            <a:ext cx="850944" cy="1104957"/>
+          </a:xfrm>
+          <a:prstGeom prst="rect">
+            <a:avLst/>
+          </a:prstGeom>
+          <a:ln>
+            <a:solidFill>
+              <a:schemeClr val="tx1"/>
+            </a:solidFill>
+          </a:ln>
+        </p:spPr>
+      </p:pic>
+      <p:pic>
+        <p:nvPicPr>
+          <p:cNvPr id="5" name="图片 4"/>
+          <p:cNvPicPr>
+            <a:picLocks noChangeAspect="1"/>
+          </p:cNvPicPr>
+          <p:nvPr/>
+        </p:nvPicPr>
+        <p:blipFill>
+          <a:blip r:embed="rId3"/>
+          <a:stretch>
+            <a:fillRect/>
+          </a:stretch>
+        </p:blipFill>
+        <p:spPr>
+          <a:xfrm>
+            <a:off x="4776165" y="1182696"/>
+            <a:ext cx="920797" cy="742988"/>
+          </a:xfrm>
+          <a:prstGeom prst="rect">
+            <a:avLst/>
+          </a:prstGeom>
+          <a:ln>
+            <a:solidFill>
+              <a:schemeClr val="tx1"/>
+            </a:solidFill>
+          </a:ln>
+        </p:spPr>
+      </p:pic>
+      <p:pic>
+        <p:nvPicPr>
+          <p:cNvPr id="6" name="图片 5"/>
+          <p:cNvPicPr>
+            <a:picLocks noChangeAspect="1"/>
+          </p:cNvPicPr>
+          <p:nvPr/>
+        </p:nvPicPr>
+        <p:blipFill>
+          <a:blip r:embed="rId4"/>
+          <a:stretch>
+            <a:fillRect/>
+          </a:stretch>
+        </p:blipFill>
+        <p:spPr>
+          <a:xfrm>
+            <a:off x="6826784" y="1173171"/>
+            <a:ext cx="869995" cy="762039"/>
+          </a:xfrm>
+          <a:prstGeom prst="rect">
+            <a:avLst/>
+          </a:prstGeom>
+          <a:ln>
+            <a:solidFill>
+              <a:schemeClr val="tx1"/>
+            </a:solidFill>
+          </a:ln>
+        </p:spPr>
+      </p:pic>
+      <p:pic>
+        <p:nvPicPr>
+          <p:cNvPr id="7" name="图片 6"/>
+          <p:cNvPicPr>
+            <a:picLocks noChangeAspect="1"/>
+          </p:cNvPicPr>
+          <p:nvPr/>
+        </p:nvPicPr>
+        <p:blipFill>
+          <a:blip r:embed="rId5"/>
+          <a:stretch>
+            <a:fillRect/>
+          </a:stretch>
+        </p:blipFill>
+        <p:spPr>
+          <a:xfrm>
+            <a:off x="2795399" y="3207304"/>
+            <a:ext cx="1200212" cy="742988"/>
+          </a:xfrm>
+          <a:prstGeom prst="rect">
+            <a:avLst/>
+          </a:prstGeom>
+          <a:ln>
+            <a:solidFill>
+              <a:schemeClr val="tx1"/>
+            </a:solidFill>
+          </a:ln>
+        </p:spPr>
+      </p:pic>
+      <p:pic>
+        <p:nvPicPr>
+          <p:cNvPr id="8" name="图片 7"/>
+          <p:cNvPicPr>
+            <a:picLocks noChangeAspect="1"/>
+          </p:cNvPicPr>
+          <p:nvPr/>
+        </p:nvPicPr>
+        <p:blipFill>
+          <a:blip r:embed="rId6"/>
+          <a:stretch>
+            <a:fillRect/>
+          </a:stretch>
+        </p:blipFill>
+        <p:spPr>
+          <a:xfrm>
+            <a:off x="4314708" y="3197779"/>
+            <a:ext cx="1098606" cy="762039"/>
+          </a:xfrm>
+          <a:prstGeom prst="rect">
+            <a:avLst/>
+          </a:prstGeom>
+          <a:ln>
+            <a:solidFill>
+              <a:schemeClr val="tx1"/>
+            </a:solidFill>
+          </a:ln>
+        </p:spPr>
+      </p:pic>
+      <p:pic>
+        <p:nvPicPr>
+          <p:cNvPr id="9" name="图片 8"/>
+          <p:cNvPicPr>
+            <a:picLocks noChangeAspect="1"/>
+          </p:cNvPicPr>
+          <p:nvPr/>
+        </p:nvPicPr>
+        <p:blipFill>
+          <a:blip r:embed="rId7"/>
+          <a:stretch>
+            <a:fillRect/>
+          </a:stretch>
+        </p:blipFill>
+        <p:spPr>
+          <a:xfrm>
+            <a:off x="5732411" y="3188253"/>
+            <a:ext cx="1371670" cy="781090"/>
+          </a:xfrm>
+          <a:prstGeom prst="rect">
+            <a:avLst/>
+          </a:prstGeom>
+          <a:ln>
+            <a:solidFill>
+              <a:schemeClr val="tx1"/>
+            </a:solidFill>
+          </a:ln>
+        </p:spPr>
+      </p:pic>
+      <p:pic>
+        <p:nvPicPr>
+          <p:cNvPr id="10" name="图片 9"/>
+          <p:cNvPicPr>
+            <a:picLocks noChangeAspect="1"/>
+          </p:cNvPicPr>
+          <p:nvPr/>
+        </p:nvPicPr>
+        <p:blipFill>
+          <a:blip r:embed="rId8"/>
+          <a:stretch>
+            <a:fillRect/>
+          </a:stretch>
+        </p:blipFill>
+        <p:spPr>
+          <a:xfrm>
+            <a:off x="7423179" y="3191428"/>
+            <a:ext cx="1333569" cy="774740"/>
+          </a:xfrm>
+          <a:prstGeom prst="rect">
+            <a:avLst/>
+          </a:prstGeom>
+          <a:ln>
+            <a:solidFill>
+              <a:schemeClr val="tx1"/>
+            </a:solidFill>
+          </a:ln>
+        </p:spPr>
+      </p:pic>
+      <p:pic>
+        <p:nvPicPr>
+          <p:cNvPr id="11" name="图片 10"/>
+          <p:cNvPicPr>
+            <a:picLocks noChangeAspect="1"/>
+          </p:cNvPicPr>
+          <p:nvPr/>
+        </p:nvPicPr>
+        <p:blipFill>
+          <a:blip r:embed="rId9"/>
+          <a:stretch>
+            <a:fillRect/>
+          </a:stretch>
+        </p:blipFill>
+        <p:spPr>
+          <a:xfrm>
+            <a:off x="2789049" y="5137001"/>
+            <a:ext cx="1206562" cy="768389"/>
+          </a:xfrm>
+          <a:prstGeom prst="rect">
+            <a:avLst/>
+          </a:prstGeom>
+          <a:ln>
+            <a:solidFill>
+              <a:schemeClr val="tx1"/>
+            </a:solidFill>
+          </a:ln>
+        </p:spPr>
+      </p:pic>
+      <p:pic>
+        <p:nvPicPr>
+          <p:cNvPr id="12" name="图片 11"/>
+          <p:cNvPicPr>
+            <a:picLocks noChangeAspect="1"/>
+          </p:cNvPicPr>
+          <p:nvPr/>
+        </p:nvPicPr>
+        <p:blipFill>
+          <a:blip r:embed="rId10"/>
+          <a:stretch>
+            <a:fillRect/>
+          </a:stretch>
+        </p:blipFill>
+        <p:spPr>
+          <a:xfrm>
+            <a:off x="4777753" y="5143351"/>
+            <a:ext cx="1136708" cy="762039"/>
+          </a:xfrm>
+          <a:prstGeom prst="rect">
+            <a:avLst/>
+          </a:prstGeom>
+          <a:ln>
+            <a:solidFill>
+              <a:schemeClr val="tx1"/>
+            </a:solidFill>
+          </a:ln>
+        </p:spPr>
+      </p:pic>
+      <p:pic>
+        <p:nvPicPr>
+          <p:cNvPr id="13" name="图片 12"/>
+          <p:cNvPicPr>
+            <a:picLocks noChangeAspect="1"/>
+          </p:cNvPicPr>
+          <p:nvPr/>
+        </p:nvPicPr>
+        <p:blipFill>
+          <a:blip r:embed="rId11"/>
+          <a:stretch>
+            <a:fillRect/>
+          </a:stretch>
+        </p:blipFill>
+        <p:spPr>
+          <a:xfrm>
+            <a:off x="6696602" y="5117950"/>
+            <a:ext cx="1130358" cy="787440"/>
+          </a:xfrm>
+          <a:prstGeom prst="rect">
+            <a:avLst/>
+          </a:prstGeom>
+          <a:ln>
+            <a:solidFill>
+              <a:schemeClr val="tx1"/>
+            </a:solidFill>
+          </a:ln>
+        </p:spPr>
+      </p:pic>
+    </p:spTree>
+    <p:extLst>
+      <p:ext uri="{BB962C8B-B14F-4D97-AF65-F5344CB8AC3E}">
+        <p14:creationId xmlns:p14="http://schemas.microsoft.com/office/powerpoint/2010/main" val="3626280051"/>
+      </p:ext>
+    </p:extLst>
+  </p:cSld>
+  <p:clrMapOvr>
+    <a:masterClrMapping/>
+  </p:clrMapOvr>
+  <p:timing>
+    <p:tnLst>
+      <p:par>
+        <p:cTn id="1" dur="indefinite" restart="never" nodeType="tmRoot"/>
+      </p:par>
+    </p:tnLst>
+  </p:timing>
+</p:sld>
+</file>
+
+<file path=ppt/slides/slide25.xml><?xml version="1.0" encoding="utf-8"?>
+<p:sld xmlns:a="http://schemas.openxmlformats.org/drawingml/2006/main" xmlns:r="http://schemas.openxmlformats.org/officeDocument/2006/relationships" xmlns:p="http://schemas.openxmlformats.org/presentationml/2006/main">
+  <p:cSld>
+    <p:spTree>
+      <p:nvGrpSpPr>
+        <p:cNvPr id="1" name=""/>
+        <p:cNvGrpSpPr/>
+        <p:nvPr/>
+      </p:nvGrpSpPr>
+      <p:grpSpPr>
+        <a:xfrm>
+          <a:off x="0" y="0"/>
+          <a:ext cx="0" cy="0"/>
+          <a:chOff x="0" y="0"/>
+          <a:chExt cx="0" cy="0"/>
+        </a:xfrm>
+      </p:grpSpPr>
+      <p:sp>
+        <p:nvSpPr>
+          <p:cNvPr id="2" name="文本占位符 1"/>
+          <p:cNvSpPr>
+            <a:spLocks noGrp="1"/>
+          </p:cNvSpPr>
+          <p:nvPr>
+            <p:ph type="body" sz="quarter" idx="10"/>
+          </p:nvPr>
+        </p:nvSpPr>
+        <p:spPr/>
+        <p:txBody>
+          <a:bodyPr/>
+          <a:lstStyle/>
+          <a:p>
+            <a:r>
+              <a:rPr lang="zh-CN" altLang="en-US" dirty="0" smtClean="0"/>
+              <a:t>运算符</a:t>
+            </a:r>
+            <a:endParaRPr lang="zh-CN" altLang="en-US" dirty="0"/>
+          </a:p>
+        </p:txBody>
+      </p:sp>
+      <p:sp>
+        <p:nvSpPr>
+          <p:cNvPr id="3" name="文本占位符 2"/>
+          <p:cNvSpPr>
+            <a:spLocks noGrp="1"/>
+          </p:cNvSpPr>
+          <p:nvPr>
+            <p:ph type="body" sz="quarter" idx="11"/>
+          </p:nvPr>
+        </p:nvSpPr>
+        <p:spPr/>
+        <p:txBody>
+          <a:bodyPr/>
+          <a:lstStyle/>
+          <a:p>
+            <a:r>
+              <a:rPr lang="zh-CN" altLang="en-US" dirty="0" smtClean="0"/>
               <a:t>逻辑运算符</a:t>
             </a:r>
             <a:endParaRPr lang="zh-CN" altLang="en-US" dirty="0"/>
@@ -6901,7 +6985,7 @@
 </p:sld>
 </file>
 
-<file path=ppt/slides/slide25.xml><?xml version="1.0" encoding="utf-8"?>
+<file path=ppt/slides/slide26.xml><?xml version="1.0" encoding="utf-8"?>
 <p:sld xmlns:a="http://schemas.openxmlformats.org/drawingml/2006/main" xmlns:r="http://schemas.openxmlformats.org/officeDocument/2006/relationships" xmlns:p="http://schemas.openxmlformats.org/presentationml/2006/main">
   <p:cSld>
     <p:spTree>
@@ -7754,7 +7838,7 @@
 </p:sld>
 </file>
 
-<file path=ppt/slides/slide26.xml><?xml version="1.0" encoding="utf-8"?>
+<file path=ppt/slides/slide27.xml><?xml version="1.0" encoding="utf-8"?>
 <p:sld xmlns:a="http://schemas.openxmlformats.org/drawingml/2006/main" xmlns:r="http://schemas.openxmlformats.org/officeDocument/2006/relationships" xmlns:p="http://schemas.openxmlformats.org/presentationml/2006/main">
   <p:cSld>
     <p:spTree>
@@ -8549,123 +8633,6 @@
 </p:sld>
 </file>
 
-<file path=ppt/slides/slide27.xml><?xml version="1.0" encoding="utf-8"?>
-<p:sld xmlns:a="http://schemas.openxmlformats.org/drawingml/2006/main" xmlns:r="http://schemas.openxmlformats.org/officeDocument/2006/relationships" xmlns:p="http://schemas.openxmlformats.org/presentationml/2006/main">
-  <p:cSld>
-    <p:spTree>
-      <p:nvGrpSpPr>
-        <p:cNvPr id="1" name=""/>
-        <p:cNvGrpSpPr/>
-        <p:nvPr/>
-      </p:nvGrpSpPr>
-      <p:grpSpPr>
-        <a:xfrm>
-          <a:off x="0" y="0"/>
-          <a:ext cx="0" cy="0"/>
-          <a:chOff x="0" y="0"/>
-          <a:chExt cx="0" cy="0"/>
-        </a:xfrm>
-      </p:grpSpPr>
-      <p:sp>
-        <p:nvSpPr>
-          <p:cNvPr id="2" name="文本占位符 1"/>
-          <p:cNvSpPr>
-            <a:spLocks noGrp="1"/>
-          </p:cNvSpPr>
-          <p:nvPr>
-            <p:ph type="body" sz="quarter" idx="10"/>
-          </p:nvPr>
-        </p:nvSpPr>
-        <p:spPr/>
-        <p:txBody>
-          <a:bodyPr/>
-          <a:lstStyle/>
-          <a:p>
-            <a:r>
-              <a:rPr lang="zh-CN" altLang="en-US" dirty="0" smtClean="0"/>
-              <a:t>关键字</a:t>
-            </a:r>
-            <a:endParaRPr lang="zh-CN" altLang="en-US" dirty="0"/>
-          </a:p>
-        </p:txBody>
-      </p:sp>
-      <p:sp>
-        <p:nvSpPr>
-          <p:cNvPr id="7" name="文本占位符 6"/>
-          <p:cNvSpPr>
-            <a:spLocks noGrp="1"/>
-          </p:cNvSpPr>
-          <p:nvPr>
-            <p:ph type="body" sz="quarter" idx="11"/>
-          </p:nvPr>
-        </p:nvSpPr>
-        <p:spPr>
-          <a:xfrm>
-            <a:off x="2137483" y="355600"/>
-            <a:ext cx="3044117" cy="558800"/>
-          </a:xfrm>
-        </p:spPr>
-        <p:txBody>
-          <a:bodyPr/>
-          <a:lstStyle/>
-          <a:p>
-            <a:r>
-              <a:rPr lang="zh-CN" altLang="en-US" dirty="0" smtClean="0"/>
-              <a:t>定义类</a:t>
-            </a:r>
-            <a:endParaRPr lang="zh-CN" altLang="en-US" dirty="0"/>
-          </a:p>
-        </p:txBody>
-      </p:sp>
-      <p:pic>
-        <p:nvPicPr>
-          <p:cNvPr id="3" name="图片 2"/>
-          <p:cNvPicPr>
-            <a:picLocks noChangeAspect="1"/>
-          </p:cNvPicPr>
-          <p:nvPr/>
-        </p:nvPicPr>
-        <p:blipFill>
-          <a:blip r:embed="rId2"/>
-          <a:stretch>
-            <a:fillRect/>
-          </a:stretch>
-        </p:blipFill>
-        <p:spPr>
-          <a:xfrm>
-            <a:off x="3736361" y="492369"/>
-            <a:ext cx="4157871" cy="6158407"/>
-          </a:xfrm>
-          <a:prstGeom prst="rect">
-            <a:avLst/>
-          </a:prstGeom>
-          <a:ln>
-            <a:solidFill>
-              <a:schemeClr val="tx1"/>
-            </a:solidFill>
-          </a:ln>
-        </p:spPr>
-      </p:pic>
-    </p:spTree>
-    <p:extLst>
-      <p:ext uri="{BB962C8B-B14F-4D97-AF65-F5344CB8AC3E}">
-        <p14:creationId xmlns:p14="http://schemas.microsoft.com/office/powerpoint/2010/main" val="918975298"/>
-      </p:ext>
-    </p:extLst>
-  </p:cSld>
-  <p:clrMapOvr>
-    <a:masterClrMapping/>
-  </p:clrMapOvr>
-  <p:timing>
-    <p:tnLst>
-      <p:par>
-        <p:cTn id="1" dur="indefinite" restart="never" nodeType="tmRoot"/>
-      </p:par>
-    </p:tnLst>
-  </p:timing>
-</p:sld>
-</file>
-
 <file path=ppt/slides/slide28.xml><?xml version="1.0" encoding="utf-8"?>
 <p:sld xmlns:a="http://schemas.openxmlformats.org/drawingml/2006/main" xmlns:r="http://schemas.openxmlformats.org/officeDocument/2006/relationships" xmlns:p="http://schemas.openxmlformats.org/presentationml/2006/main">
   <p:cSld>
@@ -8685,7 +8652,7 @@
       </p:grpSpPr>
       <p:sp>
         <p:nvSpPr>
-          <p:cNvPr id="4" name="文本占位符 3"/>
+          <p:cNvPr id="2" name="文本占位符 1"/>
           <p:cNvSpPr>
             <a:spLocks noGrp="1"/>
           </p:cNvSpPr>
@@ -8700,7 +8667,7 @@
           <a:p>
             <a:r>
               <a:rPr lang="zh-CN" altLang="en-US" dirty="0" smtClean="0"/>
-              <a:t>函数调用</a:t>
+              <a:t>关键字</a:t>
             </a:r>
             <a:endParaRPr lang="zh-CN" altLang="en-US" dirty="0"/>
           </a:p>
@@ -8708,7 +8675,7 @@
       </p:sp>
       <p:sp>
         <p:nvSpPr>
-          <p:cNvPr id="5" name="文本占位符 4"/>
+          <p:cNvPr id="7" name="文本占位符 6"/>
           <p:cNvSpPr>
             <a:spLocks noGrp="1"/>
           </p:cNvSpPr>
@@ -8716,23 +8683,57 @@
             <p:ph type="body" sz="quarter" idx="11"/>
           </p:nvPr>
         </p:nvSpPr>
-        <p:spPr/>
+        <p:spPr>
+          <a:xfrm>
+            <a:off x="2137483" y="355600"/>
+            <a:ext cx="3044117" cy="558800"/>
+          </a:xfrm>
+        </p:spPr>
         <p:txBody>
           <a:bodyPr/>
           <a:lstStyle/>
           <a:p>
             <a:r>
-              <a:rPr lang="en-US" altLang="zh-CN" dirty="0" smtClean="0"/>
-              <a:t>4</a:t>
+              <a:rPr lang="zh-CN" altLang="en-US" dirty="0" smtClean="0"/>
+              <a:t>定义类</a:t>
             </a:r>
             <a:endParaRPr lang="zh-CN" altLang="en-US" dirty="0"/>
           </a:p>
         </p:txBody>
       </p:sp>
+      <p:pic>
+        <p:nvPicPr>
+          <p:cNvPr id="3" name="图片 2"/>
+          <p:cNvPicPr>
+            <a:picLocks noChangeAspect="1"/>
+          </p:cNvPicPr>
+          <p:nvPr/>
+        </p:nvPicPr>
+        <p:blipFill>
+          <a:blip r:embed="rId2"/>
+          <a:stretch>
+            <a:fillRect/>
+          </a:stretch>
+        </p:blipFill>
+        <p:spPr>
+          <a:xfrm>
+            <a:off x="3736361" y="492369"/>
+            <a:ext cx="4157871" cy="6158407"/>
+          </a:xfrm>
+          <a:prstGeom prst="rect">
+            <a:avLst/>
+          </a:prstGeom>
+          <a:ln>
+            <a:solidFill>
+              <a:schemeClr val="tx1"/>
+            </a:solidFill>
+          </a:ln>
+        </p:spPr>
+      </p:pic>
     </p:spTree>
     <p:extLst>
       <p:ext uri="{BB962C8B-B14F-4D97-AF65-F5344CB8AC3E}">
-        <p14:creationId xmlns:p14="http://schemas.microsoft.com/office/powerpoint/2010/main" val="1256244396"/>
+        <p14:creationId xmlns:p14="http://schemas.microsoft.com/office/powerpoint/2010/main" val="918975298"/>
       </p:ext>
     </p:extLst>
   </p:cSld>
@@ -8768,7 +8769,7 @@
       </p:grpSpPr>
       <p:sp>
         <p:nvSpPr>
-          <p:cNvPr id="2" name="文本占位符 1"/>
+          <p:cNvPr id="4" name="文本占位符 3"/>
           <p:cNvSpPr>
             <a:spLocks noGrp="1"/>
           </p:cNvSpPr>
@@ -8783,14 +8784,7 @@
           <a:p>
             <a:r>
               <a:rPr lang="zh-CN" altLang="en-US" dirty="0" smtClean="0"/>
-              <a:t>函数中的</a:t>
-            </a:r>
-            <a:endParaRPr lang="en-US" altLang="zh-CN" dirty="0" smtClean="0"/>
-          </a:p>
-          <a:p>
-            <a:r>
-              <a:rPr lang="zh-CN" altLang="en-US" dirty="0" smtClean="0"/>
-              <a:t>关键字</a:t>
+              <a:t>函数调用</a:t>
             </a:r>
             <a:endParaRPr lang="zh-CN" altLang="en-US" dirty="0"/>
           </a:p>
@@ -8798,7 +8792,7 @@
       </p:sp>
       <p:sp>
         <p:nvSpPr>
-          <p:cNvPr id="3" name="文本占位符 2"/>
+          <p:cNvPr id="5" name="文本占位符 4"/>
           <p:cNvSpPr>
             <a:spLocks noGrp="1"/>
           </p:cNvSpPr>
@@ -8806,284 +8800,23 @@
             <p:ph type="body" sz="quarter" idx="11"/>
           </p:nvPr>
         </p:nvSpPr>
-        <p:spPr>
-          <a:xfrm>
-            <a:off x="2137483" y="164123"/>
-            <a:ext cx="6835067" cy="6249377"/>
-          </a:xfrm>
-        </p:spPr>
+        <p:spPr/>
         <p:txBody>
           <a:bodyPr/>
           <a:lstStyle/>
           <a:p>
             <a:r>
-              <a:rPr lang="zh-CN" altLang="en-US" dirty="0" smtClean="0"/>
-              <a:t>函数相关的常用关键字</a:t>
-            </a:r>
-            <a:endParaRPr lang="en-US" altLang="zh-CN" dirty="0" smtClean="0"/>
-          </a:p>
-          <a:p>
-            <a:endParaRPr lang="en-US" altLang="zh-CN" dirty="0"/>
-          </a:p>
-          <a:p>
-            <a:endParaRPr lang="en-US" altLang="zh-CN" dirty="0" smtClean="0"/>
-          </a:p>
-          <a:p>
-            <a:endParaRPr lang="en-US" altLang="zh-CN" sz="800" dirty="0" smtClean="0"/>
-          </a:p>
-          <a:p>
-            <a:pPr marL="0" indent="0">
-              <a:buNone/>
-            </a:pPr>
-            <a:endParaRPr lang="en-US" altLang="zh-CN" sz="2000" dirty="0" smtClean="0"/>
-          </a:p>
-          <a:p>
-            <a:pPr marL="0" indent="0">
-              <a:buNone/>
-            </a:pPr>
-            <a:endParaRPr lang="en-US" altLang="zh-CN" sz="2000" dirty="0" smtClean="0"/>
-          </a:p>
-          <a:p>
-            <a:r>
-              <a:rPr lang="zh-CN" altLang="en-US" dirty="0" smtClean="0"/>
-              <a:t>通过变长的输入和输出实现函数重载</a:t>
+              <a:rPr lang="en-US" altLang="zh-CN" dirty="0" smtClean="0"/>
+              <a:t>4</a:t>
             </a:r>
             <a:endParaRPr lang="zh-CN" altLang="en-US" dirty="0"/>
           </a:p>
         </p:txBody>
       </p:sp>
-      <p:sp>
-        <p:nvSpPr>
-          <p:cNvPr id="12" name="文本框 11"/>
-          <p:cNvSpPr txBox="1"/>
-          <p:nvPr/>
-        </p:nvSpPr>
-        <p:spPr>
-          <a:xfrm>
-            <a:off x="7794765" y="3308662"/>
-            <a:ext cx="1349235" cy="1169551"/>
-          </a:xfrm>
-          <a:prstGeom prst="rect">
-            <a:avLst/>
-          </a:prstGeom>
-          <a:noFill/>
-        </p:spPr>
-        <p:txBody>
-          <a:bodyPr wrap="square" rtlCol="0">
-            <a:spAutoFit/>
-          </a:bodyPr>
-          <a:lstStyle/>
-          <a:p>
-            <a:pPr algn="just"/>
-            <a:r>
-              <a:rPr lang="zh-CN" altLang="en-US" sz="1400" dirty="0" smtClean="0">
-                <a:solidFill>
-                  <a:srgbClr val="FF0000"/>
-                </a:solidFill>
-                <a:latin typeface="幼圆" panose="02010509060101010101" pitchFamily="49" charset="-122"/>
-                <a:ea typeface="幼圆" panose="02010509060101010101" pitchFamily="49" charset="-122"/>
-              </a:rPr>
-              <a:t>第一个实参传给</a:t>
-            </a:r>
-            <a:r>
-              <a:rPr lang="en-US" altLang="zh-CN" sz="1400" dirty="0" smtClean="0">
-                <a:solidFill>
-                  <a:srgbClr val="FF0000"/>
-                </a:solidFill>
-                <a:latin typeface="幼圆" panose="02010509060101010101" pitchFamily="49" charset="-122"/>
-                <a:ea typeface="幼圆" panose="02010509060101010101" pitchFamily="49" charset="-122"/>
-              </a:rPr>
-              <a:t>in1</a:t>
-            </a:r>
-            <a:r>
-              <a:rPr lang="zh-CN" altLang="en-US" sz="1400" dirty="0" smtClean="0">
-                <a:solidFill>
-                  <a:srgbClr val="FF0000"/>
-                </a:solidFill>
-                <a:latin typeface="幼圆" panose="02010509060101010101" pitchFamily="49" charset="-122"/>
-                <a:ea typeface="幼圆" panose="02010509060101010101" pitchFamily="49" charset="-122"/>
-              </a:rPr>
-              <a:t>，其它所有实参传给</a:t>
-            </a:r>
-            <a:r>
-              <a:rPr lang="en-US" altLang="zh-CN" sz="1400" dirty="0" err="1" smtClean="0">
-                <a:solidFill>
-                  <a:srgbClr val="FF0000"/>
-                </a:solidFill>
-                <a:latin typeface="幼圆" panose="02010509060101010101" pitchFamily="49" charset="-122"/>
-                <a:ea typeface="幼圆" panose="02010509060101010101" pitchFamily="49" charset="-122"/>
-              </a:rPr>
-              <a:t>varargin</a:t>
-            </a:r>
-            <a:r>
-              <a:rPr lang="zh-CN" altLang="en-US" sz="1400" dirty="0" smtClean="0">
-                <a:solidFill>
-                  <a:srgbClr val="FF0000"/>
-                </a:solidFill>
-                <a:latin typeface="幼圆" panose="02010509060101010101" pitchFamily="49" charset="-122"/>
-                <a:ea typeface="幼圆" panose="02010509060101010101" pitchFamily="49" charset="-122"/>
-              </a:rPr>
-              <a:t>构成一个单元数组</a:t>
-            </a:r>
-            <a:endParaRPr lang="zh-CN" altLang="en-US" sz="1400" dirty="0">
-              <a:solidFill>
-                <a:srgbClr val="FF0000"/>
-              </a:solidFill>
-              <a:latin typeface="幼圆" panose="02010509060101010101" pitchFamily="49" charset="-122"/>
-              <a:ea typeface="幼圆" panose="02010509060101010101" pitchFamily="49" charset="-122"/>
-            </a:endParaRPr>
-          </a:p>
-        </p:txBody>
-      </p:sp>
-      <p:pic>
-        <p:nvPicPr>
-          <p:cNvPr id="4" name="图片 3"/>
-          <p:cNvPicPr>
-            <a:picLocks noChangeAspect="1"/>
-          </p:cNvPicPr>
-          <p:nvPr/>
-        </p:nvPicPr>
-        <p:blipFill>
-          <a:blip r:embed="rId2"/>
-          <a:stretch>
-            <a:fillRect/>
-          </a:stretch>
-        </p:blipFill>
-        <p:spPr>
-          <a:xfrm>
-            <a:off x="2427254" y="696167"/>
-            <a:ext cx="4553184" cy="2025754"/>
-          </a:xfrm>
-          <a:prstGeom prst="rect">
-            <a:avLst/>
-          </a:prstGeom>
-          <a:ln>
-            <a:solidFill>
-              <a:schemeClr val="tx1"/>
-            </a:solidFill>
-          </a:ln>
-        </p:spPr>
-      </p:pic>
-      <p:pic>
-        <p:nvPicPr>
-          <p:cNvPr id="5" name="图片 4"/>
-          <p:cNvPicPr>
-            <a:picLocks noChangeAspect="1"/>
-          </p:cNvPicPr>
-          <p:nvPr/>
-        </p:nvPicPr>
-        <p:blipFill>
-          <a:blip r:embed="rId3"/>
-          <a:stretch>
-            <a:fillRect/>
-          </a:stretch>
-        </p:blipFill>
-        <p:spPr>
-          <a:xfrm>
-            <a:off x="2427254" y="3308662"/>
-            <a:ext cx="5308873" cy="1168460"/>
-          </a:xfrm>
-          <a:prstGeom prst="rect">
-            <a:avLst/>
-          </a:prstGeom>
-          <a:ln>
-            <a:solidFill>
-              <a:schemeClr val="tx1"/>
-            </a:solidFill>
-          </a:ln>
-        </p:spPr>
-      </p:pic>
-      <p:pic>
-        <p:nvPicPr>
-          <p:cNvPr id="8" name="图片 7"/>
-          <p:cNvPicPr>
-            <a:picLocks noChangeAspect="1"/>
-          </p:cNvPicPr>
-          <p:nvPr/>
-        </p:nvPicPr>
-        <p:blipFill>
-          <a:blip r:embed="rId4"/>
-          <a:stretch>
-            <a:fillRect/>
-          </a:stretch>
-        </p:blipFill>
-        <p:spPr>
-          <a:xfrm>
-            <a:off x="2427254" y="4709924"/>
-            <a:ext cx="1422473" cy="838243"/>
-          </a:xfrm>
-          <a:prstGeom prst="rect">
-            <a:avLst/>
-          </a:prstGeom>
-          <a:ln>
-            <a:solidFill>
-              <a:schemeClr val="tx1"/>
-            </a:solidFill>
-          </a:ln>
-        </p:spPr>
-      </p:pic>
-      <p:pic>
-        <p:nvPicPr>
-          <p:cNvPr id="14" name="图片 13"/>
-          <p:cNvPicPr>
-            <a:picLocks noChangeAspect="1"/>
-          </p:cNvPicPr>
-          <p:nvPr/>
-        </p:nvPicPr>
-        <p:blipFill>
-          <a:blip r:embed="rId5"/>
-          <a:stretch>
-            <a:fillRect/>
-          </a:stretch>
-        </p:blipFill>
-        <p:spPr>
-          <a:xfrm>
-            <a:off x="4108185" y="4709924"/>
-            <a:ext cx="2044805" cy="1454225"/>
-          </a:xfrm>
-          <a:prstGeom prst="rect">
-            <a:avLst/>
-          </a:prstGeom>
-          <a:ln>
-            <a:solidFill>
-              <a:schemeClr val="tx1"/>
-            </a:solidFill>
-          </a:ln>
-        </p:spPr>
-      </p:pic>
-      <p:pic>
-        <p:nvPicPr>
-          <p:cNvPr id="15" name="图片 14"/>
-          <p:cNvPicPr>
-            <a:picLocks noChangeAspect="1"/>
-          </p:cNvPicPr>
-          <p:nvPr/>
-        </p:nvPicPr>
-        <p:blipFill>
-          <a:blip r:embed="rId6"/>
-          <a:stretch>
-            <a:fillRect/>
-          </a:stretch>
-        </p:blipFill>
-        <p:spPr>
-          <a:xfrm>
-            <a:off x="6411448" y="4709924"/>
-            <a:ext cx="2260716" cy="2101958"/>
-          </a:xfrm>
-          <a:prstGeom prst="rect">
-            <a:avLst/>
-          </a:prstGeom>
-          <a:ln>
-            <a:solidFill>
-              <a:schemeClr val="tx1"/>
-            </a:solidFill>
-          </a:ln>
-        </p:spPr>
-      </p:pic>
     </p:spTree>
     <p:extLst>
       <p:ext uri="{BB962C8B-B14F-4D97-AF65-F5344CB8AC3E}">
-        <p14:creationId xmlns:p14="http://schemas.microsoft.com/office/powerpoint/2010/main" val="3184888279"/>
+        <p14:creationId xmlns:p14="http://schemas.microsoft.com/office/powerpoint/2010/main" val="1256244396"/>
       </p:ext>
     </p:extLst>
   </p:cSld>
@@ -9229,7 +8962,7 @@
           <a:p>
             <a:r>
               <a:rPr lang="zh-CN" altLang="en-US" dirty="0" smtClean="0"/>
-              <a:t>参数传递</a:t>
+              <a:t>关键字</a:t>
             </a:r>
             <a:endParaRPr lang="zh-CN" altLang="en-US" dirty="0"/>
           </a:p>
@@ -9247,8 +8980,8 @@
         </p:nvSpPr>
         <p:spPr>
           <a:xfrm>
-            <a:off x="2137483" y="173890"/>
-            <a:ext cx="6835067" cy="6057900"/>
+            <a:off x="2137483" y="164123"/>
+            <a:ext cx="6835067" cy="6249377"/>
           </a:xfrm>
         </p:spPr>
         <p:txBody>
@@ -9257,18 +8990,35 @@
           <a:p>
             <a:r>
               <a:rPr lang="zh-CN" altLang="en-US" dirty="0" smtClean="0"/>
-              <a:t>在函数内改变形参的值不影响实参的值</a:t>
-            </a:r>
+              <a:t>函数相关的常用关键字</a:t>
+            </a:r>
+            <a:endParaRPr lang="en-US" altLang="zh-CN" dirty="0" smtClean="0"/>
+          </a:p>
+          <a:p>
             <a:endParaRPr lang="en-US" altLang="zh-CN" dirty="0"/>
           </a:p>
           <a:p>
-            <a:r>
-              <a:rPr lang="en-US" altLang="zh-CN" dirty="0" smtClean="0"/>
-              <a:t>MATLAB</a:t>
-            </a:r>
-            <a:r>
-              <a:rPr lang="zh-CN" altLang="en-US" dirty="0" smtClean="0"/>
-              <a:t>函数内采用懒拷贝的机制接收实参</a:t>
+            <a:endParaRPr lang="en-US" altLang="zh-CN" dirty="0" smtClean="0"/>
+          </a:p>
+          <a:p>
+            <a:endParaRPr lang="en-US" altLang="zh-CN" sz="800" dirty="0" smtClean="0"/>
+          </a:p>
+          <a:p>
+            <a:pPr marL="0" indent="0">
+              <a:buNone/>
+            </a:pPr>
+            <a:endParaRPr lang="en-US" altLang="zh-CN" sz="2000" dirty="0" smtClean="0"/>
+          </a:p>
+          <a:p>
+            <a:pPr marL="0" indent="0">
+              <a:buNone/>
+            </a:pPr>
+            <a:endParaRPr lang="en-US" altLang="zh-CN" sz="2000" dirty="0" smtClean="0"/>
+          </a:p>
+          <a:p>
+            <a:r>
+              <a:rPr lang="zh-CN" altLang="en-US" dirty="0" smtClean="0"/>
+              <a:t>通过变长的输入和输出实现函数重载</a:t>
             </a:r>
             <a:endParaRPr lang="zh-CN" altLang="en-US" dirty="0"/>
           </a:p>
@@ -9276,206 +9026,14 @@
       </p:sp>
       <p:sp>
         <p:nvSpPr>
-          <p:cNvPr id="4" name="矩形 3"/>
-          <p:cNvSpPr/>
-          <p:nvPr/>
-        </p:nvSpPr>
-        <p:spPr>
-          <a:xfrm>
-            <a:off x="2796565" y="1212550"/>
-            <a:ext cx="1473959" cy="593678"/>
-          </a:xfrm>
-          <a:prstGeom prst="rect">
-            <a:avLst/>
-          </a:prstGeom>
-          <a:solidFill>
-            <a:schemeClr val="accent5">
-              <a:lumMod val="75000"/>
-            </a:schemeClr>
-          </a:solidFill>
-          <a:ln>
-            <a:noFill/>
-          </a:ln>
-        </p:spPr>
-        <p:style>
-          <a:lnRef idx="2">
-            <a:schemeClr val="accent1">
-              <a:shade val="50000"/>
-            </a:schemeClr>
-          </a:lnRef>
-          <a:fillRef idx="1">
-            <a:schemeClr val="accent1"/>
-          </a:fillRef>
-          <a:effectRef idx="0">
-            <a:schemeClr val="accent1"/>
-          </a:effectRef>
-          <a:fontRef idx="minor">
-            <a:schemeClr val="lt1"/>
-          </a:fontRef>
-        </p:style>
-        <p:txBody>
-          <a:bodyPr rtlCol="0" anchor="ctr"/>
-          <a:lstStyle/>
-          <a:p>
-            <a:pPr algn="ctr"/>
-            <a:r>
-              <a:rPr lang="zh-CN" altLang="en-US" sz="2000" dirty="0" smtClean="0">
-                <a:solidFill>
-                  <a:schemeClr val="bg1"/>
-                </a:solidFill>
-                <a:latin typeface="微软雅黑" panose="020B0503020204020204" pitchFamily="34" charset="-122"/>
-                <a:ea typeface="微软雅黑" panose="020B0503020204020204" pitchFamily="34" charset="-122"/>
-              </a:rPr>
-              <a:t>深拷贝</a:t>
-            </a:r>
-            <a:endParaRPr lang="zh-CN" altLang="en-US" sz="2000" dirty="0">
-              <a:solidFill>
-                <a:schemeClr val="bg1"/>
-              </a:solidFill>
-              <a:latin typeface="微软雅黑" panose="020B0503020204020204" pitchFamily="34" charset="-122"/>
-              <a:ea typeface="微软雅黑" panose="020B0503020204020204" pitchFamily="34" charset="-122"/>
-            </a:endParaRPr>
-          </a:p>
-        </p:txBody>
-      </p:sp>
-      <p:sp>
-        <p:nvSpPr>
-          <p:cNvPr id="5" name="矩形 4"/>
-          <p:cNvSpPr/>
-          <p:nvPr/>
-        </p:nvSpPr>
-        <p:spPr>
-          <a:xfrm>
-            <a:off x="4826622" y="1226103"/>
-            <a:ext cx="1473959" cy="593678"/>
-          </a:xfrm>
-          <a:prstGeom prst="rect">
-            <a:avLst/>
-          </a:prstGeom>
-          <a:solidFill>
-            <a:schemeClr val="accent5">
-              <a:lumMod val="75000"/>
-            </a:schemeClr>
-          </a:solidFill>
-          <a:ln>
-            <a:noFill/>
-          </a:ln>
-        </p:spPr>
-        <p:style>
-          <a:lnRef idx="2">
-            <a:schemeClr val="accent1">
-              <a:shade val="50000"/>
-            </a:schemeClr>
-          </a:lnRef>
-          <a:fillRef idx="1">
-            <a:schemeClr val="accent1"/>
-          </a:fillRef>
-          <a:effectRef idx="0">
-            <a:schemeClr val="accent1"/>
-          </a:effectRef>
-          <a:fontRef idx="minor">
-            <a:schemeClr val="lt1"/>
-          </a:fontRef>
-        </p:style>
-        <p:txBody>
-          <a:bodyPr rtlCol="0" anchor="ctr"/>
-          <a:lstStyle/>
-          <a:p>
-            <a:pPr algn="ctr"/>
-            <a:r>
-              <a:rPr lang="zh-CN" altLang="en-US" sz="2000" dirty="0" smtClean="0">
-                <a:solidFill>
-                  <a:schemeClr val="bg1"/>
-                </a:solidFill>
-                <a:latin typeface="微软雅黑" panose="020B0503020204020204" pitchFamily="34" charset="-122"/>
-                <a:ea typeface="微软雅黑" panose="020B0503020204020204" pitchFamily="34" charset="-122"/>
-              </a:rPr>
-              <a:t>浅拷贝</a:t>
-            </a:r>
-            <a:endParaRPr lang="zh-CN" altLang="en-US" sz="2000" dirty="0">
-              <a:solidFill>
-                <a:schemeClr val="bg1"/>
-              </a:solidFill>
-              <a:latin typeface="微软雅黑" panose="020B0503020204020204" pitchFamily="34" charset="-122"/>
-              <a:ea typeface="微软雅黑" panose="020B0503020204020204" pitchFamily="34" charset="-122"/>
-            </a:endParaRPr>
-          </a:p>
-        </p:txBody>
-      </p:sp>
-      <p:sp>
-        <p:nvSpPr>
-          <p:cNvPr id="6" name="矩形 5"/>
-          <p:cNvSpPr/>
-          <p:nvPr/>
-        </p:nvSpPr>
-        <p:spPr>
-          <a:xfrm>
-            <a:off x="6856679" y="1212550"/>
-            <a:ext cx="1473959" cy="593678"/>
-          </a:xfrm>
-          <a:prstGeom prst="rect">
-            <a:avLst/>
-          </a:prstGeom>
-          <a:solidFill>
-            <a:schemeClr val="accent5">
-              <a:lumMod val="75000"/>
-            </a:schemeClr>
-          </a:solidFill>
-          <a:ln>
-            <a:noFill/>
-          </a:ln>
-        </p:spPr>
-        <p:style>
-          <a:lnRef idx="2">
-            <a:schemeClr val="accent1">
-              <a:shade val="50000"/>
-            </a:schemeClr>
-          </a:lnRef>
-          <a:fillRef idx="1">
-            <a:schemeClr val="accent1"/>
-          </a:fillRef>
-          <a:effectRef idx="0">
-            <a:schemeClr val="accent1"/>
-          </a:effectRef>
-          <a:fontRef idx="minor">
-            <a:schemeClr val="lt1"/>
-          </a:fontRef>
-        </p:style>
-        <p:txBody>
-          <a:bodyPr rtlCol="0" anchor="ctr"/>
-          <a:lstStyle/>
-          <a:p>
-            <a:pPr algn="ctr"/>
-            <a:r>
-              <a:rPr lang="zh-CN" altLang="en-US" sz="2000" dirty="0" smtClean="0">
-                <a:solidFill>
-                  <a:schemeClr val="bg1"/>
-                </a:solidFill>
-                <a:latin typeface="微软雅黑" panose="020B0503020204020204" pitchFamily="34" charset="-122"/>
-                <a:ea typeface="微软雅黑" panose="020B0503020204020204" pitchFamily="34" charset="-122"/>
-              </a:rPr>
-              <a:t>懒拷贝</a:t>
-            </a:r>
-            <a:endParaRPr lang="zh-CN" altLang="en-US" sz="2000" dirty="0">
-              <a:solidFill>
-                <a:schemeClr val="bg1"/>
-              </a:solidFill>
-              <a:latin typeface="微软雅黑" panose="020B0503020204020204" pitchFamily="34" charset="-122"/>
-              <a:ea typeface="微软雅黑" panose="020B0503020204020204" pitchFamily="34" charset="-122"/>
-            </a:endParaRPr>
-          </a:p>
-        </p:txBody>
-      </p:sp>
-      <p:sp>
-        <p:nvSpPr>
-          <p:cNvPr id="8" name="文本框 7"/>
+          <p:cNvPr id="12" name="文本框 11"/>
           <p:cNvSpPr txBox="1"/>
           <p:nvPr/>
         </p:nvSpPr>
         <p:spPr>
           <a:xfrm>
-            <a:off x="3008472" y="1926309"/>
-            <a:ext cx="1050144" cy="369332"/>
+            <a:off x="7794765" y="3308662"/>
+            <a:ext cx="1349235" cy="1169551"/>
           </a:xfrm>
           <a:prstGeom prst="rect">
             <a:avLst/>
@@ -9488,98 +9046,70 @@
           </a:bodyPr>
           <a:lstStyle/>
           <a:p>
-            <a:pPr algn="ctr"/>
-            <a:r>
-              <a:rPr lang="zh-CN" altLang="en-US" dirty="0" smtClean="0">
+            <a:pPr algn="just"/>
+            <a:r>
+              <a:rPr lang="zh-CN" altLang="en-US" sz="1400" dirty="0" smtClean="0">
+                <a:solidFill>
+                  <a:srgbClr val="FF0000"/>
+                </a:solidFill>
                 <a:latin typeface="幼圆" panose="02010509060101010101" pitchFamily="49" charset="-122"/>
                 <a:ea typeface="幼圆" panose="02010509060101010101" pitchFamily="49" charset="-122"/>
               </a:rPr>
-              <a:t>传值</a:t>
-            </a:r>
-            <a:endParaRPr lang="zh-CN" altLang="en-US" dirty="0">
+              <a:t>第一个实参传给</a:t>
+            </a:r>
+            <a:r>
+              <a:rPr lang="en-US" altLang="zh-CN" sz="1400" dirty="0" smtClean="0">
+                <a:solidFill>
+                  <a:srgbClr val="FF0000"/>
+                </a:solidFill>
+                <a:latin typeface="幼圆" panose="02010509060101010101" pitchFamily="49" charset="-122"/>
+                <a:ea typeface="幼圆" panose="02010509060101010101" pitchFamily="49" charset="-122"/>
+              </a:rPr>
+              <a:t>in1</a:t>
+            </a:r>
+            <a:r>
+              <a:rPr lang="zh-CN" altLang="en-US" sz="1400" dirty="0" smtClean="0">
+                <a:solidFill>
+                  <a:srgbClr val="FF0000"/>
+                </a:solidFill>
+                <a:latin typeface="幼圆" panose="02010509060101010101" pitchFamily="49" charset="-122"/>
+                <a:ea typeface="幼圆" panose="02010509060101010101" pitchFamily="49" charset="-122"/>
+              </a:rPr>
+              <a:t>，其它所有实参传给</a:t>
+            </a:r>
+            <a:r>
+              <a:rPr lang="en-US" altLang="zh-CN" sz="1400" dirty="0" err="1" smtClean="0">
+                <a:solidFill>
+                  <a:srgbClr val="FF0000"/>
+                </a:solidFill>
+                <a:latin typeface="幼圆" panose="02010509060101010101" pitchFamily="49" charset="-122"/>
+                <a:ea typeface="幼圆" panose="02010509060101010101" pitchFamily="49" charset="-122"/>
+              </a:rPr>
+              <a:t>varargin</a:t>
+            </a:r>
+            <a:r>
+              <a:rPr lang="zh-CN" altLang="en-US" sz="1400" dirty="0" smtClean="0">
+                <a:solidFill>
+                  <a:srgbClr val="FF0000"/>
+                </a:solidFill>
+                <a:latin typeface="幼圆" panose="02010509060101010101" pitchFamily="49" charset="-122"/>
+                <a:ea typeface="幼圆" panose="02010509060101010101" pitchFamily="49" charset="-122"/>
+              </a:rPr>
+              <a:t>构成一个单元数组</a:t>
+            </a:r>
+            <a:endParaRPr lang="zh-CN" altLang="en-US" sz="1400" dirty="0">
+              <a:solidFill>
+                <a:srgbClr val="FF0000"/>
+              </a:solidFill>
               <a:latin typeface="幼圆" panose="02010509060101010101" pitchFamily="49" charset="-122"/>
               <a:ea typeface="幼圆" panose="02010509060101010101" pitchFamily="49" charset="-122"/>
             </a:endParaRPr>
           </a:p>
         </p:txBody>
       </p:sp>
-      <p:sp>
-        <p:nvSpPr>
-          <p:cNvPr id="9" name="文本框 8"/>
-          <p:cNvSpPr txBox="1"/>
-          <p:nvPr/>
-        </p:nvSpPr>
-        <p:spPr>
-          <a:xfrm>
-            <a:off x="5038529" y="1926309"/>
-            <a:ext cx="1050144" cy="369332"/>
-          </a:xfrm>
-          <a:prstGeom prst="rect">
-            <a:avLst/>
-          </a:prstGeom>
-          <a:noFill/>
-        </p:spPr>
-        <p:txBody>
-          <a:bodyPr wrap="square" rtlCol="0">
-            <a:spAutoFit/>
-          </a:bodyPr>
-          <a:lstStyle/>
-          <a:p>
-            <a:pPr algn="ctr"/>
-            <a:r>
-              <a:rPr lang="zh-CN" altLang="en-US" dirty="0" smtClean="0">
-                <a:latin typeface="幼圆" panose="02010509060101010101" pitchFamily="49" charset="-122"/>
-                <a:ea typeface="幼圆" panose="02010509060101010101" pitchFamily="49" charset="-122"/>
-              </a:rPr>
-              <a:t>传址</a:t>
-            </a:r>
-            <a:endParaRPr lang="zh-CN" altLang="en-US" dirty="0">
-              <a:latin typeface="幼圆" panose="02010509060101010101" pitchFamily="49" charset="-122"/>
-              <a:ea typeface="幼圆" panose="02010509060101010101" pitchFamily="49" charset="-122"/>
-            </a:endParaRPr>
-          </a:p>
-        </p:txBody>
-      </p:sp>
-      <p:sp>
-        <p:nvSpPr>
-          <p:cNvPr id="10" name="文本框 9"/>
-          <p:cNvSpPr txBox="1"/>
-          <p:nvPr/>
-        </p:nvSpPr>
-        <p:spPr>
-          <a:xfrm>
-            <a:off x="6668975" y="1926309"/>
-            <a:ext cx="2026790" cy="1200329"/>
-          </a:xfrm>
-          <a:prstGeom prst="rect">
-            <a:avLst/>
-          </a:prstGeom>
-          <a:noFill/>
-        </p:spPr>
-        <p:txBody>
-          <a:bodyPr wrap="square" rtlCol="0">
-            <a:spAutoFit/>
-          </a:bodyPr>
-          <a:lstStyle/>
-          <a:p>
-            <a:pPr algn="ctr"/>
-            <a:r>
-              <a:rPr lang="zh-CN" altLang="en-US" dirty="0" smtClean="0">
-                <a:latin typeface="幼圆" panose="02010509060101010101" pitchFamily="49" charset="-122"/>
-                <a:ea typeface="幼圆" panose="02010509060101010101" pitchFamily="49" charset="-122"/>
-              </a:rPr>
-              <a:t>形参先浅拷贝实参，形参被修改时则深拷贝实参，保证实参不被修改</a:t>
-            </a:r>
-            <a:endParaRPr lang="zh-CN" altLang="en-US" dirty="0">
-              <a:latin typeface="幼圆" panose="02010509060101010101" pitchFamily="49" charset="-122"/>
-              <a:ea typeface="幼圆" panose="02010509060101010101" pitchFamily="49" charset="-122"/>
-            </a:endParaRPr>
-          </a:p>
-        </p:txBody>
-      </p:sp>
       <p:pic>
         <p:nvPicPr>
-          <p:cNvPr id="7" name="图片 6"/>
+          <p:cNvPr id="4" name="图片 3"/>
           <p:cNvPicPr>
             <a:picLocks noChangeAspect="1"/>
           </p:cNvPicPr>
@@ -9593,8 +9123,8 @@
         </p:blipFill>
         <p:spPr>
           <a:xfrm>
-            <a:off x="2672445" y="2497879"/>
-            <a:ext cx="3625598" cy="3180900"/>
+            <a:off x="2427254" y="696167"/>
+            <a:ext cx="4553184" cy="2025754"/>
           </a:xfrm>
           <a:prstGeom prst="rect">
             <a:avLst/>
@@ -9608,7 +9138,7 @@
       </p:pic>
       <p:pic>
         <p:nvPicPr>
-          <p:cNvPr id="11" name="图片 10"/>
+          <p:cNvPr id="5" name="图片 4"/>
           <p:cNvPicPr>
             <a:picLocks noChangeAspect="1"/>
           </p:cNvPicPr>
@@ -9622,8 +9152,8 @@
         </p:blipFill>
         <p:spPr>
           <a:xfrm>
-            <a:off x="2672445" y="5758882"/>
-            <a:ext cx="4579164" cy="1036680"/>
+            <a:off x="2427254" y="3308662"/>
+            <a:ext cx="5308873" cy="1168460"/>
           </a:xfrm>
           <a:prstGeom prst="rect">
             <a:avLst/>
@@ -9635,104 +9165,97 @@
           </a:ln>
         </p:spPr>
       </p:pic>
-      <p:sp>
-        <p:nvSpPr>
-          <p:cNvPr id="12" name="文本框 11"/>
-          <p:cNvSpPr txBox="1"/>
-          <p:nvPr/>
-        </p:nvSpPr>
-        <p:spPr>
-          <a:xfrm>
-            <a:off x="1916565" y="2417776"/>
-            <a:ext cx="762000" cy="400110"/>
-          </a:xfrm>
-          <a:prstGeom prst="rect">
-            <a:avLst/>
-          </a:prstGeom>
-          <a:noFill/>
-        </p:spPr>
-        <p:txBody>
-          <a:bodyPr wrap="square" rtlCol="0" anchor="ctr">
-            <a:spAutoFit/>
-          </a:bodyPr>
-          <a:lstStyle/>
-          <a:p>
-            <a:pPr algn="ctr"/>
-            <a:r>
-              <a:rPr lang="zh-CN" altLang="en-US" sz="2000" dirty="0" smtClean="0">
-                <a:solidFill>
-                  <a:schemeClr val="accent5">
-                    <a:lumMod val="75000"/>
-                  </a:schemeClr>
-                </a:solidFill>
-                <a:latin typeface="幼圆" panose="02010509060101010101" pitchFamily="49" charset="-122"/>
-                <a:ea typeface="幼圆" panose="02010509060101010101" pitchFamily="49" charset="-122"/>
-              </a:rPr>
-              <a:t>代码</a:t>
-            </a:r>
-            <a:endParaRPr lang="zh-CN" altLang="en-US" sz="2000" dirty="0">
-              <a:solidFill>
-                <a:schemeClr val="accent5">
-                  <a:lumMod val="75000"/>
-                </a:schemeClr>
-              </a:solidFill>
-              <a:latin typeface="幼圆" panose="02010509060101010101" pitchFamily="49" charset="-122"/>
-              <a:ea typeface="幼圆" panose="02010509060101010101" pitchFamily="49" charset="-122"/>
-            </a:endParaRPr>
-          </a:p>
-        </p:txBody>
-      </p:sp>
-      <p:sp>
-        <p:nvSpPr>
-          <p:cNvPr id="13" name="文本框 12"/>
-          <p:cNvSpPr txBox="1"/>
-          <p:nvPr/>
-        </p:nvSpPr>
-        <p:spPr>
-          <a:xfrm>
-            <a:off x="1916565" y="5672917"/>
-            <a:ext cx="762000" cy="400110"/>
-          </a:xfrm>
-          <a:prstGeom prst="rect">
-            <a:avLst/>
-          </a:prstGeom>
-          <a:noFill/>
-        </p:spPr>
-        <p:txBody>
-          <a:bodyPr wrap="square" rtlCol="0" anchor="ctr">
-            <a:spAutoFit/>
-          </a:bodyPr>
-          <a:lstStyle/>
-          <a:p>
-            <a:pPr algn="ctr"/>
-            <a:r>
-              <a:rPr lang="zh-CN" altLang="en-US" sz="2000" dirty="0" smtClean="0">
-                <a:solidFill>
-                  <a:schemeClr val="accent5">
-                    <a:lumMod val="75000"/>
-                  </a:schemeClr>
-                </a:solidFill>
-                <a:latin typeface="幼圆" panose="02010509060101010101" pitchFamily="49" charset="-122"/>
-                <a:ea typeface="幼圆" panose="02010509060101010101" pitchFamily="49" charset="-122"/>
-              </a:rPr>
-              <a:t>输出</a:t>
-            </a:r>
-            <a:endParaRPr lang="zh-CN" altLang="en-US" sz="2000" dirty="0">
-              <a:solidFill>
-                <a:schemeClr val="accent5">
-                  <a:lumMod val="75000"/>
-                </a:schemeClr>
-              </a:solidFill>
-              <a:latin typeface="幼圆" panose="02010509060101010101" pitchFamily="49" charset="-122"/>
-              <a:ea typeface="幼圆" panose="02010509060101010101" pitchFamily="49" charset="-122"/>
-            </a:endParaRPr>
-          </a:p>
-        </p:txBody>
-      </p:sp>
+      <p:pic>
+        <p:nvPicPr>
+          <p:cNvPr id="8" name="图片 7"/>
+          <p:cNvPicPr>
+            <a:picLocks noChangeAspect="1"/>
+          </p:cNvPicPr>
+          <p:nvPr/>
+        </p:nvPicPr>
+        <p:blipFill>
+          <a:blip r:embed="rId4"/>
+          <a:stretch>
+            <a:fillRect/>
+          </a:stretch>
+        </p:blipFill>
+        <p:spPr>
+          <a:xfrm>
+            <a:off x="2427254" y="4709924"/>
+            <a:ext cx="1422473" cy="838243"/>
+          </a:xfrm>
+          <a:prstGeom prst="rect">
+            <a:avLst/>
+          </a:prstGeom>
+          <a:ln>
+            <a:solidFill>
+              <a:schemeClr val="tx1"/>
+            </a:solidFill>
+          </a:ln>
+        </p:spPr>
+      </p:pic>
+      <p:pic>
+        <p:nvPicPr>
+          <p:cNvPr id="14" name="图片 13"/>
+          <p:cNvPicPr>
+            <a:picLocks noChangeAspect="1"/>
+          </p:cNvPicPr>
+          <p:nvPr/>
+        </p:nvPicPr>
+        <p:blipFill>
+          <a:blip r:embed="rId5"/>
+          <a:stretch>
+            <a:fillRect/>
+          </a:stretch>
+        </p:blipFill>
+        <p:spPr>
+          <a:xfrm>
+            <a:off x="4108185" y="4709924"/>
+            <a:ext cx="2044805" cy="1454225"/>
+          </a:xfrm>
+          <a:prstGeom prst="rect">
+            <a:avLst/>
+          </a:prstGeom>
+          <a:ln>
+            <a:solidFill>
+              <a:schemeClr val="tx1"/>
+            </a:solidFill>
+          </a:ln>
+        </p:spPr>
+      </p:pic>
+      <p:pic>
+        <p:nvPicPr>
+          <p:cNvPr id="15" name="图片 14"/>
+          <p:cNvPicPr>
+            <a:picLocks noChangeAspect="1"/>
+          </p:cNvPicPr>
+          <p:nvPr/>
+        </p:nvPicPr>
+        <p:blipFill>
+          <a:blip r:embed="rId6"/>
+          <a:stretch>
+            <a:fillRect/>
+          </a:stretch>
+        </p:blipFill>
+        <p:spPr>
+          <a:xfrm>
+            <a:off x="6411448" y="4709924"/>
+            <a:ext cx="2260716" cy="2101958"/>
+          </a:xfrm>
+          <a:prstGeom prst="rect">
+            <a:avLst/>
+          </a:prstGeom>
+          <a:ln>
+            <a:solidFill>
+              <a:schemeClr val="tx1"/>
+            </a:solidFill>
+          </a:ln>
+        </p:spPr>
+      </p:pic>
     </p:spTree>
     <p:extLst>
       <p:ext uri="{BB962C8B-B14F-4D97-AF65-F5344CB8AC3E}">
-        <p14:creationId xmlns:p14="http://schemas.microsoft.com/office/powerpoint/2010/main" val="2281924525"/>
+        <p14:creationId xmlns:p14="http://schemas.microsoft.com/office/powerpoint/2010/main" val="3184888279"/>
       </p:ext>
     </p:extLst>
   </p:cSld>
@@ -9783,6 +9306,567 @@
           <a:p>
             <a:r>
               <a:rPr lang="zh-CN" altLang="en-US" dirty="0" smtClean="0"/>
+              <a:t>函数中的</a:t>
+            </a:r>
+            <a:endParaRPr lang="en-US" altLang="zh-CN" dirty="0" smtClean="0"/>
+          </a:p>
+          <a:p>
+            <a:r>
+              <a:rPr lang="zh-CN" altLang="en-US" dirty="0" smtClean="0"/>
+              <a:t>参数传递</a:t>
+            </a:r>
+            <a:endParaRPr lang="zh-CN" altLang="en-US" dirty="0"/>
+          </a:p>
+        </p:txBody>
+      </p:sp>
+      <p:sp>
+        <p:nvSpPr>
+          <p:cNvPr id="3" name="文本占位符 2"/>
+          <p:cNvSpPr>
+            <a:spLocks noGrp="1"/>
+          </p:cNvSpPr>
+          <p:nvPr>
+            <p:ph type="body" sz="quarter" idx="11"/>
+          </p:nvPr>
+        </p:nvSpPr>
+        <p:spPr>
+          <a:xfrm>
+            <a:off x="2137483" y="173890"/>
+            <a:ext cx="6835067" cy="6057900"/>
+          </a:xfrm>
+        </p:spPr>
+        <p:txBody>
+          <a:bodyPr/>
+          <a:lstStyle/>
+          <a:p>
+            <a:r>
+              <a:rPr lang="zh-CN" altLang="en-US" dirty="0" smtClean="0"/>
+              <a:t>在函数内改变形参的值不影响实参的值</a:t>
+            </a:r>
+            <a:endParaRPr lang="en-US" altLang="zh-CN" dirty="0"/>
+          </a:p>
+          <a:p>
+            <a:r>
+              <a:rPr lang="en-US" altLang="zh-CN" dirty="0" smtClean="0"/>
+              <a:t>MATLAB</a:t>
+            </a:r>
+            <a:r>
+              <a:rPr lang="zh-CN" altLang="en-US" dirty="0" smtClean="0"/>
+              <a:t>函数内采用懒拷贝的机制接收实参</a:t>
+            </a:r>
+            <a:endParaRPr lang="zh-CN" altLang="en-US" dirty="0"/>
+          </a:p>
+        </p:txBody>
+      </p:sp>
+      <p:sp>
+        <p:nvSpPr>
+          <p:cNvPr id="4" name="矩形 3"/>
+          <p:cNvSpPr/>
+          <p:nvPr/>
+        </p:nvSpPr>
+        <p:spPr>
+          <a:xfrm>
+            <a:off x="2796565" y="1212550"/>
+            <a:ext cx="1473959" cy="593678"/>
+          </a:xfrm>
+          <a:prstGeom prst="rect">
+            <a:avLst/>
+          </a:prstGeom>
+          <a:solidFill>
+            <a:schemeClr val="accent5">
+              <a:lumMod val="75000"/>
+            </a:schemeClr>
+          </a:solidFill>
+          <a:ln>
+            <a:noFill/>
+          </a:ln>
+        </p:spPr>
+        <p:style>
+          <a:lnRef idx="2">
+            <a:schemeClr val="accent1">
+              <a:shade val="50000"/>
+            </a:schemeClr>
+          </a:lnRef>
+          <a:fillRef idx="1">
+            <a:schemeClr val="accent1"/>
+          </a:fillRef>
+          <a:effectRef idx="0">
+            <a:schemeClr val="accent1"/>
+          </a:effectRef>
+          <a:fontRef idx="minor">
+            <a:schemeClr val="lt1"/>
+          </a:fontRef>
+        </p:style>
+        <p:txBody>
+          <a:bodyPr rtlCol="0" anchor="ctr"/>
+          <a:lstStyle/>
+          <a:p>
+            <a:pPr algn="ctr"/>
+            <a:r>
+              <a:rPr lang="zh-CN" altLang="en-US" sz="2000" dirty="0" smtClean="0">
+                <a:solidFill>
+                  <a:schemeClr val="bg1"/>
+                </a:solidFill>
+                <a:latin typeface="微软雅黑" panose="020B0503020204020204" pitchFamily="34" charset="-122"/>
+                <a:ea typeface="微软雅黑" panose="020B0503020204020204" pitchFamily="34" charset="-122"/>
+              </a:rPr>
+              <a:t>深拷贝</a:t>
+            </a:r>
+            <a:endParaRPr lang="zh-CN" altLang="en-US" sz="2000" dirty="0">
+              <a:solidFill>
+                <a:schemeClr val="bg1"/>
+              </a:solidFill>
+              <a:latin typeface="微软雅黑" panose="020B0503020204020204" pitchFamily="34" charset="-122"/>
+              <a:ea typeface="微软雅黑" panose="020B0503020204020204" pitchFamily="34" charset="-122"/>
+            </a:endParaRPr>
+          </a:p>
+        </p:txBody>
+      </p:sp>
+      <p:sp>
+        <p:nvSpPr>
+          <p:cNvPr id="5" name="矩形 4"/>
+          <p:cNvSpPr/>
+          <p:nvPr/>
+        </p:nvSpPr>
+        <p:spPr>
+          <a:xfrm>
+            <a:off x="4826622" y="1226103"/>
+            <a:ext cx="1473959" cy="593678"/>
+          </a:xfrm>
+          <a:prstGeom prst="rect">
+            <a:avLst/>
+          </a:prstGeom>
+          <a:solidFill>
+            <a:schemeClr val="accent5">
+              <a:lumMod val="75000"/>
+            </a:schemeClr>
+          </a:solidFill>
+          <a:ln>
+            <a:noFill/>
+          </a:ln>
+        </p:spPr>
+        <p:style>
+          <a:lnRef idx="2">
+            <a:schemeClr val="accent1">
+              <a:shade val="50000"/>
+            </a:schemeClr>
+          </a:lnRef>
+          <a:fillRef idx="1">
+            <a:schemeClr val="accent1"/>
+          </a:fillRef>
+          <a:effectRef idx="0">
+            <a:schemeClr val="accent1"/>
+          </a:effectRef>
+          <a:fontRef idx="minor">
+            <a:schemeClr val="lt1"/>
+          </a:fontRef>
+        </p:style>
+        <p:txBody>
+          <a:bodyPr rtlCol="0" anchor="ctr"/>
+          <a:lstStyle/>
+          <a:p>
+            <a:pPr algn="ctr"/>
+            <a:r>
+              <a:rPr lang="zh-CN" altLang="en-US" sz="2000" dirty="0" smtClean="0">
+                <a:solidFill>
+                  <a:schemeClr val="bg1"/>
+                </a:solidFill>
+                <a:latin typeface="微软雅黑" panose="020B0503020204020204" pitchFamily="34" charset="-122"/>
+                <a:ea typeface="微软雅黑" panose="020B0503020204020204" pitchFamily="34" charset="-122"/>
+              </a:rPr>
+              <a:t>浅拷贝</a:t>
+            </a:r>
+            <a:endParaRPr lang="zh-CN" altLang="en-US" sz="2000" dirty="0">
+              <a:solidFill>
+                <a:schemeClr val="bg1"/>
+              </a:solidFill>
+              <a:latin typeface="微软雅黑" panose="020B0503020204020204" pitchFamily="34" charset="-122"/>
+              <a:ea typeface="微软雅黑" panose="020B0503020204020204" pitchFamily="34" charset="-122"/>
+            </a:endParaRPr>
+          </a:p>
+        </p:txBody>
+      </p:sp>
+      <p:sp>
+        <p:nvSpPr>
+          <p:cNvPr id="6" name="矩形 5"/>
+          <p:cNvSpPr/>
+          <p:nvPr/>
+        </p:nvSpPr>
+        <p:spPr>
+          <a:xfrm>
+            <a:off x="6856679" y="1212550"/>
+            <a:ext cx="1473959" cy="593678"/>
+          </a:xfrm>
+          <a:prstGeom prst="rect">
+            <a:avLst/>
+          </a:prstGeom>
+          <a:solidFill>
+            <a:schemeClr val="accent5">
+              <a:lumMod val="75000"/>
+            </a:schemeClr>
+          </a:solidFill>
+          <a:ln>
+            <a:noFill/>
+          </a:ln>
+        </p:spPr>
+        <p:style>
+          <a:lnRef idx="2">
+            <a:schemeClr val="accent1">
+              <a:shade val="50000"/>
+            </a:schemeClr>
+          </a:lnRef>
+          <a:fillRef idx="1">
+            <a:schemeClr val="accent1"/>
+          </a:fillRef>
+          <a:effectRef idx="0">
+            <a:schemeClr val="accent1"/>
+          </a:effectRef>
+          <a:fontRef idx="minor">
+            <a:schemeClr val="lt1"/>
+          </a:fontRef>
+        </p:style>
+        <p:txBody>
+          <a:bodyPr rtlCol="0" anchor="ctr"/>
+          <a:lstStyle/>
+          <a:p>
+            <a:pPr algn="ctr"/>
+            <a:r>
+              <a:rPr lang="zh-CN" altLang="en-US" sz="2000" dirty="0" smtClean="0">
+                <a:solidFill>
+                  <a:schemeClr val="bg1"/>
+                </a:solidFill>
+                <a:latin typeface="微软雅黑" panose="020B0503020204020204" pitchFamily="34" charset="-122"/>
+                <a:ea typeface="微软雅黑" panose="020B0503020204020204" pitchFamily="34" charset="-122"/>
+              </a:rPr>
+              <a:t>懒拷贝</a:t>
+            </a:r>
+            <a:endParaRPr lang="zh-CN" altLang="en-US" sz="2000" dirty="0">
+              <a:solidFill>
+                <a:schemeClr val="bg1"/>
+              </a:solidFill>
+              <a:latin typeface="微软雅黑" panose="020B0503020204020204" pitchFamily="34" charset="-122"/>
+              <a:ea typeface="微软雅黑" panose="020B0503020204020204" pitchFamily="34" charset="-122"/>
+            </a:endParaRPr>
+          </a:p>
+        </p:txBody>
+      </p:sp>
+      <p:sp>
+        <p:nvSpPr>
+          <p:cNvPr id="8" name="文本框 7"/>
+          <p:cNvSpPr txBox="1"/>
+          <p:nvPr/>
+        </p:nvSpPr>
+        <p:spPr>
+          <a:xfrm>
+            <a:off x="3008472" y="1926309"/>
+            <a:ext cx="1050144" cy="369332"/>
+          </a:xfrm>
+          <a:prstGeom prst="rect">
+            <a:avLst/>
+          </a:prstGeom>
+          <a:noFill/>
+        </p:spPr>
+        <p:txBody>
+          <a:bodyPr wrap="square" rtlCol="0">
+            <a:spAutoFit/>
+          </a:bodyPr>
+          <a:lstStyle/>
+          <a:p>
+            <a:pPr algn="ctr"/>
+            <a:r>
+              <a:rPr lang="zh-CN" altLang="en-US" dirty="0" smtClean="0">
+                <a:latin typeface="幼圆" panose="02010509060101010101" pitchFamily="49" charset="-122"/>
+                <a:ea typeface="幼圆" panose="02010509060101010101" pitchFamily="49" charset="-122"/>
+              </a:rPr>
+              <a:t>传值</a:t>
+            </a:r>
+            <a:endParaRPr lang="zh-CN" altLang="en-US" dirty="0">
+              <a:latin typeface="幼圆" panose="02010509060101010101" pitchFamily="49" charset="-122"/>
+              <a:ea typeface="幼圆" panose="02010509060101010101" pitchFamily="49" charset="-122"/>
+            </a:endParaRPr>
+          </a:p>
+        </p:txBody>
+      </p:sp>
+      <p:sp>
+        <p:nvSpPr>
+          <p:cNvPr id="9" name="文本框 8"/>
+          <p:cNvSpPr txBox="1"/>
+          <p:nvPr/>
+        </p:nvSpPr>
+        <p:spPr>
+          <a:xfrm>
+            <a:off x="5038529" y="1926309"/>
+            <a:ext cx="1050144" cy="369332"/>
+          </a:xfrm>
+          <a:prstGeom prst="rect">
+            <a:avLst/>
+          </a:prstGeom>
+          <a:noFill/>
+        </p:spPr>
+        <p:txBody>
+          <a:bodyPr wrap="square" rtlCol="0">
+            <a:spAutoFit/>
+          </a:bodyPr>
+          <a:lstStyle/>
+          <a:p>
+            <a:pPr algn="ctr"/>
+            <a:r>
+              <a:rPr lang="zh-CN" altLang="en-US" dirty="0" smtClean="0">
+                <a:latin typeface="幼圆" panose="02010509060101010101" pitchFamily="49" charset="-122"/>
+                <a:ea typeface="幼圆" panose="02010509060101010101" pitchFamily="49" charset="-122"/>
+              </a:rPr>
+              <a:t>传址</a:t>
+            </a:r>
+            <a:endParaRPr lang="zh-CN" altLang="en-US" dirty="0">
+              <a:latin typeface="幼圆" panose="02010509060101010101" pitchFamily="49" charset="-122"/>
+              <a:ea typeface="幼圆" panose="02010509060101010101" pitchFamily="49" charset="-122"/>
+            </a:endParaRPr>
+          </a:p>
+        </p:txBody>
+      </p:sp>
+      <p:sp>
+        <p:nvSpPr>
+          <p:cNvPr id="10" name="文本框 9"/>
+          <p:cNvSpPr txBox="1"/>
+          <p:nvPr/>
+        </p:nvSpPr>
+        <p:spPr>
+          <a:xfrm>
+            <a:off x="6668975" y="1926309"/>
+            <a:ext cx="2026790" cy="1200329"/>
+          </a:xfrm>
+          <a:prstGeom prst="rect">
+            <a:avLst/>
+          </a:prstGeom>
+          <a:noFill/>
+        </p:spPr>
+        <p:txBody>
+          <a:bodyPr wrap="square" rtlCol="0">
+            <a:spAutoFit/>
+          </a:bodyPr>
+          <a:lstStyle/>
+          <a:p>
+            <a:pPr algn="ctr"/>
+            <a:r>
+              <a:rPr lang="zh-CN" altLang="en-US" dirty="0" smtClean="0">
+                <a:latin typeface="幼圆" panose="02010509060101010101" pitchFamily="49" charset="-122"/>
+                <a:ea typeface="幼圆" panose="02010509060101010101" pitchFamily="49" charset="-122"/>
+              </a:rPr>
+              <a:t>形参先浅拷贝实参，形参被修改时则深拷贝实参，保证实参不被修改</a:t>
+            </a:r>
+            <a:endParaRPr lang="zh-CN" altLang="en-US" dirty="0">
+              <a:latin typeface="幼圆" panose="02010509060101010101" pitchFamily="49" charset="-122"/>
+              <a:ea typeface="幼圆" panose="02010509060101010101" pitchFamily="49" charset="-122"/>
+            </a:endParaRPr>
+          </a:p>
+        </p:txBody>
+      </p:sp>
+      <p:pic>
+        <p:nvPicPr>
+          <p:cNvPr id="7" name="图片 6"/>
+          <p:cNvPicPr>
+            <a:picLocks noChangeAspect="1"/>
+          </p:cNvPicPr>
+          <p:nvPr/>
+        </p:nvPicPr>
+        <p:blipFill>
+          <a:blip r:embed="rId2"/>
+          <a:stretch>
+            <a:fillRect/>
+          </a:stretch>
+        </p:blipFill>
+        <p:spPr>
+          <a:xfrm>
+            <a:off x="2672445" y="2497879"/>
+            <a:ext cx="3625598" cy="3180900"/>
+          </a:xfrm>
+          <a:prstGeom prst="rect">
+            <a:avLst/>
+          </a:prstGeom>
+          <a:ln>
+            <a:solidFill>
+              <a:schemeClr val="tx1"/>
+            </a:solidFill>
+          </a:ln>
+        </p:spPr>
+      </p:pic>
+      <p:pic>
+        <p:nvPicPr>
+          <p:cNvPr id="11" name="图片 10"/>
+          <p:cNvPicPr>
+            <a:picLocks noChangeAspect="1"/>
+          </p:cNvPicPr>
+          <p:nvPr/>
+        </p:nvPicPr>
+        <p:blipFill>
+          <a:blip r:embed="rId3"/>
+          <a:stretch>
+            <a:fillRect/>
+          </a:stretch>
+        </p:blipFill>
+        <p:spPr>
+          <a:xfrm>
+            <a:off x="2672445" y="5758882"/>
+            <a:ext cx="4579164" cy="1036680"/>
+          </a:xfrm>
+          <a:prstGeom prst="rect">
+            <a:avLst/>
+          </a:prstGeom>
+          <a:ln>
+            <a:solidFill>
+              <a:schemeClr val="tx1"/>
+            </a:solidFill>
+          </a:ln>
+        </p:spPr>
+      </p:pic>
+      <p:sp>
+        <p:nvSpPr>
+          <p:cNvPr id="12" name="文本框 11"/>
+          <p:cNvSpPr txBox="1"/>
+          <p:nvPr/>
+        </p:nvSpPr>
+        <p:spPr>
+          <a:xfrm>
+            <a:off x="1916565" y="2417776"/>
+            <a:ext cx="762000" cy="400110"/>
+          </a:xfrm>
+          <a:prstGeom prst="rect">
+            <a:avLst/>
+          </a:prstGeom>
+          <a:noFill/>
+        </p:spPr>
+        <p:txBody>
+          <a:bodyPr wrap="square" rtlCol="0" anchor="ctr">
+            <a:spAutoFit/>
+          </a:bodyPr>
+          <a:lstStyle/>
+          <a:p>
+            <a:pPr algn="ctr"/>
+            <a:r>
+              <a:rPr lang="zh-CN" altLang="en-US" sz="2000" dirty="0" smtClean="0">
+                <a:solidFill>
+                  <a:schemeClr val="accent5">
+                    <a:lumMod val="75000"/>
+                  </a:schemeClr>
+                </a:solidFill>
+                <a:latin typeface="幼圆" panose="02010509060101010101" pitchFamily="49" charset="-122"/>
+                <a:ea typeface="幼圆" panose="02010509060101010101" pitchFamily="49" charset="-122"/>
+              </a:rPr>
+              <a:t>代码</a:t>
+            </a:r>
+            <a:endParaRPr lang="zh-CN" altLang="en-US" sz="2000" dirty="0">
+              <a:solidFill>
+                <a:schemeClr val="accent5">
+                  <a:lumMod val="75000"/>
+                </a:schemeClr>
+              </a:solidFill>
+              <a:latin typeface="幼圆" panose="02010509060101010101" pitchFamily="49" charset="-122"/>
+              <a:ea typeface="幼圆" panose="02010509060101010101" pitchFamily="49" charset="-122"/>
+            </a:endParaRPr>
+          </a:p>
+        </p:txBody>
+      </p:sp>
+      <p:sp>
+        <p:nvSpPr>
+          <p:cNvPr id="13" name="文本框 12"/>
+          <p:cNvSpPr txBox="1"/>
+          <p:nvPr/>
+        </p:nvSpPr>
+        <p:spPr>
+          <a:xfrm>
+            <a:off x="1916565" y="5672917"/>
+            <a:ext cx="762000" cy="400110"/>
+          </a:xfrm>
+          <a:prstGeom prst="rect">
+            <a:avLst/>
+          </a:prstGeom>
+          <a:noFill/>
+        </p:spPr>
+        <p:txBody>
+          <a:bodyPr wrap="square" rtlCol="0" anchor="ctr">
+            <a:spAutoFit/>
+          </a:bodyPr>
+          <a:lstStyle/>
+          <a:p>
+            <a:pPr algn="ctr"/>
+            <a:r>
+              <a:rPr lang="zh-CN" altLang="en-US" sz="2000" dirty="0" smtClean="0">
+                <a:solidFill>
+                  <a:schemeClr val="accent5">
+                    <a:lumMod val="75000"/>
+                  </a:schemeClr>
+                </a:solidFill>
+                <a:latin typeface="幼圆" panose="02010509060101010101" pitchFamily="49" charset="-122"/>
+                <a:ea typeface="幼圆" panose="02010509060101010101" pitchFamily="49" charset="-122"/>
+              </a:rPr>
+              <a:t>输出</a:t>
+            </a:r>
+            <a:endParaRPr lang="zh-CN" altLang="en-US" sz="2000" dirty="0">
+              <a:solidFill>
+                <a:schemeClr val="accent5">
+                  <a:lumMod val="75000"/>
+                </a:schemeClr>
+              </a:solidFill>
+              <a:latin typeface="幼圆" panose="02010509060101010101" pitchFamily="49" charset="-122"/>
+              <a:ea typeface="幼圆" panose="02010509060101010101" pitchFamily="49" charset="-122"/>
+            </a:endParaRPr>
+          </a:p>
+        </p:txBody>
+      </p:sp>
+    </p:spTree>
+    <p:extLst>
+      <p:ext uri="{BB962C8B-B14F-4D97-AF65-F5344CB8AC3E}">
+        <p14:creationId xmlns:p14="http://schemas.microsoft.com/office/powerpoint/2010/main" val="2281924525"/>
+      </p:ext>
+    </p:extLst>
+  </p:cSld>
+  <p:clrMapOvr>
+    <a:masterClrMapping/>
+  </p:clrMapOvr>
+  <p:timing>
+    <p:tnLst>
+      <p:par>
+        <p:cTn id="1" dur="indefinite" restart="never" nodeType="tmRoot"/>
+      </p:par>
+    </p:tnLst>
+  </p:timing>
+</p:sld>
+</file>
+
+<file path=ppt/slides/slide32.xml><?xml version="1.0" encoding="utf-8"?>
+<p:sld xmlns:a="http://schemas.openxmlformats.org/drawingml/2006/main" xmlns:r="http://schemas.openxmlformats.org/officeDocument/2006/relationships" xmlns:p="http://schemas.openxmlformats.org/presentationml/2006/main">
+  <p:cSld>
+    <p:spTree>
+      <p:nvGrpSpPr>
+        <p:cNvPr id="1" name=""/>
+        <p:cNvGrpSpPr/>
+        <p:nvPr/>
+      </p:nvGrpSpPr>
+      <p:grpSpPr>
+        <a:xfrm>
+          <a:off x="0" y="0"/>
+          <a:ext cx="0" cy="0"/>
+          <a:chOff x="0" y="0"/>
+          <a:chExt cx="0" cy="0"/>
+        </a:xfrm>
+      </p:grpSpPr>
+      <p:sp>
+        <p:nvSpPr>
+          <p:cNvPr id="2" name="文本占位符 1"/>
+          <p:cNvSpPr>
+            <a:spLocks noGrp="1"/>
+          </p:cNvSpPr>
+          <p:nvPr>
+            <p:ph type="body" sz="quarter" idx="10"/>
+          </p:nvPr>
+        </p:nvSpPr>
+        <p:spPr/>
+        <p:txBody>
+          <a:bodyPr/>
+          <a:lstStyle/>
+          <a:p>
+            <a:r>
+              <a:rPr lang="zh-CN" altLang="en-US" dirty="0" smtClean="0"/>
               <a:t>函数的</a:t>
             </a:r>
             <a:endParaRPr lang="en-US" altLang="zh-CN" dirty="0" smtClean="0"/>
@@ -10047,7 +10131,7 @@
 </p:sld>
 </file>
 
-<file path=ppt/slides/slide32.xml><?xml version="1.0" encoding="utf-8"?>
+<file path=ppt/slides/slide33.xml><?xml version="1.0" encoding="utf-8"?>
 <p:sld xmlns:a="http://schemas.openxmlformats.org/drawingml/2006/main" xmlns:r="http://schemas.openxmlformats.org/officeDocument/2006/relationships" xmlns:p="http://schemas.openxmlformats.org/presentationml/2006/main">
   <p:cSld>
     <p:spTree>
@@ -10863,15 +10947,12 @@
           <a:lstStyle/>
           <a:p>
             <a:r>
-              <a:rPr lang="zh-CN" altLang="en-US" dirty="0" smtClean="0"/>
-              <a:t>本课程</a:t>
-            </a:r>
-            <a:endParaRPr lang="en-US" altLang="zh-CN" dirty="0" smtClean="0"/>
-          </a:p>
-          <a:p>
-            <a:r>
-              <a:rPr lang="zh-CN" altLang="en-US" dirty="0" smtClean="0"/>
-              <a:t>讲什么</a:t>
+              <a:rPr lang="en-US" altLang="zh-CN" dirty="0" smtClean="0"/>
+              <a:t>MATLAB</a:t>
+            </a:r>
+            <a:r>
+              <a:rPr lang="zh-CN" altLang="en-US" dirty="0" smtClean="0"/>
+              <a:t>的效率</a:t>
             </a:r>
             <a:endParaRPr lang="zh-CN" altLang="en-US" dirty="0"/>
           </a:p>
@@ -10893,55 +10974,46 @@
           <a:lstStyle/>
           <a:p>
             <a:r>
-              <a:rPr lang="zh-CN" altLang="en-US" dirty="0" smtClean="0"/>
-              <a:t>基于</a:t>
-            </a:r>
-            <a:r>
               <a:rPr lang="en-US" altLang="zh-CN" dirty="0" smtClean="0"/>
               <a:t>MATLAB</a:t>
             </a:r>
             <a:r>
               <a:rPr lang="zh-CN" altLang="en-US" dirty="0" smtClean="0"/>
-              <a:t>语言，阐述编程中的重要思想，介绍人工智能的基本原理</a:t>
+              <a:t>的运行效率要比基本编程语言慢</a:t>
             </a:r>
             <a:endParaRPr lang="en-US" altLang="zh-CN" dirty="0" smtClean="0"/>
           </a:p>
           <a:p>
+            <a:endParaRPr lang="en-US" altLang="zh-CN" dirty="0"/>
+          </a:p>
+          <a:p>
             <a:endParaRPr lang="en-US" altLang="zh-CN" dirty="0" smtClean="0"/>
           </a:p>
           <a:p>
             <a:endParaRPr lang="en-US" altLang="zh-CN" dirty="0"/>
           </a:p>
           <a:p>
-            <a:r>
-              <a:rPr lang="zh-CN" altLang="en-US" dirty="0" smtClean="0"/>
-              <a:t>编程思想：矩阵运算、设计模式、控件设计</a:t>
-            </a:r>
             <a:endParaRPr lang="en-US" altLang="zh-CN" dirty="0" smtClean="0"/>
           </a:p>
           <a:p>
+            <a:endParaRPr lang="en-US" altLang="zh-CN" dirty="0"/>
+          </a:p>
+          <a:p>
             <a:endParaRPr lang="en-US" altLang="zh-CN" dirty="0" smtClean="0"/>
           </a:p>
           <a:p>
             <a:endParaRPr lang="en-US" altLang="zh-CN" dirty="0"/>
           </a:p>
           <a:p>
-            <a:r>
-              <a:rPr lang="zh-CN" altLang="en-US" dirty="0" smtClean="0"/>
-              <a:t>人工智能原理：神经网络、进化算法</a:t>
-            </a:r>
             <a:endParaRPr lang="en-US" altLang="zh-CN" dirty="0" smtClean="0"/>
           </a:p>
           <a:p>
             <a:endParaRPr lang="en-US" altLang="zh-CN" dirty="0"/>
           </a:p>
           <a:p>
-            <a:endParaRPr lang="en-US" altLang="zh-CN" dirty="0" smtClean="0"/>
-          </a:p>
-          <a:p>
-            <a:r>
-              <a:rPr lang="zh-CN" altLang="en-US" dirty="0" smtClean="0"/>
-              <a:t>本课程不教授的：利用</a:t>
+            <a:r>
+              <a:rPr lang="zh-CN" altLang="en-US" dirty="0" smtClean="0"/>
+              <a:t>但</a:t>
             </a:r>
             <a:r>
               <a:rPr lang="en-US" altLang="zh-CN" dirty="0" smtClean="0"/>
@@ -10949,29 +11021,52 @@
             </a:r>
             <a:r>
               <a:rPr lang="zh-CN" altLang="en-US" dirty="0" smtClean="0"/>
-              <a:t>进行符号计算、各工具箱的使用</a:t>
-            </a:r>
-            <a:endParaRPr lang="zh-CN" altLang="en-US" dirty="0"/>
-          </a:p>
-        </p:txBody>
-      </p:sp>
+              <a:t>有很高的开发效率</a:t>
+            </a:r>
+            <a:endParaRPr lang="en-US" altLang="zh-CN" dirty="0" smtClean="0"/>
+          </a:p>
+        </p:txBody>
+      </p:sp>
+      <p:pic>
+        <p:nvPicPr>
+          <p:cNvPr id="4" name="图片 3"/>
+          <p:cNvPicPr>
+            <a:picLocks noChangeAspect="1"/>
+          </p:cNvPicPr>
+          <p:nvPr/>
+        </p:nvPicPr>
+        <p:blipFill>
+          <a:blip r:embed="rId2">
+            <a:extLst>
+              <a:ext uri="{28A0092B-C50C-407E-A947-70E740481C1C}">
+                <a14:useLocalDpi xmlns:a14="http://schemas.microsoft.com/office/drawing/2010/main" val="0"/>
+              </a:ext>
+            </a:extLst>
+          </a:blip>
+          <a:stretch>
+            <a:fillRect/>
+          </a:stretch>
+        </p:blipFill>
+        <p:spPr>
+          <a:xfrm>
+            <a:off x="3042780" y="1001713"/>
+            <a:ext cx="5024471" cy="3964622"/>
+          </a:xfrm>
+          <a:prstGeom prst="rect">
+            <a:avLst/>
+          </a:prstGeom>
+        </p:spPr>
+      </p:pic>
     </p:spTree>
     <p:extLst>
       <p:ext uri="{BB962C8B-B14F-4D97-AF65-F5344CB8AC3E}">
-        <p14:creationId xmlns:p14="http://schemas.microsoft.com/office/powerpoint/2010/main" val="1670531975"/>
+        <p14:creationId xmlns:p14="http://schemas.microsoft.com/office/powerpoint/2010/main" val="576834032"/>
       </p:ext>
     </p:extLst>
   </p:cSld>
   <p:clrMapOvr>
     <a:masterClrMapping/>
   </p:clrMapOvr>
-  <p:timing>
-    <p:tnLst>
-      <p:par>
-        <p:cTn id="1" dur="indefinite" restart="never" nodeType="tmRoot"/>
-      </p:par>
-    </p:tnLst>
-  </p:timing>
 </p:sld>
 </file>
 
@@ -11009,110 +11104,101 @@
           <a:p>
             <a:r>
               <a:rPr lang="zh-CN" altLang="en-US" dirty="0" smtClean="0"/>
-              <a:t>推荐的</a:t>
+              <a:t>本课程</a:t>
             </a:r>
             <a:endParaRPr lang="en-US" altLang="zh-CN" dirty="0" smtClean="0"/>
           </a:p>
           <a:p>
             <a:r>
               <a:rPr lang="zh-CN" altLang="en-US" dirty="0" smtClean="0"/>
-              <a:t>教材</a:t>
+              <a:t>讲什么</a:t>
             </a:r>
             <a:endParaRPr lang="zh-CN" altLang="en-US" dirty="0"/>
           </a:p>
         </p:txBody>
       </p:sp>
-      <p:pic>
-        <p:nvPicPr>
-          <p:cNvPr id="4" name="图片 3"/>
-          <p:cNvPicPr>
-            <a:picLocks noChangeAspect="1"/>
-          </p:cNvPicPr>
-          <p:nvPr/>
-        </p:nvPicPr>
-        <p:blipFill rotWithShape="1">
-          <a:blip r:embed="rId2" cstate="print">
-            <a:extLst>
-              <a:ext uri="{28A0092B-C50C-407E-A947-70E740481C1C}">
-                <a14:useLocalDpi xmlns:a14="http://schemas.microsoft.com/office/drawing/2010/main" val="0"/>
-              </a:ext>
-            </a:extLst>
-          </a:blip>
-          <a:srcRect l="9445" t="8655" r="3426" b="9276"/>
-          <a:stretch/>
-        </p:blipFill>
-        <p:spPr>
-          <a:xfrm rot="5400000">
-            <a:off x="2351655" y="730211"/>
-            <a:ext cx="3166535" cy="2231044"/>
-          </a:xfrm>
-          <a:prstGeom prst="rect">
-            <a:avLst/>
-          </a:prstGeom>
-        </p:spPr>
-      </p:pic>
-      <p:pic>
-        <p:nvPicPr>
-          <p:cNvPr id="5" name="图片 4"/>
-          <p:cNvPicPr>
-            <a:picLocks noChangeAspect="1"/>
-          </p:cNvPicPr>
-          <p:nvPr/>
-        </p:nvPicPr>
-        <p:blipFill rotWithShape="1">
-          <a:blip r:embed="rId3" cstate="print">
-            <a:extLst>
-              <a:ext uri="{28A0092B-C50C-407E-A947-70E740481C1C}">
-                <a14:useLocalDpi xmlns:a14="http://schemas.microsoft.com/office/drawing/2010/main" val="0"/>
-              </a:ext>
-            </a:extLst>
-          </a:blip>
-          <a:srcRect l="4722" t="8038" r="2314" b="3457"/>
-          <a:stretch/>
-        </p:blipFill>
-        <p:spPr>
-          <a:xfrm rot="5400000">
-            <a:off x="5987391" y="718206"/>
-            <a:ext cx="3166531" cy="2255050"/>
-          </a:xfrm>
-          <a:prstGeom prst="rect">
-            <a:avLst/>
-          </a:prstGeom>
-        </p:spPr>
-      </p:pic>
-      <p:pic>
-        <p:nvPicPr>
-          <p:cNvPr id="6" name="图片 5"/>
-          <p:cNvPicPr>
-            <a:picLocks noChangeAspect="1"/>
-          </p:cNvPicPr>
-          <p:nvPr/>
-        </p:nvPicPr>
-        <p:blipFill rotWithShape="1">
-          <a:blip r:embed="rId4" cstate="print">
-            <a:extLst>
-              <a:ext uri="{28A0092B-C50C-407E-A947-70E740481C1C}">
-                <a14:useLocalDpi xmlns:a14="http://schemas.microsoft.com/office/drawing/2010/main" val="0"/>
-              </a:ext>
-            </a:extLst>
-          </a:blip>
-          <a:srcRect l="4446" t="3704" r="3333" b="7666"/>
-          <a:stretch/>
-        </p:blipFill>
-        <p:spPr>
-          <a:xfrm rot="5400000">
-            <a:off x="4067705" y="4018028"/>
-            <a:ext cx="3166534" cy="2276343"/>
-          </a:xfrm>
-          <a:prstGeom prst="rect">
-            <a:avLst/>
-          </a:prstGeom>
-        </p:spPr>
-      </p:pic>
+      <p:sp>
+        <p:nvSpPr>
+          <p:cNvPr id="3" name="文本占位符 2"/>
+          <p:cNvSpPr>
+            <a:spLocks noGrp="1"/>
+          </p:cNvSpPr>
+          <p:nvPr>
+            <p:ph type="body" sz="quarter" idx="11"/>
+          </p:nvPr>
+        </p:nvSpPr>
+        <p:spPr/>
+        <p:txBody>
+          <a:bodyPr/>
+          <a:lstStyle/>
+          <a:p>
+            <a:r>
+              <a:rPr lang="zh-CN" altLang="en-US" dirty="0" smtClean="0"/>
+              <a:t>基于</a:t>
+            </a:r>
+            <a:r>
+              <a:rPr lang="en-US" altLang="zh-CN" dirty="0" smtClean="0"/>
+              <a:t>MATLAB</a:t>
+            </a:r>
+            <a:r>
+              <a:rPr lang="zh-CN" altLang="en-US" dirty="0" smtClean="0"/>
+              <a:t>语言，阐述编程中的重要思想，介绍人工智能的基本原理</a:t>
+            </a:r>
+            <a:endParaRPr lang="en-US" altLang="zh-CN" dirty="0" smtClean="0"/>
+          </a:p>
+          <a:p>
+            <a:endParaRPr lang="en-US" altLang="zh-CN" dirty="0" smtClean="0"/>
+          </a:p>
+          <a:p>
+            <a:endParaRPr lang="en-US" altLang="zh-CN" dirty="0"/>
+          </a:p>
+          <a:p>
+            <a:r>
+              <a:rPr lang="zh-CN" altLang="en-US" dirty="0" smtClean="0"/>
+              <a:t>编程思想：矩阵运算、设计模式、控件设计</a:t>
+            </a:r>
+            <a:endParaRPr lang="en-US" altLang="zh-CN" dirty="0" smtClean="0"/>
+          </a:p>
+          <a:p>
+            <a:endParaRPr lang="en-US" altLang="zh-CN" dirty="0" smtClean="0"/>
+          </a:p>
+          <a:p>
+            <a:endParaRPr lang="en-US" altLang="zh-CN" dirty="0"/>
+          </a:p>
+          <a:p>
+            <a:r>
+              <a:rPr lang="zh-CN" altLang="en-US" dirty="0" smtClean="0"/>
+              <a:t>人工智能原理：神经网络、进化算法</a:t>
+            </a:r>
+            <a:endParaRPr lang="en-US" altLang="zh-CN" dirty="0" smtClean="0"/>
+          </a:p>
+          <a:p>
+            <a:endParaRPr lang="en-US" altLang="zh-CN" dirty="0"/>
+          </a:p>
+          <a:p>
+            <a:endParaRPr lang="en-US" altLang="zh-CN" dirty="0" smtClean="0"/>
+          </a:p>
+          <a:p>
+            <a:r>
+              <a:rPr lang="zh-CN" altLang="en-US" dirty="0" smtClean="0"/>
+              <a:t>本课程不教授的：利用</a:t>
+            </a:r>
+            <a:r>
+              <a:rPr lang="en-US" altLang="zh-CN" dirty="0" smtClean="0"/>
+              <a:t>MATLAB</a:t>
+            </a:r>
+            <a:r>
+              <a:rPr lang="zh-CN" altLang="en-US" dirty="0" smtClean="0"/>
+              <a:t>进行符号计算、各工具箱的使用</a:t>
+            </a:r>
+            <a:endParaRPr lang="zh-CN" altLang="en-US" dirty="0"/>
+          </a:p>
+        </p:txBody>
+      </p:sp>
     </p:spTree>
     <p:extLst>
       <p:ext uri="{BB962C8B-B14F-4D97-AF65-F5344CB8AC3E}">
-        <p14:creationId xmlns:p14="http://schemas.microsoft.com/office/powerpoint/2010/main" val="1651848703"/>
+        <p14:creationId xmlns:p14="http://schemas.microsoft.com/office/powerpoint/2010/main" val="1670531975"/>
       </p:ext>
     </p:extLst>
   </p:cSld>
@@ -11148,7 +11234,7 @@
       </p:grpSpPr>
       <p:sp>
         <p:nvSpPr>
-          <p:cNvPr id="4" name="文本占位符 3"/>
+          <p:cNvPr id="2" name="文本占位符 1"/>
           <p:cNvSpPr>
             <a:spLocks noGrp="1"/>
           </p:cNvSpPr>
@@ -11163,39 +11249,110 @@
           <a:p>
             <a:r>
               <a:rPr lang="zh-CN" altLang="en-US" dirty="0" smtClean="0"/>
-              <a:t>数据类型</a:t>
+              <a:t>推荐的</a:t>
+            </a:r>
+            <a:endParaRPr lang="en-US" altLang="zh-CN" dirty="0" smtClean="0"/>
+          </a:p>
+          <a:p>
+            <a:r>
+              <a:rPr lang="zh-CN" altLang="en-US" dirty="0" smtClean="0"/>
+              <a:t>教材</a:t>
             </a:r>
             <a:endParaRPr lang="zh-CN" altLang="en-US" dirty="0"/>
           </a:p>
         </p:txBody>
       </p:sp>
-      <p:sp>
-        <p:nvSpPr>
-          <p:cNvPr id="5" name="文本占位符 4"/>
-          <p:cNvSpPr>
-            <a:spLocks noGrp="1"/>
-          </p:cNvSpPr>
-          <p:nvPr>
-            <p:ph type="body" sz="quarter" idx="11"/>
-          </p:nvPr>
-        </p:nvSpPr>
-        <p:spPr/>
-        <p:txBody>
-          <a:bodyPr/>
-          <a:lstStyle/>
-          <a:p>
-            <a:r>
-              <a:rPr lang="en-US" altLang="zh-CN" dirty="0" smtClean="0"/>
-              <a:t>2</a:t>
-            </a:r>
-            <a:endParaRPr lang="zh-CN" altLang="en-US" dirty="0"/>
-          </a:p>
-        </p:txBody>
-      </p:sp>
+      <p:pic>
+        <p:nvPicPr>
+          <p:cNvPr id="4" name="图片 3"/>
+          <p:cNvPicPr>
+            <a:picLocks noChangeAspect="1"/>
+          </p:cNvPicPr>
+          <p:nvPr/>
+        </p:nvPicPr>
+        <p:blipFill rotWithShape="1">
+          <a:blip r:embed="rId2" cstate="print">
+            <a:extLst>
+              <a:ext uri="{28A0092B-C50C-407E-A947-70E740481C1C}">
+                <a14:useLocalDpi xmlns:a14="http://schemas.microsoft.com/office/drawing/2010/main" val="0"/>
+              </a:ext>
+            </a:extLst>
+          </a:blip>
+          <a:srcRect l="9445" t="8655" r="3426" b="9276"/>
+          <a:stretch/>
+        </p:blipFill>
+        <p:spPr>
+          <a:xfrm rot="5400000">
+            <a:off x="2351655" y="730211"/>
+            <a:ext cx="3166535" cy="2231044"/>
+          </a:xfrm>
+          <a:prstGeom prst="rect">
+            <a:avLst/>
+          </a:prstGeom>
+        </p:spPr>
+      </p:pic>
+      <p:pic>
+        <p:nvPicPr>
+          <p:cNvPr id="5" name="图片 4"/>
+          <p:cNvPicPr>
+            <a:picLocks noChangeAspect="1"/>
+          </p:cNvPicPr>
+          <p:nvPr/>
+        </p:nvPicPr>
+        <p:blipFill rotWithShape="1">
+          <a:blip r:embed="rId3" cstate="print">
+            <a:extLst>
+              <a:ext uri="{28A0092B-C50C-407E-A947-70E740481C1C}">
+                <a14:useLocalDpi xmlns:a14="http://schemas.microsoft.com/office/drawing/2010/main" val="0"/>
+              </a:ext>
+            </a:extLst>
+          </a:blip>
+          <a:srcRect l="4722" t="8038" r="2314" b="3457"/>
+          <a:stretch/>
+        </p:blipFill>
+        <p:spPr>
+          <a:xfrm rot="5400000">
+            <a:off x="5987391" y="718206"/>
+            <a:ext cx="3166531" cy="2255050"/>
+          </a:xfrm>
+          <a:prstGeom prst="rect">
+            <a:avLst/>
+          </a:prstGeom>
+        </p:spPr>
+      </p:pic>
+      <p:pic>
+        <p:nvPicPr>
+          <p:cNvPr id="6" name="图片 5"/>
+          <p:cNvPicPr>
+            <a:picLocks noChangeAspect="1"/>
+          </p:cNvPicPr>
+          <p:nvPr/>
+        </p:nvPicPr>
+        <p:blipFill rotWithShape="1">
+          <a:blip r:embed="rId4" cstate="print">
+            <a:extLst>
+              <a:ext uri="{28A0092B-C50C-407E-A947-70E740481C1C}">
+                <a14:useLocalDpi xmlns:a14="http://schemas.microsoft.com/office/drawing/2010/main" val="0"/>
+              </a:ext>
+            </a:extLst>
+          </a:blip>
+          <a:srcRect l="4446" t="3704" r="3333" b="7666"/>
+          <a:stretch/>
+        </p:blipFill>
+        <p:spPr>
+          <a:xfrm rot="5400000">
+            <a:off x="4067705" y="4018028"/>
+            <a:ext cx="3166534" cy="2276343"/>
+          </a:xfrm>
+          <a:prstGeom prst="rect">
+            <a:avLst/>
+          </a:prstGeom>
+        </p:spPr>
+      </p:pic>
     </p:spTree>
     <p:extLst>
       <p:ext uri="{BB962C8B-B14F-4D97-AF65-F5344CB8AC3E}">
-        <p14:creationId xmlns:p14="http://schemas.microsoft.com/office/powerpoint/2010/main" val="717135678"/>
+        <p14:creationId xmlns:p14="http://schemas.microsoft.com/office/powerpoint/2010/main" val="1651848703"/>
       </p:ext>
     </p:extLst>
   </p:cSld>
